--- a/doc/Draft.pptx
+++ b/doc/Draft.pptx
@@ -4,6 +4,9 @@
   <p:sldMasterIdLst>
     <p:sldMasterId id="2147483648" r:id="rId1"/>
   </p:sldMasterIdLst>
+  <p:notesMasterIdLst>
+    <p:notesMasterId r:id="rId28"/>
+  </p:notesMasterIdLst>
   <p:sldIdLst>
     <p:sldId id="256" r:id="rId2"/>
     <p:sldId id="257" r:id="rId3"/>
@@ -20,6 +23,17 @@
     <p:sldId id="268" r:id="rId14"/>
     <p:sldId id="269" r:id="rId15"/>
     <p:sldId id="270" r:id="rId16"/>
+    <p:sldId id="274" r:id="rId17"/>
+    <p:sldId id="275" r:id="rId18"/>
+    <p:sldId id="271" r:id="rId19"/>
+    <p:sldId id="273" r:id="rId20"/>
+    <p:sldId id="276" r:id="rId21"/>
+    <p:sldId id="277" r:id="rId22"/>
+    <p:sldId id="280" r:id="rId23"/>
+    <p:sldId id="281" r:id="rId24"/>
+    <p:sldId id="278" r:id="rId25"/>
+    <p:sldId id="279" r:id="rId26"/>
+    <p:sldId id="272" r:id="rId27"/>
   </p:sldIdLst>
   <p:sldSz cx="12192000" cy="6858000"/>
   <p:notesSz cx="6858000" cy="9144000"/>
@@ -118,7 +132,1135 @@
       </a:defRPr>
     </a:lvl9pPr>
   </p:defaultTextStyle>
+  <p:extLst>
+    <p:ext uri="{EFAFB233-063F-42B5-8137-9DF3F51BA10A}">
+      <p15:sldGuideLst xmlns:p15="http://schemas.microsoft.com/office/powerpoint/2012/main"/>
+    </p:ext>
+  </p:extLst>
 </p:presentation>
+</file>
+
+<file path=ppt/notesMasters/notesMaster1.xml><?xml version="1.0" encoding="utf-8"?>
+<p:notesMaster xmlns:a="http://schemas.openxmlformats.org/drawingml/2006/main" xmlns:r="http://schemas.openxmlformats.org/officeDocument/2006/relationships" xmlns:p="http://schemas.openxmlformats.org/presentationml/2006/main">
+  <p:cSld>
+    <p:bg>
+      <p:bgRef idx="1001">
+        <a:schemeClr val="bg1"/>
+      </p:bgRef>
+    </p:bg>
+    <p:spTree>
+      <p:nvGrpSpPr>
+        <p:cNvPr id="1" name=""/>
+        <p:cNvGrpSpPr/>
+        <p:nvPr/>
+      </p:nvGrpSpPr>
+      <p:grpSpPr>
+        <a:xfrm>
+          <a:off x="0" y="0"/>
+          <a:ext cx="0" cy="0"/>
+          <a:chOff x="0" y="0"/>
+          <a:chExt cx="0" cy="0"/>
+        </a:xfrm>
+      </p:grpSpPr>
+      <p:sp>
+        <p:nvSpPr>
+          <p:cNvPr id="2" name="Header Placeholder 1"/>
+          <p:cNvSpPr>
+            <a:spLocks noGrp="1"/>
+          </p:cNvSpPr>
+          <p:nvPr>
+            <p:ph type="hdr" sz="quarter"/>
+          </p:nvPr>
+        </p:nvSpPr>
+        <p:spPr>
+          <a:xfrm>
+            <a:off x="0" y="0"/>
+            <a:ext cx="2971800" cy="458788"/>
+          </a:xfrm>
+          <a:prstGeom prst="rect">
+            <a:avLst/>
+          </a:prstGeom>
+        </p:spPr>
+        <p:txBody>
+          <a:bodyPr vert="horz" lIns="91440" tIns="45720" rIns="91440" bIns="45720" rtlCol="0"/>
+          <a:lstStyle>
+            <a:lvl1pPr algn="l">
+              <a:defRPr sz="1200"/>
+            </a:lvl1pPr>
+          </a:lstStyle>
+          <a:p>
+            <a:endParaRPr lang="en-US"/>
+          </a:p>
+        </p:txBody>
+      </p:sp>
+      <p:sp>
+        <p:nvSpPr>
+          <p:cNvPr id="3" name="Date Placeholder 2"/>
+          <p:cNvSpPr>
+            <a:spLocks noGrp="1"/>
+          </p:cNvSpPr>
+          <p:nvPr>
+            <p:ph type="dt" idx="1"/>
+          </p:nvPr>
+        </p:nvSpPr>
+        <p:spPr>
+          <a:xfrm>
+            <a:off x="3884613" y="0"/>
+            <a:ext cx="2971800" cy="458788"/>
+          </a:xfrm>
+          <a:prstGeom prst="rect">
+            <a:avLst/>
+          </a:prstGeom>
+        </p:spPr>
+        <p:txBody>
+          <a:bodyPr vert="horz" lIns="91440" tIns="45720" rIns="91440" bIns="45720" rtlCol="0"/>
+          <a:lstStyle>
+            <a:lvl1pPr algn="r">
+              <a:defRPr sz="1200"/>
+            </a:lvl1pPr>
+          </a:lstStyle>
+          <a:p>
+            <a:fld id="{F8A65F68-22D7-4783-BCB5-04BCD95FEB4E}" type="datetimeFigureOut">
+              <a:rPr lang="en-US" smtClean="0"/>
+              <a:t>16-Dec-22</a:t>
+            </a:fld>
+            <a:endParaRPr lang="en-US"/>
+          </a:p>
+        </p:txBody>
+      </p:sp>
+      <p:sp>
+        <p:nvSpPr>
+          <p:cNvPr id="4" name="Slide Image Placeholder 3"/>
+          <p:cNvSpPr>
+            <a:spLocks noGrp="1" noRot="1" noChangeAspect="1"/>
+          </p:cNvSpPr>
+          <p:nvPr>
+            <p:ph type="sldImg" idx="2"/>
+          </p:nvPr>
+        </p:nvSpPr>
+        <p:spPr>
+          <a:xfrm>
+            <a:off x="685800" y="1143000"/>
+            <a:ext cx="5486400" cy="3086100"/>
+          </a:xfrm>
+          <a:prstGeom prst="rect">
+            <a:avLst/>
+          </a:prstGeom>
+          <a:noFill/>
+          <a:ln w="12700">
+            <a:solidFill>
+              <a:prstClr val="black"/>
+            </a:solidFill>
+          </a:ln>
+        </p:spPr>
+        <p:txBody>
+          <a:bodyPr vert="horz" lIns="91440" tIns="45720" rIns="91440" bIns="45720" rtlCol="0" anchor="ctr"/>
+          <a:lstStyle/>
+          <a:p>
+            <a:endParaRPr lang="en-US"/>
+          </a:p>
+        </p:txBody>
+      </p:sp>
+      <p:sp>
+        <p:nvSpPr>
+          <p:cNvPr id="5" name="Notes Placeholder 4"/>
+          <p:cNvSpPr>
+            <a:spLocks noGrp="1"/>
+          </p:cNvSpPr>
+          <p:nvPr>
+            <p:ph type="body" sz="quarter" idx="3"/>
+          </p:nvPr>
+        </p:nvSpPr>
+        <p:spPr>
+          <a:xfrm>
+            <a:off x="685800" y="4400550"/>
+            <a:ext cx="5486400" cy="3600450"/>
+          </a:xfrm>
+          <a:prstGeom prst="rect">
+            <a:avLst/>
+          </a:prstGeom>
+        </p:spPr>
+        <p:txBody>
+          <a:bodyPr vert="horz" lIns="91440" tIns="45720" rIns="91440" bIns="45720" rtlCol="0"/>
+          <a:lstStyle/>
+          <a:p>
+            <a:pPr lvl="0"/>
+            <a:r>
+              <a:rPr lang="en-US"/>
+              <a:t>Click to edit Master text styles</a:t>
+            </a:r>
+          </a:p>
+          <a:p>
+            <a:pPr lvl="1"/>
+            <a:r>
+              <a:rPr lang="en-US"/>
+              <a:t>Second level</a:t>
+            </a:r>
+          </a:p>
+          <a:p>
+            <a:pPr lvl="2"/>
+            <a:r>
+              <a:rPr lang="en-US"/>
+              <a:t>Third level</a:t>
+            </a:r>
+          </a:p>
+          <a:p>
+            <a:pPr lvl="3"/>
+            <a:r>
+              <a:rPr lang="en-US"/>
+              <a:t>Fourth level</a:t>
+            </a:r>
+          </a:p>
+          <a:p>
+            <a:pPr lvl="4"/>
+            <a:r>
+              <a:rPr lang="en-US"/>
+              <a:t>Fifth level</a:t>
+            </a:r>
+          </a:p>
+        </p:txBody>
+      </p:sp>
+      <p:sp>
+        <p:nvSpPr>
+          <p:cNvPr id="6" name="Footer Placeholder 5"/>
+          <p:cNvSpPr>
+            <a:spLocks noGrp="1"/>
+          </p:cNvSpPr>
+          <p:nvPr>
+            <p:ph type="ftr" sz="quarter" idx="4"/>
+          </p:nvPr>
+        </p:nvSpPr>
+        <p:spPr>
+          <a:xfrm>
+            <a:off x="0" y="8685213"/>
+            <a:ext cx="2971800" cy="458787"/>
+          </a:xfrm>
+          <a:prstGeom prst="rect">
+            <a:avLst/>
+          </a:prstGeom>
+        </p:spPr>
+        <p:txBody>
+          <a:bodyPr vert="horz" lIns="91440" tIns="45720" rIns="91440" bIns="45720" rtlCol="0" anchor="b"/>
+          <a:lstStyle>
+            <a:lvl1pPr algn="l">
+              <a:defRPr sz="1200"/>
+            </a:lvl1pPr>
+          </a:lstStyle>
+          <a:p>
+            <a:endParaRPr lang="en-US"/>
+          </a:p>
+        </p:txBody>
+      </p:sp>
+      <p:sp>
+        <p:nvSpPr>
+          <p:cNvPr id="7" name="Slide Number Placeholder 6"/>
+          <p:cNvSpPr>
+            <a:spLocks noGrp="1"/>
+          </p:cNvSpPr>
+          <p:nvPr>
+            <p:ph type="sldNum" sz="quarter" idx="5"/>
+          </p:nvPr>
+        </p:nvSpPr>
+        <p:spPr>
+          <a:xfrm>
+            <a:off x="3884613" y="8685213"/>
+            <a:ext cx="2971800" cy="458787"/>
+          </a:xfrm>
+          <a:prstGeom prst="rect">
+            <a:avLst/>
+          </a:prstGeom>
+        </p:spPr>
+        <p:txBody>
+          <a:bodyPr vert="horz" lIns="91440" tIns="45720" rIns="91440" bIns="45720" rtlCol="0" anchor="b"/>
+          <a:lstStyle>
+            <a:lvl1pPr algn="r">
+              <a:defRPr sz="1200"/>
+            </a:lvl1pPr>
+          </a:lstStyle>
+          <a:p>
+            <a:fld id="{598BFCC9-0D92-40E7-88EB-F11B8A5E84D8}" type="slidenum">
+              <a:rPr lang="en-US" smtClean="0"/>
+              <a:t>‹#›</a:t>
+            </a:fld>
+            <a:endParaRPr lang="en-US"/>
+          </a:p>
+        </p:txBody>
+      </p:sp>
+    </p:spTree>
+    <p:extLst>
+      <p:ext uri="{BB962C8B-B14F-4D97-AF65-F5344CB8AC3E}">
+        <p14:creationId xmlns:p14="http://schemas.microsoft.com/office/powerpoint/2010/main" val="3910184639"/>
+      </p:ext>
+    </p:extLst>
+  </p:cSld>
+  <p:clrMap bg1="lt1" tx1="dk1" bg2="lt2" tx2="dk2" accent1="accent1" accent2="accent2" accent3="accent3" accent4="accent4" accent5="accent5" accent6="accent6" hlink="hlink" folHlink="folHlink"/>
+  <p:notesStyle>
+    <a:lvl1pPr marL="0" algn="l" defTabSz="914400" rtl="0" eaLnBrk="1" latinLnBrk="0" hangingPunct="1">
+      <a:defRPr sz="1200" kern="1200">
+        <a:solidFill>
+          <a:schemeClr val="tx1"/>
+        </a:solidFill>
+        <a:latin typeface="+mn-lt"/>
+        <a:ea typeface="+mn-ea"/>
+        <a:cs typeface="+mn-cs"/>
+      </a:defRPr>
+    </a:lvl1pPr>
+    <a:lvl2pPr marL="457200" algn="l" defTabSz="914400" rtl="0" eaLnBrk="1" latinLnBrk="0" hangingPunct="1">
+      <a:defRPr sz="1200" kern="1200">
+        <a:solidFill>
+          <a:schemeClr val="tx1"/>
+        </a:solidFill>
+        <a:latin typeface="+mn-lt"/>
+        <a:ea typeface="+mn-ea"/>
+        <a:cs typeface="+mn-cs"/>
+      </a:defRPr>
+    </a:lvl2pPr>
+    <a:lvl3pPr marL="914400" algn="l" defTabSz="914400" rtl="0" eaLnBrk="1" latinLnBrk="0" hangingPunct="1">
+      <a:defRPr sz="1200" kern="1200">
+        <a:solidFill>
+          <a:schemeClr val="tx1"/>
+        </a:solidFill>
+        <a:latin typeface="+mn-lt"/>
+        <a:ea typeface="+mn-ea"/>
+        <a:cs typeface="+mn-cs"/>
+      </a:defRPr>
+    </a:lvl3pPr>
+    <a:lvl4pPr marL="1371600" algn="l" defTabSz="914400" rtl="0" eaLnBrk="1" latinLnBrk="0" hangingPunct="1">
+      <a:defRPr sz="1200" kern="1200">
+        <a:solidFill>
+          <a:schemeClr val="tx1"/>
+        </a:solidFill>
+        <a:latin typeface="+mn-lt"/>
+        <a:ea typeface="+mn-ea"/>
+        <a:cs typeface="+mn-cs"/>
+      </a:defRPr>
+    </a:lvl4pPr>
+    <a:lvl5pPr marL="1828800" algn="l" defTabSz="914400" rtl="0" eaLnBrk="1" latinLnBrk="0" hangingPunct="1">
+      <a:defRPr sz="1200" kern="1200">
+        <a:solidFill>
+          <a:schemeClr val="tx1"/>
+        </a:solidFill>
+        <a:latin typeface="+mn-lt"/>
+        <a:ea typeface="+mn-ea"/>
+        <a:cs typeface="+mn-cs"/>
+      </a:defRPr>
+    </a:lvl5pPr>
+    <a:lvl6pPr marL="2286000" algn="l" defTabSz="914400" rtl="0" eaLnBrk="1" latinLnBrk="0" hangingPunct="1">
+      <a:defRPr sz="1200" kern="1200">
+        <a:solidFill>
+          <a:schemeClr val="tx1"/>
+        </a:solidFill>
+        <a:latin typeface="+mn-lt"/>
+        <a:ea typeface="+mn-ea"/>
+        <a:cs typeface="+mn-cs"/>
+      </a:defRPr>
+    </a:lvl6pPr>
+    <a:lvl7pPr marL="2743200" algn="l" defTabSz="914400" rtl="0" eaLnBrk="1" latinLnBrk="0" hangingPunct="1">
+      <a:defRPr sz="1200" kern="1200">
+        <a:solidFill>
+          <a:schemeClr val="tx1"/>
+        </a:solidFill>
+        <a:latin typeface="+mn-lt"/>
+        <a:ea typeface="+mn-ea"/>
+        <a:cs typeface="+mn-cs"/>
+      </a:defRPr>
+    </a:lvl7pPr>
+    <a:lvl8pPr marL="3200400" algn="l" defTabSz="914400" rtl="0" eaLnBrk="1" latinLnBrk="0" hangingPunct="1">
+      <a:defRPr sz="1200" kern="1200">
+        <a:solidFill>
+          <a:schemeClr val="tx1"/>
+        </a:solidFill>
+        <a:latin typeface="+mn-lt"/>
+        <a:ea typeface="+mn-ea"/>
+        <a:cs typeface="+mn-cs"/>
+      </a:defRPr>
+    </a:lvl8pPr>
+    <a:lvl9pPr marL="3657600" algn="l" defTabSz="914400" rtl="0" eaLnBrk="1" latinLnBrk="0" hangingPunct="1">
+      <a:defRPr sz="1200" kern="1200">
+        <a:solidFill>
+          <a:schemeClr val="tx1"/>
+        </a:solidFill>
+        <a:latin typeface="+mn-lt"/>
+        <a:ea typeface="+mn-ea"/>
+        <a:cs typeface="+mn-cs"/>
+      </a:defRPr>
+    </a:lvl9pPr>
+  </p:notesStyle>
+</p:notesMaster>
+</file>
+
+<file path=ppt/notesSlides/notesSlide1.xml><?xml version="1.0" encoding="utf-8"?>
+<p:notes xmlns:a="http://schemas.openxmlformats.org/drawingml/2006/main" xmlns:r="http://schemas.openxmlformats.org/officeDocument/2006/relationships" xmlns:p="http://schemas.openxmlformats.org/presentationml/2006/main">
+  <p:cSld>
+    <p:spTree>
+      <p:nvGrpSpPr>
+        <p:cNvPr id="1" name=""/>
+        <p:cNvGrpSpPr/>
+        <p:nvPr/>
+      </p:nvGrpSpPr>
+      <p:grpSpPr>
+        <a:xfrm>
+          <a:off x="0" y="0"/>
+          <a:ext cx="0" cy="0"/>
+          <a:chOff x="0" y="0"/>
+          <a:chExt cx="0" cy="0"/>
+        </a:xfrm>
+      </p:grpSpPr>
+      <p:sp>
+        <p:nvSpPr>
+          <p:cNvPr id="12290" name="Rectangle 7">
+            <a:extLst>
+              <a:ext uri="{FF2B5EF4-FFF2-40B4-BE49-F238E27FC236}">
+                <a16:creationId xmlns:a16="http://schemas.microsoft.com/office/drawing/2014/main" id="{8E9F7F82-CBAB-6638-E232-423DDC4E3297}"/>
+              </a:ext>
+            </a:extLst>
+          </p:cNvPr>
+          <p:cNvSpPr>
+            <a:spLocks noGrp="1" noChangeArrowheads="1"/>
+          </p:cNvSpPr>
+          <p:nvPr>
+            <p:ph type="sldNum" sz="quarter" idx="5"/>
+          </p:nvPr>
+        </p:nvSpPr>
+        <p:spPr>
+          <a:noFill/>
+          <a:extLst>
+            <a:ext uri="{909E8E84-426E-40DD-AFC4-6F175D3DCCD1}">
+              <a14:hiddenFill xmlns:a14="http://schemas.microsoft.com/office/drawing/2010/main">
+                <a:solidFill>
+                  <a:schemeClr val="accent1"/>
+                </a:solidFill>
+              </a14:hiddenFill>
+            </a:ext>
+            <a:ext uri="{91240B29-F687-4F45-9708-019B960494DF}">
+              <a14:hiddenLine xmlns:a14="http://schemas.microsoft.com/office/drawing/2010/main" w="9525">
+                <a:solidFill>
+                  <a:schemeClr val="tx1"/>
+                </a:solidFill>
+                <a:miter lim="800000"/>
+                <a:headEnd/>
+                <a:tailEnd/>
+              </a14:hiddenLine>
+            </a:ext>
+            <a:ext uri="{AF507438-7753-43E0-B8FC-AC1667EBCBE1}">
+              <a14:hiddenEffects xmlns:a14="http://schemas.microsoft.com/office/drawing/2010/main">
+                <a:effectLst>
+                  <a:outerShdw dist="35921" dir="2700000" algn="ctr" rotWithShape="0">
+                    <a:schemeClr val="bg2"/>
+                  </a:outerShdw>
+                </a:effectLst>
+              </a14:hiddenEffects>
+            </a:ext>
+          </a:extLst>
+        </p:spPr>
+        <p:txBody>
+          <a:bodyPr/>
+          <a:lstStyle>
+            <a:lvl1pPr defTabSz="985838">
+              <a:defRPr>
+                <a:solidFill>
+                  <a:schemeClr val="tx1"/>
+                </a:solidFill>
+                <a:latin typeface="Arial" panose="020B0604020202020204" pitchFamily="34" charset="0"/>
+              </a:defRPr>
+            </a:lvl1pPr>
+            <a:lvl2pPr marL="742950" indent="-285750" defTabSz="985838">
+              <a:defRPr>
+                <a:solidFill>
+                  <a:schemeClr val="tx1"/>
+                </a:solidFill>
+                <a:latin typeface="Arial" panose="020B0604020202020204" pitchFamily="34" charset="0"/>
+              </a:defRPr>
+            </a:lvl2pPr>
+            <a:lvl3pPr marL="1143000" indent="-228600" defTabSz="985838">
+              <a:defRPr>
+                <a:solidFill>
+                  <a:schemeClr val="tx1"/>
+                </a:solidFill>
+                <a:latin typeface="Arial" panose="020B0604020202020204" pitchFamily="34" charset="0"/>
+              </a:defRPr>
+            </a:lvl3pPr>
+            <a:lvl4pPr marL="1600200" indent="-228600" defTabSz="985838">
+              <a:defRPr>
+                <a:solidFill>
+                  <a:schemeClr val="tx1"/>
+                </a:solidFill>
+                <a:latin typeface="Arial" panose="020B0604020202020204" pitchFamily="34" charset="0"/>
+              </a:defRPr>
+            </a:lvl4pPr>
+            <a:lvl5pPr marL="2057400" indent="-228600" defTabSz="985838">
+              <a:defRPr>
+                <a:solidFill>
+                  <a:schemeClr val="tx1"/>
+                </a:solidFill>
+                <a:latin typeface="Arial" panose="020B0604020202020204" pitchFamily="34" charset="0"/>
+              </a:defRPr>
+            </a:lvl5pPr>
+            <a:lvl6pPr marL="2514600" indent="-228600" defTabSz="985838" eaLnBrk="0" fontAlgn="base" hangingPunct="0">
+              <a:spcBef>
+                <a:spcPct val="0"/>
+              </a:spcBef>
+              <a:spcAft>
+                <a:spcPct val="0"/>
+              </a:spcAft>
+              <a:defRPr>
+                <a:solidFill>
+                  <a:schemeClr val="tx1"/>
+                </a:solidFill>
+                <a:latin typeface="Arial" panose="020B0604020202020204" pitchFamily="34" charset="0"/>
+              </a:defRPr>
+            </a:lvl6pPr>
+            <a:lvl7pPr marL="2971800" indent="-228600" defTabSz="985838" eaLnBrk="0" fontAlgn="base" hangingPunct="0">
+              <a:spcBef>
+                <a:spcPct val="0"/>
+              </a:spcBef>
+              <a:spcAft>
+                <a:spcPct val="0"/>
+              </a:spcAft>
+              <a:defRPr>
+                <a:solidFill>
+                  <a:schemeClr val="tx1"/>
+                </a:solidFill>
+                <a:latin typeface="Arial" panose="020B0604020202020204" pitchFamily="34" charset="0"/>
+              </a:defRPr>
+            </a:lvl7pPr>
+            <a:lvl8pPr marL="3429000" indent="-228600" defTabSz="985838" eaLnBrk="0" fontAlgn="base" hangingPunct="0">
+              <a:spcBef>
+                <a:spcPct val="0"/>
+              </a:spcBef>
+              <a:spcAft>
+                <a:spcPct val="0"/>
+              </a:spcAft>
+              <a:defRPr>
+                <a:solidFill>
+                  <a:schemeClr val="tx1"/>
+                </a:solidFill>
+                <a:latin typeface="Arial" panose="020B0604020202020204" pitchFamily="34" charset="0"/>
+              </a:defRPr>
+            </a:lvl8pPr>
+            <a:lvl9pPr marL="3886200" indent="-228600" defTabSz="985838" eaLnBrk="0" fontAlgn="base" hangingPunct="0">
+              <a:spcBef>
+                <a:spcPct val="0"/>
+              </a:spcBef>
+              <a:spcAft>
+                <a:spcPct val="0"/>
+              </a:spcAft>
+              <a:defRPr>
+                <a:solidFill>
+                  <a:schemeClr val="tx1"/>
+                </a:solidFill>
+                <a:latin typeface="Arial" panose="020B0604020202020204" pitchFamily="34" charset="0"/>
+              </a:defRPr>
+            </a:lvl9pPr>
+          </a:lstStyle>
+          <a:p>
+            <a:fld id="{C4369458-D877-49F2-8C2C-840A83BE54F1}" type="slidenum">
+              <a:rPr lang="en-US" altLang="it-IT" smtClean="0"/>
+              <a:pPr/>
+              <a:t>18</a:t>
+            </a:fld>
+            <a:endParaRPr lang="en-US" altLang="it-IT"/>
+          </a:p>
+        </p:txBody>
+      </p:sp>
+      <p:sp>
+        <p:nvSpPr>
+          <p:cNvPr id="12291" name="Rectangle 2">
+            <a:extLst>
+              <a:ext uri="{FF2B5EF4-FFF2-40B4-BE49-F238E27FC236}">
+                <a16:creationId xmlns:a16="http://schemas.microsoft.com/office/drawing/2014/main" id="{D0564152-7715-5EFC-1D39-856C5927E356}"/>
+              </a:ext>
+            </a:extLst>
+          </p:cNvPr>
+          <p:cNvSpPr>
+            <a:spLocks noGrp="1" noRot="1" noChangeAspect="1" noChangeArrowheads="1" noTextEdit="1"/>
+          </p:cNvSpPr>
+          <p:nvPr>
+            <p:ph type="sldImg"/>
+          </p:nvPr>
+        </p:nvSpPr>
+        <p:spPr>
+          <a:ln/>
+        </p:spPr>
+      </p:sp>
+      <p:sp>
+        <p:nvSpPr>
+          <p:cNvPr id="12292" name="Rectangle 3">
+            <a:extLst>
+              <a:ext uri="{FF2B5EF4-FFF2-40B4-BE49-F238E27FC236}">
+                <a16:creationId xmlns:a16="http://schemas.microsoft.com/office/drawing/2014/main" id="{08EDC9F2-62CF-8029-AA4F-4F12A396914E}"/>
+              </a:ext>
+            </a:extLst>
+          </p:cNvPr>
+          <p:cNvSpPr>
+            <a:spLocks noGrp="1" noChangeArrowheads="1"/>
+          </p:cNvSpPr>
+          <p:nvPr>
+            <p:ph type="body" idx="1"/>
+          </p:nvPr>
+        </p:nvSpPr>
+        <p:spPr>
+          <a:noFill/>
+          <a:extLst>
+            <a:ext uri="{909E8E84-426E-40DD-AFC4-6F175D3DCCD1}">
+              <a14:hiddenFill xmlns:a14="http://schemas.microsoft.com/office/drawing/2010/main">
+                <a:solidFill>
+                  <a:schemeClr val="accent1"/>
+                </a:solidFill>
+              </a14:hiddenFill>
+            </a:ext>
+            <a:ext uri="{91240B29-F687-4F45-9708-019B960494DF}">
+              <a14:hiddenLine xmlns:a14="http://schemas.microsoft.com/office/drawing/2010/main" w="9525">
+                <a:solidFill>
+                  <a:schemeClr val="tx1"/>
+                </a:solidFill>
+                <a:miter lim="800000"/>
+                <a:headEnd/>
+                <a:tailEnd/>
+              </a14:hiddenLine>
+            </a:ext>
+            <a:ext uri="{AF507438-7753-43E0-B8FC-AC1667EBCBE1}">
+              <a14:hiddenEffects xmlns:a14="http://schemas.microsoft.com/office/drawing/2010/main">
+                <a:effectLst>
+                  <a:outerShdw dist="35921" dir="2700000" algn="ctr" rotWithShape="0">
+                    <a:schemeClr val="bg2"/>
+                  </a:outerShdw>
+                </a:effectLst>
+              </a14:hiddenEffects>
+            </a:ext>
+          </a:extLst>
+        </p:spPr>
+        <p:txBody>
+          <a:bodyPr/>
+          <a:lstStyle/>
+          <a:p>
+            <a:pPr eaLnBrk="1" hangingPunct="1"/>
+            <a:endParaRPr lang="it-IT" altLang="it-IT"/>
+          </a:p>
+        </p:txBody>
+      </p:sp>
+    </p:spTree>
+  </p:cSld>
+  <p:clrMapOvr>
+    <a:masterClrMapping/>
+  </p:clrMapOvr>
+</p:notes>
+</file>
+
+<file path=ppt/notesSlides/notesSlide2.xml><?xml version="1.0" encoding="utf-8"?>
+<p:notes xmlns:a="http://schemas.openxmlformats.org/drawingml/2006/main" xmlns:r="http://schemas.openxmlformats.org/officeDocument/2006/relationships" xmlns:p="http://schemas.openxmlformats.org/presentationml/2006/main">
+  <p:cSld>
+    <p:spTree>
+      <p:nvGrpSpPr>
+        <p:cNvPr id="1" name=""/>
+        <p:cNvGrpSpPr/>
+        <p:nvPr/>
+      </p:nvGrpSpPr>
+      <p:grpSpPr>
+        <a:xfrm>
+          <a:off x="0" y="0"/>
+          <a:ext cx="0" cy="0"/>
+          <a:chOff x="0" y="0"/>
+          <a:chExt cx="0" cy="0"/>
+        </a:xfrm>
+      </p:grpSpPr>
+      <p:sp>
+        <p:nvSpPr>
+          <p:cNvPr id="16386" name="Rectangle 7">
+            <a:extLst>
+              <a:ext uri="{FF2B5EF4-FFF2-40B4-BE49-F238E27FC236}">
+                <a16:creationId xmlns:a16="http://schemas.microsoft.com/office/drawing/2014/main" id="{E123EB5D-D337-D268-D4AC-39935046A8A6}"/>
+              </a:ext>
+            </a:extLst>
+          </p:cNvPr>
+          <p:cNvSpPr>
+            <a:spLocks noGrp="1" noChangeArrowheads="1"/>
+          </p:cNvSpPr>
+          <p:nvPr>
+            <p:ph type="sldNum" sz="quarter" idx="5"/>
+          </p:nvPr>
+        </p:nvSpPr>
+        <p:spPr>
+          <a:noFill/>
+          <a:extLst>
+            <a:ext uri="{909E8E84-426E-40DD-AFC4-6F175D3DCCD1}">
+              <a14:hiddenFill xmlns:a14="http://schemas.microsoft.com/office/drawing/2010/main">
+                <a:solidFill>
+                  <a:schemeClr val="accent1"/>
+                </a:solidFill>
+              </a14:hiddenFill>
+            </a:ext>
+            <a:ext uri="{91240B29-F687-4F45-9708-019B960494DF}">
+              <a14:hiddenLine xmlns:a14="http://schemas.microsoft.com/office/drawing/2010/main" w="9525">
+                <a:solidFill>
+                  <a:schemeClr val="tx1"/>
+                </a:solidFill>
+                <a:miter lim="800000"/>
+                <a:headEnd/>
+                <a:tailEnd/>
+              </a14:hiddenLine>
+            </a:ext>
+            <a:ext uri="{AF507438-7753-43E0-B8FC-AC1667EBCBE1}">
+              <a14:hiddenEffects xmlns:a14="http://schemas.microsoft.com/office/drawing/2010/main">
+                <a:effectLst>
+                  <a:outerShdw dist="35921" dir="2700000" algn="ctr" rotWithShape="0">
+                    <a:schemeClr val="bg2"/>
+                  </a:outerShdw>
+                </a:effectLst>
+              </a14:hiddenEffects>
+            </a:ext>
+          </a:extLst>
+        </p:spPr>
+        <p:txBody>
+          <a:bodyPr/>
+          <a:lstStyle>
+            <a:lvl1pPr defTabSz="985838">
+              <a:defRPr>
+                <a:solidFill>
+                  <a:schemeClr val="tx1"/>
+                </a:solidFill>
+                <a:latin typeface="Arial" panose="020B0604020202020204" pitchFamily="34" charset="0"/>
+              </a:defRPr>
+            </a:lvl1pPr>
+            <a:lvl2pPr marL="742950" indent="-285750" defTabSz="985838">
+              <a:defRPr>
+                <a:solidFill>
+                  <a:schemeClr val="tx1"/>
+                </a:solidFill>
+                <a:latin typeface="Arial" panose="020B0604020202020204" pitchFamily="34" charset="0"/>
+              </a:defRPr>
+            </a:lvl2pPr>
+            <a:lvl3pPr marL="1143000" indent="-228600" defTabSz="985838">
+              <a:defRPr>
+                <a:solidFill>
+                  <a:schemeClr val="tx1"/>
+                </a:solidFill>
+                <a:latin typeface="Arial" panose="020B0604020202020204" pitchFamily="34" charset="0"/>
+              </a:defRPr>
+            </a:lvl3pPr>
+            <a:lvl4pPr marL="1600200" indent="-228600" defTabSz="985838">
+              <a:defRPr>
+                <a:solidFill>
+                  <a:schemeClr val="tx1"/>
+                </a:solidFill>
+                <a:latin typeface="Arial" panose="020B0604020202020204" pitchFamily="34" charset="0"/>
+              </a:defRPr>
+            </a:lvl4pPr>
+            <a:lvl5pPr marL="2057400" indent="-228600" defTabSz="985838">
+              <a:defRPr>
+                <a:solidFill>
+                  <a:schemeClr val="tx1"/>
+                </a:solidFill>
+                <a:latin typeface="Arial" panose="020B0604020202020204" pitchFamily="34" charset="0"/>
+              </a:defRPr>
+            </a:lvl5pPr>
+            <a:lvl6pPr marL="2514600" indent="-228600" defTabSz="985838" eaLnBrk="0" fontAlgn="base" hangingPunct="0">
+              <a:spcBef>
+                <a:spcPct val="0"/>
+              </a:spcBef>
+              <a:spcAft>
+                <a:spcPct val="0"/>
+              </a:spcAft>
+              <a:defRPr>
+                <a:solidFill>
+                  <a:schemeClr val="tx1"/>
+                </a:solidFill>
+                <a:latin typeface="Arial" panose="020B0604020202020204" pitchFamily="34" charset="0"/>
+              </a:defRPr>
+            </a:lvl6pPr>
+            <a:lvl7pPr marL="2971800" indent="-228600" defTabSz="985838" eaLnBrk="0" fontAlgn="base" hangingPunct="0">
+              <a:spcBef>
+                <a:spcPct val="0"/>
+              </a:spcBef>
+              <a:spcAft>
+                <a:spcPct val="0"/>
+              </a:spcAft>
+              <a:defRPr>
+                <a:solidFill>
+                  <a:schemeClr val="tx1"/>
+                </a:solidFill>
+                <a:latin typeface="Arial" panose="020B0604020202020204" pitchFamily="34" charset="0"/>
+              </a:defRPr>
+            </a:lvl7pPr>
+            <a:lvl8pPr marL="3429000" indent="-228600" defTabSz="985838" eaLnBrk="0" fontAlgn="base" hangingPunct="0">
+              <a:spcBef>
+                <a:spcPct val="0"/>
+              </a:spcBef>
+              <a:spcAft>
+                <a:spcPct val="0"/>
+              </a:spcAft>
+              <a:defRPr>
+                <a:solidFill>
+                  <a:schemeClr val="tx1"/>
+                </a:solidFill>
+                <a:latin typeface="Arial" panose="020B0604020202020204" pitchFamily="34" charset="0"/>
+              </a:defRPr>
+            </a:lvl8pPr>
+            <a:lvl9pPr marL="3886200" indent="-228600" defTabSz="985838" eaLnBrk="0" fontAlgn="base" hangingPunct="0">
+              <a:spcBef>
+                <a:spcPct val="0"/>
+              </a:spcBef>
+              <a:spcAft>
+                <a:spcPct val="0"/>
+              </a:spcAft>
+              <a:defRPr>
+                <a:solidFill>
+                  <a:schemeClr val="tx1"/>
+                </a:solidFill>
+                <a:latin typeface="Arial" panose="020B0604020202020204" pitchFamily="34" charset="0"/>
+              </a:defRPr>
+            </a:lvl9pPr>
+          </a:lstStyle>
+          <a:p>
+            <a:fld id="{BC115848-6240-4A30-A46A-5DAE65435138}" type="slidenum">
+              <a:rPr lang="en-US" altLang="it-IT" smtClean="0"/>
+              <a:pPr/>
+              <a:t>19</a:t>
+            </a:fld>
+            <a:endParaRPr lang="en-US" altLang="it-IT"/>
+          </a:p>
+        </p:txBody>
+      </p:sp>
+      <p:sp>
+        <p:nvSpPr>
+          <p:cNvPr id="16387" name="Rectangle 2">
+            <a:extLst>
+              <a:ext uri="{FF2B5EF4-FFF2-40B4-BE49-F238E27FC236}">
+                <a16:creationId xmlns:a16="http://schemas.microsoft.com/office/drawing/2014/main" id="{8946DD88-5EB0-03B1-6FF2-76AAFD32D500}"/>
+              </a:ext>
+            </a:extLst>
+          </p:cNvPr>
+          <p:cNvSpPr>
+            <a:spLocks noGrp="1" noRot="1" noChangeAspect="1" noChangeArrowheads="1" noTextEdit="1"/>
+          </p:cNvSpPr>
+          <p:nvPr>
+            <p:ph type="sldImg"/>
+          </p:nvPr>
+        </p:nvSpPr>
+        <p:spPr>
+          <a:ln/>
+        </p:spPr>
+      </p:sp>
+      <p:sp>
+        <p:nvSpPr>
+          <p:cNvPr id="16388" name="Rectangle 3">
+            <a:extLst>
+              <a:ext uri="{FF2B5EF4-FFF2-40B4-BE49-F238E27FC236}">
+                <a16:creationId xmlns:a16="http://schemas.microsoft.com/office/drawing/2014/main" id="{C5BD2D25-4117-608F-FCE9-4C74BE1C941D}"/>
+              </a:ext>
+            </a:extLst>
+          </p:cNvPr>
+          <p:cNvSpPr>
+            <a:spLocks noGrp="1" noChangeArrowheads="1"/>
+          </p:cNvSpPr>
+          <p:nvPr>
+            <p:ph type="body" idx="1"/>
+          </p:nvPr>
+        </p:nvSpPr>
+        <p:spPr>
+          <a:noFill/>
+          <a:extLst>
+            <a:ext uri="{909E8E84-426E-40DD-AFC4-6F175D3DCCD1}">
+              <a14:hiddenFill xmlns:a14="http://schemas.microsoft.com/office/drawing/2010/main">
+                <a:solidFill>
+                  <a:schemeClr val="accent1"/>
+                </a:solidFill>
+              </a14:hiddenFill>
+            </a:ext>
+            <a:ext uri="{91240B29-F687-4F45-9708-019B960494DF}">
+              <a14:hiddenLine xmlns:a14="http://schemas.microsoft.com/office/drawing/2010/main" w="9525">
+                <a:solidFill>
+                  <a:schemeClr val="tx1"/>
+                </a:solidFill>
+                <a:miter lim="800000"/>
+                <a:headEnd/>
+                <a:tailEnd/>
+              </a14:hiddenLine>
+            </a:ext>
+            <a:ext uri="{AF507438-7753-43E0-B8FC-AC1667EBCBE1}">
+              <a14:hiddenEffects xmlns:a14="http://schemas.microsoft.com/office/drawing/2010/main">
+                <a:effectLst>
+                  <a:outerShdw dist="35921" dir="2700000" algn="ctr" rotWithShape="0">
+                    <a:schemeClr val="bg2"/>
+                  </a:outerShdw>
+                </a:effectLst>
+              </a14:hiddenEffects>
+            </a:ext>
+          </a:extLst>
+        </p:spPr>
+        <p:txBody>
+          <a:bodyPr/>
+          <a:lstStyle/>
+          <a:p>
+            <a:pPr eaLnBrk="1" hangingPunct="1"/>
+            <a:endParaRPr lang="it-IT" altLang="it-IT"/>
+          </a:p>
+        </p:txBody>
+      </p:sp>
+    </p:spTree>
+  </p:cSld>
+  <p:clrMapOvr>
+    <a:masterClrMapping/>
+  </p:clrMapOvr>
+</p:notes>
+</file>
+
+<file path=ppt/notesSlides/notesSlide3.xml><?xml version="1.0" encoding="utf-8"?>
+<p:notes xmlns:a="http://schemas.openxmlformats.org/drawingml/2006/main" xmlns:r="http://schemas.openxmlformats.org/officeDocument/2006/relationships" xmlns:p="http://schemas.openxmlformats.org/presentationml/2006/main">
+  <p:cSld>
+    <p:spTree>
+      <p:nvGrpSpPr>
+        <p:cNvPr id="1" name=""/>
+        <p:cNvGrpSpPr/>
+        <p:nvPr/>
+      </p:nvGrpSpPr>
+      <p:grpSpPr>
+        <a:xfrm>
+          <a:off x="0" y="0"/>
+          <a:ext cx="0" cy="0"/>
+          <a:chOff x="0" y="0"/>
+          <a:chExt cx="0" cy="0"/>
+        </a:xfrm>
+      </p:grpSpPr>
+      <p:sp>
+        <p:nvSpPr>
+          <p:cNvPr id="6146" name="Rectangle 7">
+            <a:extLst>
+              <a:ext uri="{FF2B5EF4-FFF2-40B4-BE49-F238E27FC236}">
+                <a16:creationId xmlns:a16="http://schemas.microsoft.com/office/drawing/2014/main" id="{F19E0A0E-AA58-AB2A-9B4D-3DEF946D48C4}"/>
+              </a:ext>
+            </a:extLst>
+          </p:cNvPr>
+          <p:cNvSpPr>
+            <a:spLocks noGrp="1" noChangeArrowheads="1"/>
+          </p:cNvSpPr>
+          <p:nvPr>
+            <p:ph type="sldNum" sz="quarter" idx="5"/>
+          </p:nvPr>
+        </p:nvSpPr>
+        <p:spPr>
+          <a:noFill/>
+          <a:extLst>
+            <a:ext uri="{909E8E84-426E-40DD-AFC4-6F175D3DCCD1}">
+              <a14:hiddenFill xmlns:a14="http://schemas.microsoft.com/office/drawing/2010/main">
+                <a:solidFill>
+                  <a:schemeClr val="accent1"/>
+                </a:solidFill>
+              </a14:hiddenFill>
+            </a:ext>
+            <a:ext uri="{91240B29-F687-4F45-9708-019B960494DF}">
+              <a14:hiddenLine xmlns:a14="http://schemas.microsoft.com/office/drawing/2010/main" w="9525">
+                <a:solidFill>
+                  <a:schemeClr val="tx1"/>
+                </a:solidFill>
+                <a:miter lim="800000"/>
+                <a:headEnd/>
+                <a:tailEnd/>
+              </a14:hiddenLine>
+            </a:ext>
+            <a:ext uri="{AF507438-7753-43E0-B8FC-AC1667EBCBE1}">
+              <a14:hiddenEffects xmlns:a14="http://schemas.microsoft.com/office/drawing/2010/main">
+                <a:effectLst>
+                  <a:outerShdw dist="35921" dir="2700000" algn="ctr" rotWithShape="0">
+                    <a:schemeClr val="bg2"/>
+                  </a:outerShdw>
+                </a:effectLst>
+              </a14:hiddenEffects>
+            </a:ext>
+          </a:extLst>
+        </p:spPr>
+        <p:txBody>
+          <a:bodyPr/>
+          <a:lstStyle>
+            <a:lvl1pPr defTabSz="985838">
+              <a:defRPr>
+                <a:solidFill>
+                  <a:schemeClr val="tx1"/>
+                </a:solidFill>
+                <a:latin typeface="Arial" panose="020B0604020202020204" pitchFamily="34" charset="0"/>
+              </a:defRPr>
+            </a:lvl1pPr>
+            <a:lvl2pPr marL="742950" indent="-285750" defTabSz="985838">
+              <a:defRPr>
+                <a:solidFill>
+                  <a:schemeClr val="tx1"/>
+                </a:solidFill>
+                <a:latin typeface="Arial" panose="020B0604020202020204" pitchFamily="34" charset="0"/>
+              </a:defRPr>
+            </a:lvl2pPr>
+            <a:lvl3pPr marL="1143000" indent="-228600" defTabSz="985838">
+              <a:defRPr>
+                <a:solidFill>
+                  <a:schemeClr val="tx1"/>
+                </a:solidFill>
+                <a:latin typeface="Arial" panose="020B0604020202020204" pitchFamily="34" charset="0"/>
+              </a:defRPr>
+            </a:lvl3pPr>
+            <a:lvl4pPr marL="1600200" indent="-228600" defTabSz="985838">
+              <a:defRPr>
+                <a:solidFill>
+                  <a:schemeClr val="tx1"/>
+                </a:solidFill>
+                <a:latin typeface="Arial" panose="020B0604020202020204" pitchFamily="34" charset="0"/>
+              </a:defRPr>
+            </a:lvl4pPr>
+            <a:lvl5pPr marL="2057400" indent="-228600" defTabSz="985838">
+              <a:defRPr>
+                <a:solidFill>
+                  <a:schemeClr val="tx1"/>
+                </a:solidFill>
+                <a:latin typeface="Arial" panose="020B0604020202020204" pitchFamily="34" charset="0"/>
+              </a:defRPr>
+            </a:lvl5pPr>
+            <a:lvl6pPr marL="2514600" indent="-228600" defTabSz="985838" eaLnBrk="0" fontAlgn="base" hangingPunct="0">
+              <a:spcBef>
+                <a:spcPct val="0"/>
+              </a:spcBef>
+              <a:spcAft>
+                <a:spcPct val="0"/>
+              </a:spcAft>
+              <a:defRPr>
+                <a:solidFill>
+                  <a:schemeClr val="tx1"/>
+                </a:solidFill>
+                <a:latin typeface="Arial" panose="020B0604020202020204" pitchFamily="34" charset="0"/>
+              </a:defRPr>
+            </a:lvl6pPr>
+            <a:lvl7pPr marL="2971800" indent="-228600" defTabSz="985838" eaLnBrk="0" fontAlgn="base" hangingPunct="0">
+              <a:spcBef>
+                <a:spcPct val="0"/>
+              </a:spcBef>
+              <a:spcAft>
+                <a:spcPct val="0"/>
+              </a:spcAft>
+              <a:defRPr>
+                <a:solidFill>
+                  <a:schemeClr val="tx1"/>
+                </a:solidFill>
+                <a:latin typeface="Arial" panose="020B0604020202020204" pitchFamily="34" charset="0"/>
+              </a:defRPr>
+            </a:lvl7pPr>
+            <a:lvl8pPr marL="3429000" indent="-228600" defTabSz="985838" eaLnBrk="0" fontAlgn="base" hangingPunct="0">
+              <a:spcBef>
+                <a:spcPct val="0"/>
+              </a:spcBef>
+              <a:spcAft>
+                <a:spcPct val="0"/>
+              </a:spcAft>
+              <a:defRPr>
+                <a:solidFill>
+                  <a:schemeClr val="tx1"/>
+                </a:solidFill>
+                <a:latin typeface="Arial" panose="020B0604020202020204" pitchFamily="34" charset="0"/>
+              </a:defRPr>
+            </a:lvl8pPr>
+            <a:lvl9pPr marL="3886200" indent="-228600" defTabSz="985838" eaLnBrk="0" fontAlgn="base" hangingPunct="0">
+              <a:spcBef>
+                <a:spcPct val="0"/>
+              </a:spcBef>
+              <a:spcAft>
+                <a:spcPct val="0"/>
+              </a:spcAft>
+              <a:defRPr>
+                <a:solidFill>
+                  <a:schemeClr val="tx1"/>
+                </a:solidFill>
+                <a:latin typeface="Arial" panose="020B0604020202020204" pitchFamily="34" charset="0"/>
+              </a:defRPr>
+            </a:lvl9pPr>
+          </a:lstStyle>
+          <a:p>
+            <a:fld id="{12258DA8-A05C-4DF2-B69D-D6AA19EE7A72}" type="slidenum">
+              <a:rPr lang="en-US" altLang="it-IT" smtClean="0"/>
+              <a:pPr/>
+              <a:t>26</a:t>
+            </a:fld>
+            <a:endParaRPr lang="en-US" altLang="it-IT"/>
+          </a:p>
+        </p:txBody>
+      </p:sp>
+      <p:sp>
+        <p:nvSpPr>
+          <p:cNvPr id="6147" name="Rectangle 2">
+            <a:extLst>
+              <a:ext uri="{FF2B5EF4-FFF2-40B4-BE49-F238E27FC236}">
+                <a16:creationId xmlns:a16="http://schemas.microsoft.com/office/drawing/2014/main" id="{14914B87-6230-0F8C-02D4-5F34BFE6AC47}"/>
+              </a:ext>
+            </a:extLst>
+          </p:cNvPr>
+          <p:cNvSpPr>
+            <a:spLocks noGrp="1" noRot="1" noChangeAspect="1" noChangeArrowheads="1" noTextEdit="1"/>
+          </p:cNvSpPr>
+          <p:nvPr>
+            <p:ph type="sldImg"/>
+          </p:nvPr>
+        </p:nvSpPr>
+        <p:spPr>
+          <a:ln/>
+        </p:spPr>
+      </p:sp>
+      <p:sp>
+        <p:nvSpPr>
+          <p:cNvPr id="6148" name="Rectangle 3">
+            <a:extLst>
+              <a:ext uri="{FF2B5EF4-FFF2-40B4-BE49-F238E27FC236}">
+                <a16:creationId xmlns:a16="http://schemas.microsoft.com/office/drawing/2014/main" id="{0442F9A0-E571-D067-BC31-540616DA8766}"/>
+              </a:ext>
+            </a:extLst>
+          </p:cNvPr>
+          <p:cNvSpPr>
+            <a:spLocks noGrp="1" noChangeArrowheads="1"/>
+          </p:cNvSpPr>
+          <p:nvPr>
+            <p:ph type="body" idx="1"/>
+          </p:nvPr>
+        </p:nvSpPr>
+        <p:spPr>
+          <a:noFill/>
+          <a:extLst>
+            <a:ext uri="{909E8E84-426E-40DD-AFC4-6F175D3DCCD1}">
+              <a14:hiddenFill xmlns:a14="http://schemas.microsoft.com/office/drawing/2010/main">
+                <a:solidFill>
+                  <a:schemeClr val="accent1"/>
+                </a:solidFill>
+              </a14:hiddenFill>
+            </a:ext>
+            <a:ext uri="{91240B29-F687-4F45-9708-019B960494DF}">
+              <a14:hiddenLine xmlns:a14="http://schemas.microsoft.com/office/drawing/2010/main" w="9525">
+                <a:solidFill>
+                  <a:schemeClr val="tx1"/>
+                </a:solidFill>
+                <a:miter lim="800000"/>
+                <a:headEnd/>
+                <a:tailEnd/>
+              </a14:hiddenLine>
+            </a:ext>
+            <a:ext uri="{AF507438-7753-43E0-B8FC-AC1667EBCBE1}">
+              <a14:hiddenEffects xmlns:a14="http://schemas.microsoft.com/office/drawing/2010/main">
+                <a:effectLst>
+                  <a:outerShdw dist="35921" dir="2700000" algn="ctr" rotWithShape="0">
+                    <a:schemeClr val="bg2"/>
+                  </a:outerShdw>
+                </a:effectLst>
+              </a14:hiddenEffects>
+            </a:ext>
+          </a:extLst>
+        </p:spPr>
+        <p:txBody>
+          <a:bodyPr/>
+          <a:lstStyle/>
+          <a:p>
+            <a:pPr eaLnBrk="1" hangingPunct="1"/>
+            <a:endParaRPr lang="it-IT" altLang="it-IT"/>
+          </a:p>
+        </p:txBody>
+      </p:sp>
+    </p:spTree>
+  </p:cSld>
+  <p:clrMapOvr>
+    <a:masterClrMapping/>
+  </p:clrMapOvr>
+</p:notes>
 </file>
 
 <file path=ppt/slideLayouts/slideLayout1.xml><?xml version="1.0" encoding="utf-8"?>
@@ -268,7 +1410,7 @@
           <a:p>
             <a:fld id="{945BD704-10E3-49A9-83ED-16966E0140EF}" type="datetimeFigureOut">
               <a:rPr lang="en-US" smtClean="0"/>
-              <a:t>14-Dec-22</a:t>
+              <a:t>16-Dec-22</a:t>
             </a:fld>
             <a:endParaRPr lang="en-US"/>
           </a:p>
@@ -466,7 +1608,7 @@
           <a:p>
             <a:fld id="{945BD704-10E3-49A9-83ED-16966E0140EF}" type="datetimeFigureOut">
               <a:rPr lang="en-US" smtClean="0"/>
-              <a:t>14-Dec-22</a:t>
+              <a:t>16-Dec-22</a:t>
             </a:fld>
             <a:endParaRPr lang="en-US"/>
           </a:p>
@@ -674,7 +1816,7 @@
           <a:p>
             <a:fld id="{945BD704-10E3-49A9-83ED-16966E0140EF}" type="datetimeFigureOut">
               <a:rPr lang="en-US" smtClean="0"/>
-              <a:t>14-Dec-22</a:t>
+              <a:t>16-Dec-22</a:t>
             </a:fld>
             <a:endParaRPr lang="en-US"/>
           </a:p>
@@ -872,7 +2014,7 @@
           <a:p>
             <a:fld id="{945BD704-10E3-49A9-83ED-16966E0140EF}" type="datetimeFigureOut">
               <a:rPr lang="en-US" smtClean="0"/>
-              <a:t>14-Dec-22</a:t>
+              <a:t>16-Dec-22</a:t>
             </a:fld>
             <a:endParaRPr lang="en-US"/>
           </a:p>
@@ -1147,7 +2289,7 @@
           <a:p>
             <a:fld id="{945BD704-10E3-49A9-83ED-16966E0140EF}" type="datetimeFigureOut">
               <a:rPr lang="en-US" smtClean="0"/>
-              <a:t>14-Dec-22</a:t>
+              <a:t>16-Dec-22</a:t>
             </a:fld>
             <a:endParaRPr lang="en-US"/>
           </a:p>
@@ -1412,7 +2554,7 @@
           <a:p>
             <a:fld id="{945BD704-10E3-49A9-83ED-16966E0140EF}" type="datetimeFigureOut">
               <a:rPr lang="en-US" smtClean="0"/>
-              <a:t>14-Dec-22</a:t>
+              <a:t>16-Dec-22</a:t>
             </a:fld>
             <a:endParaRPr lang="en-US"/>
           </a:p>
@@ -1824,7 +2966,7 @@
           <a:p>
             <a:fld id="{945BD704-10E3-49A9-83ED-16966E0140EF}" type="datetimeFigureOut">
               <a:rPr lang="en-US" smtClean="0"/>
-              <a:t>14-Dec-22</a:t>
+              <a:t>16-Dec-22</a:t>
             </a:fld>
             <a:endParaRPr lang="en-US"/>
           </a:p>
@@ -1965,7 +3107,7 @@
           <a:p>
             <a:fld id="{945BD704-10E3-49A9-83ED-16966E0140EF}" type="datetimeFigureOut">
               <a:rPr lang="en-US" smtClean="0"/>
-              <a:t>14-Dec-22</a:t>
+              <a:t>16-Dec-22</a:t>
             </a:fld>
             <a:endParaRPr lang="en-US"/>
           </a:p>
@@ -2078,7 +3220,7 @@
           <a:p>
             <a:fld id="{945BD704-10E3-49A9-83ED-16966E0140EF}" type="datetimeFigureOut">
               <a:rPr lang="en-US" smtClean="0"/>
-              <a:t>14-Dec-22</a:t>
+              <a:t>16-Dec-22</a:t>
             </a:fld>
             <a:endParaRPr lang="en-US"/>
           </a:p>
@@ -2389,7 +3531,7 @@
           <a:p>
             <a:fld id="{945BD704-10E3-49A9-83ED-16966E0140EF}" type="datetimeFigureOut">
               <a:rPr lang="en-US" smtClean="0"/>
-              <a:t>14-Dec-22</a:t>
+              <a:t>16-Dec-22</a:t>
             </a:fld>
             <a:endParaRPr lang="en-US"/>
           </a:p>
@@ -2677,7 +3819,7 @@
           <a:p>
             <a:fld id="{945BD704-10E3-49A9-83ED-16966E0140EF}" type="datetimeFigureOut">
               <a:rPr lang="en-US" smtClean="0"/>
-              <a:t>14-Dec-22</a:t>
+              <a:t>16-Dec-22</a:t>
             </a:fld>
             <a:endParaRPr lang="en-US"/>
           </a:p>
@@ -2918,7 +4060,7 @@
           <a:p>
             <a:fld id="{945BD704-10E3-49A9-83ED-16966E0140EF}" type="datetimeFigureOut">
               <a:rPr lang="en-US" smtClean="0"/>
-              <a:t>14-Dec-22</a:t>
+              <a:t>16-Dec-22</a:t>
             </a:fld>
             <a:endParaRPr lang="en-US"/>
           </a:p>
@@ -4316,6 +5458,227 @@
           </a:p>
         </p:txBody>
       </p:sp>
+      <p:cxnSp>
+        <p:nvCxnSpPr>
+          <p:cNvPr id="6" name="Straight Arrow Connector 5">
+            <a:extLst>
+              <a:ext uri="{FF2B5EF4-FFF2-40B4-BE49-F238E27FC236}">
+                <a16:creationId xmlns:a16="http://schemas.microsoft.com/office/drawing/2014/main" id="{A4B5C824-C86E-C560-7F95-9FC3A6A62568}"/>
+              </a:ext>
+            </a:extLst>
+          </p:cNvPr>
+          <p:cNvCxnSpPr>
+            <a:cxnSpLocks/>
+            <a:stCxn id="9" idx="1"/>
+          </p:cNvCxnSpPr>
+          <p:nvPr/>
+        </p:nvCxnSpPr>
+        <p:spPr>
+          <a:xfrm flipH="1">
+            <a:off x="2768082" y="1015663"/>
+            <a:ext cx="4291824" cy="1208509"/>
+          </a:xfrm>
+          <a:prstGeom prst="straightConnector1">
+            <a:avLst/>
+          </a:prstGeom>
+          <a:ln>
+            <a:tailEnd type="triangle"/>
+          </a:ln>
+        </p:spPr>
+        <p:style>
+          <a:lnRef idx="1">
+            <a:schemeClr val="accent1"/>
+          </a:lnRef>
+          <a:fillRef idx="0">
+            <a:schemeClr val="accent1"/>
+          </a:fillRef>
+          <a:effectRef idx="0">
+            <a:schemeClr val="accent1"/>
+          </a:effectRef>
+          <a:fontRef idx="minor">
+            <a:schemeClr val="tx1"/>
+          </a:fontRef>
+        </p:style>
+      </p:cxnSp>
+      <p:sp>
+        <p:nvSpPr>
+          <p:cNvPr id="9" name="TextBox 8">
+            <a:extLst>
+              <a:ext uri="{FF2B5EF4-FFF2-40B4-BE49-F238E27FC236}">
+                <a16:creationId xmlns:a16="http://schemas.microsoft.com/office/drawing/2014/main" id="{076B47EF-E599-50EC-6107-65866540C54D}"/>
+              </a:ext>
+            </a:extLst>
+          </p:cNvPr>
+          <p:cNvSpPr txBox="1"/>
+          <p:nvPr/>
+        </p:nvSpPr>
+        <p:spPr>
+          <a:xfrm>
+            <a:off x="7059906" y="0"/>
+            <a:ext cx="3831772" cy="2031325"/>
+          </a:xfrm>
+          <a:prstGeom prst="rect">
+            <a:avLst/>
+          </a:prstGeom>
+          <a:noFill/>
+        </p:spPr>
+        <p:txBody>
+          <a:bodyPr wrap="square" rtlCol="0">
+            <a:spAutoFit/>
+          </a:bodyPr>
+          <a:lstStyle/>
+          <a:p>
+            <a:r>
+              <a:rPr lang="en-US" dirty="0"/>
+              <a:t>In per il </a:t>
+            </a:r>
+            <a:r>
+              <a:rPr lang="en-US" dirty="0" err="1"/>
+              <a:t>criterio</a:t>
+            </a:r>
+            <a:r>
+              <a:rPr lang="en-US" dirty="0"/>
+              <a:t> di </a:t>
+            </a:r>
+            <a:r>
+              <a:rPr lang="en-US" dirty="0" err="1"/>
+              <a:t>ordinamento</a:t>
+            </a:r>
+            <a:r>
+              <a:rPr lang="en-US" dirty="0"/>
+              <a:t> </a:t>
+            </a:r>
+            <a:r>
+              <a:rPr lang="en-US" dirty="0" err="1"/>
+              <a:t>dell’arco</a:t>
+            </a:r>
+            <a:r>
+              <a:rPr lang="en-US" dirty="0"/>
+              <a:t> di </a:t>
+            </a:r>
+            <a:r>
+              <a:rPr lang="en-US" dirty="0" err="1"/>
+              <a:t>costo</a:t>
+            </a:r>
+            <a:r>
+              <a:rPr lang="en-US" dirty="0"/>
+              <a:t> </a:t>
+            </a:r>
+            <a:r>
+              <a:rPr lang="en-US" dirty="0" err="1"/>
+              <a:t>minimo</a:t>
+            </a:r>
+            <a:r>
+              <a:rPr lang="en-US" dirty="0"/>
+              <a:t> </a:t>
+            </a:r>
+            <a:r>
+              <a:rPr lang="en-US" dirty="0" err="1"/>
+              <a:t>assomiglia</a:t>
+            </a:r>
+            <a:r>
+              <a:rPr lang="en-US" dirty="0"/>
+              <a:t> </a:t>
+            </a:r>
+            <a:r>
+              <a:rPr lang="en-US" dirty="0" err="1"/>
+              <a:t>alla</a:t>
+            </a:r>
+            <a:r>
+              <a:rPr lang="en-US" dirty="0"/>
+              <a:t> multiple fragments. In </a:t>
+            </a:r>
+            <a:r>
+              <a:rPr lang="en-US" dirty="0" err="1"/>
+              <a:t>qualche</a:t>
+            </a:r>
+            <a:r>
+              <a:rPr lang="en-US" dirty="0"/>
+              <a:t> modo </a:t>
+            </a:r>
+            <a:r>
+              <a:rPr lang="en-US" dirty="0" err="1"/>
+              <a:t>costruisce</a:t>
+            </a:r>
+            <a:r>
+              <a:rPr lang="en-US" dirty="0"/>
+              <a:t> </a:t>
+            </a:r>
+            <a:r>
+              <a:rPr lang="en-US" dirty="0" err="1"/>
+              <a:t>una</a:t>
+            </a:r>
+            <a:r>
+              <a:rPr lang="en-US" dirty="0"/>
+              <a:t> </a:t>
+            </a:r>
+            <a:r>
+              <a:rPr lang="en-US" dirty="0" err="1"/>
+              <a:t>soluzione</a:t>
+            </a:r>
+            <a:r>
+              <a:rPr lang="en-US" dirty="0"/>
+              <a:t> </a:t>
+            </a:r>
+            <a:r>
+              <a:rPr lang="en-US" dirty="0" err="1"/>
+              <a:t>simil</a:t>
+            </a:r>
+            <a:r>
+              <a:rPr lang="en-US" dirty="0"/>
+              <a:t> greedy e poi </a:t>
+            </a:r>
+            <a:r>
+              <a:rPr lang="en-US" dirty="0" err="1"/>
+              <a:t>tenta</a:t>
+            </a:r>
+            <a:r>
+              <a:rPr lang="en-US" dirty="0"/>
+              <a:t> di </a:t>
+            </a:r>
+            <a:r>
+              <a:rPr lang="en-US" dirty="0" err="1"/>
+              <a:t>migliorarla</a:t>
+            </a:r>
+            <a:r>
+              <a:rPr lang="en-US" dirty="0"/>
+              <a:t>.</a:t>
+            </a:r>
+            <a:br>
+              <a:rPr lang="en-US" dirty="0"/>
+            </a:br>
+            <a:r>
+              <a:rPr lang="en-US" dirty="0" err="1"/>
+              <a:t>Anzi</a:t>
+            </a:r>
+            <a:r>
+              <a:rPr lang="en-US" dirty="0"/>
+              <a:t> </a:t>
+            </a:r>
+            <a:r>
+              <a:rPr lang="en-US" dirty="0" err="1"/>
+              <a:t>sembra</a:t>
+            </a:r>
+            <a:r>
+              <a:rPr lang="en-US" dirty="0"/>
+              <a:t> </a:t>
+            </a:r>
+            <a:r>
+              <a:rPr lang="en-US" dirty="0" err="1"/>
+              <a:t>una</a:t>
+            </a:r>
+            <a:r>
+              <a:rPr lang="en-US" dirty="0"/>
+              <a:t> cheapest insertion </a:t>
+            </a:r>
+            <a:r>
+              <a:rPr lang="en-US" dirty="0" err="1"/>
+              <a:t>iterata</a:t>
+            </a:r>
+            <a:endParaRPr lang="en-US" dirty="0"/>
+          </a:p>
+        </p:txBody>
+      </p:sp>
     </p:spTree>
     <p:extLst>
       <p:ext uri="{BB962C8B-B14F-4D97-AF65-F5344CB8AC3E}">
@@ -4401,7 +5764,9 @@
         </p:nvSpPr>
         <p:spPr/>
         <p:txBody>
-          <a:bodyPr/>
+          <a:bodyPr>
+            <a:normAutofit lnSpcReduction="10000"/>
+          </a:bodyPr>
           <a:lstStyle/>
           <a:p>
             <a:r>
@@ -4457,13 +5822,95 @@
             </a:r>
             <a:r>
               <a:rPr lang="en-US" b="1" dirty="0"/>
-              <a:t> a </a:t>
-            </a:r>
-            <a:r>
-              <a:rPr lang="en-US" b="1" dirty="0" err="1"/>
-              <a:t>confronto</a:t>
-            </a:r>
-            <a:endParaRPr lang="en-US" b="1" dirty="0"/>
+              <a:t> a confront</a:t>
+            </a:r>
+          </a:p>
+          <a:p>
+            <a:pPr marL="0" indent="0">
+              <a:buNone/>
+            </a:pPr>
+            <a:r>
+              <a:rPr lang="en-US" dirty="0">
+                <a:solidFill>
+                  <a:srgbClr val="FF0000"/>
+                </a:solidFill>
+              </a:rPr>
+              <a:t> -t [ --time-limit ] </a:t>
+            </a:r>
+            <a:r>
+              <a:rPr lang="en-US" dirty="0" err="1">
+                <a:solidFill>
+                  <a:srgbClr val="FF0000"/>
+                </a:solidFill>
+              </a:rPr>
+              <a:t>arg</a:t>
+            </a:r>
+            <a:r>
+              <a:rPr lang="en-US" dirty="0">
+                <a:solidFill>
+                  <a:srgbClr val="FF0000"/>
+                </a:solidFill>
+              </a:rPr>
+              <a:t>    time limit in </a:t>
+            </a:r>
+            <a:r>
+              <a:rPr lang="en-US" dirty="0" err="1">
+                <a:solidFill>
+                  <a:srgbClr val="FF0000"/>
+                </a:solidFill>
+              </a:rPr>
+              <a:t>millis</a:t>
+            </a:r>
+            <a:endParaRPr lang="en-US" dirty="0">
+              <a:solidFill>
+                <a:srgbClr val="FF0000"/>
+              </a:solidFill>
+            </a:endParaRPr>
+          </a:p>
+          <a:p>
+            <a:pPr marL="0" indent="0">
+              <a:buNone/>
+            </a:pPr>
+            <a:r>
+              <a:rPr lang="en-US" dirty="0">
+                <a:solidFill>
+                  <a:srgbClr val="FF0000"/>
+                </a:solidFill>
+              </a:rPr>
+              <a:t>  -l [ --</a:t>
+            </a:r>
+            <a:r>
+              <a:rPr lang="en-US" dirty="0" err="1">
+                <a:solidFill>
+                  <a:srgbClr val="FF0000"/>
+                </a:solidFill>
+              </a:rPr>
+              <a:t>soln</a:t>
+            </a:r>
+            <a:r>
+              <a:rPr lang="en-US" dirty="0">
+                <a:solidFill>
+                  <a:srgbClr val="FF0000"/>
+                </a:solidFill>
+              </a:rPr>
+              <a:t>-limit ] </a:t>
+            </a:r>
+            <a:r>
+              <a:rPr lang="en-US" dirty="0" err="1">
+                <a:solidFill>
+                  <a:srgbClr val="FF0000"/>
+                </a:solidFill>
+              </a:rPr>
+              <a:t>arg</a:t>
+            </a:r>
+            <a:r>
+              <a:rPr lang="en-US" dirty="0">
+                <a:solidFill>
+                  <a:srgbClr val="FF0000"/>
+                </a:solidFill>
+              </a:rPr>
+              <a:t>    stop after n solutions are found</a:t>
+            </a:r>
           </a:p>
         </p:txBody>
       </p:sp>
@@ -4572,6 +6019,1771 @@
 </p:sld>
 </file>
 
+<file path=ppt/slides/slide16.xml><?xml version="1.0" encoding="utf-8"?>
+<p:sld xmlns:a="http://schemas.openxmlformats.org/drawingml/2006/main" xmlns:r="http://schemas.openxmlformats.org/officeDocument/2006/relationships" xmlns:p="http://schemas.openxmlformats.org/presentationml/2006/main">
+  <p:cSld>
+    <p:spTree>
+      <p:nvGrpSpPr>
+        <p:cNvPr id="1" name=""/>
+        <p:cNvGrpSpPr/>
+        <p:nvPr/>
+      </p:nvGrpSpPr>
+      <p:grpSpPr>
+        <a:xfrm>
+          <a:off x="0" y="0"/>
+          <a:ext cx="0" cy="0"/>
+          <a:chOff x="0" y="0"/>
+          <a:chExt cx="0" cy="0"/>
+        </a:xfrm>
+      </p:grpSpPr>
+      <p:pic>
+        <p:nvPicPr>
+          <p:cNvPr id="5" name="Picture 4">
+            <a:extLst>
+              <a:ext uri="{FF2B5EF4-FFF2-40B4-BE49-F238E27FC236}">
+                <a16:creationId xmlns:a16="http://schemas.microsoft.com/office/drawing/2014/main" id="{D23D0279-A03D-6D27-13AD-FAF796AA0D8F}"/>
+              </a:ext>
+            </a:extLst>
+          </p:cNvPr>
+          <p:cNvPicPr>
+            <a:picLocks noChangeAspect="1"/>
+          </p:cNvPicPr>
+          <p:nvPr/>
+        </p:nvPicPr>
+        <p:blipFill>
+          <a:blip r:embed="rId2"/>
+          <a:stretch>
+            <a:fillRect/>
+          </a:stretch>
+        </p:blipFill>
+        <p:spPr>
+          <a:xfrm>
+            <a:off x="1486607" y="1395128"/>
+            <a:ext cx="9021434" cy="4067743"/>
+          </a:xfrm>
+          <a:prstGeom prst="rect">
+            <a:avLst/>
+          </a:prstGeom>
+        </p:spPr>
+      </p:pic>
+    </p:spTree>
+    <p:extLst>
+      <p:ext uri="{BB962C8B-B14F-4D97-AF65-F5344CB8AC3E}">
+        <p14:creationId xmlns:p14="http://schemas.microsoft.com/office/powerpoint/2010/main" val="3750707315"/>
+      </p:ext>
+    </p:extLst>
+  </p:cSld>
+  <p:clrMapOvr>
+    <a:masterClrMapping/>
+  </p:clrMapOvr>
+</p:sld>
+</file>
+
+<file path=ppt/slides/slide17.xml><?xml version="1.0" encoding="utf-8"?>
+<p:sld xmlns:a="http://schemas.openxmlformats.org/drawingml/2006/main" xmlns:r="http://schemas.openxmlformats.org/officeDocument/2006/relationships" xmlns:p="http://schemas.openxmlformats.org/presentationml/2006/main">
+  <p:cSld>
+    <p:spTree>
+      <p:nvGrpSpPr>
+        <p:cNvPr id="1" name=""/>
+        <p:cNvGrpSpPr/>
+        <p:nvPr/>
+      </p:nvGrpSpPr>
+      <p:grpSpPr>
+        <a:xfrm>
+          <a:off x="0" y="0"/>
+          <a:ext cx="0" cy="0"/>
+          <a:chOff x="0" y="0"/>
+          <a:chExt cx="0" cy="0"/>
+        </a:xfrm>
+      </p:grpSpPr>
+      <p:pic>
+        <p:nvPicPr>
+          <p:cNvPr id="5" name="Picture 4">
+            <a:extLst>
+              <a:ext uri="{FF2B5EF4-FFF2-40B4-BE49-F238E27FC236}">
+                <a16:creationId xmlns:a16="http://schemas.microsoft.com/office/drawing/2014/main" id="{8ED8A342-1C91-2E25-C8E0-D48478AF4420}"/>
+              </a:ext>
+            </a:extLst>
+          </p:cNvPr>
+          <p:cNvPicPr>
+            <a:picLocks noChangeAspect="1"/>
+          </p:cNvPicPr>
+          <p:nvPr/>
+        </p:nvPicPr>
+        <p:blipFill>
+          <a:blip r:embed="rId2"/>
+          <a:stretch>
+            <a:fillRect/>
+          </a:stretch>
+        </p:blipFill>
+        <p:spPr>
+          <a:xfrm>
+            <a:off x="3871602" y="2123893"/>
+            <a:ext cx="4448796" cy="2610214"/>
+          </a:xfrm>
+          <a:prstGeom prst="rect">
+            <a:avLst/>
+          </a:prstGeom>
+        </p:spPr>
+      </p:pic>
+    </p:spTree>
+    <p:extLst>
+      <p:ext uri="{BB962C8B-B14F-4D97-AF65-F5344CB8AC3E}">
+        <p14:creationId xmlns:p14="http://schemas.microsoft.com/office/powerpoint/2010/main" val="3405990318"/>
+      </p:ext>
+    </p:extLst>
+  </p:cSld>
+  <p:clrMapOvr>
+    <a:masterClrMapping/>
+  </p:clrMapOvr>
+</p:sld>
+</file>
+
+<file path=ppt/slides/slide18.xml><?xml version="1.0" encoding="utf-8"?>
+<p:sld xmlns:a="http://schemas.openxmlformats.org/drawingml/2006/main" xmlns:r="http://schemas.openxmlformats.org/officeDocument/2006/relationships" xmlns:p="http://schemas.openxmlformats.org/presentationml/2006/main">
+  <p:cSld>
+    <p:spTree>
+      <p:nvGrpSpPr>
+        <p:cNvPr id="1" name=""/>
+        <p:cNvGrpSpPr/>
+        <p:nvPr/>
+      </p:nvGrpSpPr>
+      <p:grpSpPr>
+        <a:xfrm>
+          <a:off x="0" y="0"/>
+          <a:ext cx="0" cy="0"/>
+          <a:chOff x="0" y="0"/>
+          <a:chExt cx="0" cy="0"/>
+        </a:xfrm>
+      </p:grpSpPr>
+      <p:sp>
+        <p:nvSpPr>
+          <p:cNvPr id="97282" name="Rectangle 2">
+            <a:extLst>
+              <a:ext uri="{FF2B5EF4-FFF2-40B4-BE49-F238E27FC236}">
+                <a16:creationId xmlns:a16="http://schemas.microsoft.com/office/drawing/2014/main" id="{F04FDFEE-9F63-6120-D578-0CCE5F5570CE}"/>
+              </a:ext>
+            </a:extLst>
+          </p:cNvPr>
+          <p:cNvSpPr>
+            <a:spLocks noGrp="1" noChangeArrowheads="1"/>
+          </p:cNvSpPr>
+          <p:nvPr>
+            <p:ph type="title"/>
+          </p:nvPr>
+        </p:nvSpPr>
+        <p:spPr/>
+        <p:txBody>
+          <a:bodyPr/>
+          <a:lstStyle/>
+          <a:p>
+            <a:pPr eaLnBrk="1" hangingPunct="1">
+              <a:defRPr/>
+            </a:pPr>
+            <a:r>
+              <a:rPr lang="it-IT" altLang="it-IT" sz="3200" dirty="0">
+                <a:solidFill>
+                  <a:srgbClr val="FF0000"/>
+                </a:solidFill>
+                <a:effectLst>
+                  <a:outerShdw blurRad="38100" dist="38100" dir="2700000" algn="tl">
+                    <a:srgbClr val="C0C0C0"/>
+                  </a:outerShdw>
+                </a:effectLst>
+              </a:rPr>
+              <a:t>Algoritmi </a:t>
+            </a:r>
+            <a:r>
+              <a:rPr lang="it-IT" altLang="it-IT" sz="3200" dirty="0" err="1">
+                <a:solidFill>
+                  <a:srgbClr val="FF0000"/>
+                </a:solidFill>
+                <a:effectLst>
+                  <a:outerShdw blurRad="38100" dist="38100" dir="2700000" algn="tl">
+                    <a:srgbClr val="C0C0C0"/>
+                  </a:outerShdw>
+                </a:effectLst>
+              </a:rPr>
+              <a:t>Greedy</a:t>
+            </a:r>
+            <a:r>
+              <a:rPr lang="it-IT" altLang="it-IT" sz="3200" dirty="0">
+                <a:solidFill>
+                  <a:srgbClr val="FF0000"/>
+                </a:solidFill>
+                <a:effectLst>
+                  <a:outerShdw blurRad="38100" dist="38100" dir="2700000" algn="tl">
+                    <a:srgbClr val="C0C0C0"/>
+                  </a:outerShdw>
+                </a:effectLst>
+              </a:rPr>
+              <a:t> per problemi di Ottimizzazione Combinatoria</a:t>
+            </a:r>
+            <a:endParaRPr lang="en-US" altLang="it-IT" sz="4000" dirty="0"/>
+          </a:p>
+        </p:txBody>
+      </p:sp>
+      <p:sp>
+        <p:nvSpPr>
+          <p:cNvPr id="11267" name="Rectangle 3">
+            <a:extLst>
+              <a:ext uri="{FF2B5EF4-FFF2-40B4-BE49-F238E27FC236}">
+                <a16:creationId xmlns:a16="http://schemas.microsoft.com/office/drawing/2014/main" id="{1AD7F5E8-D2B1-C9F1-E758-14DEB62F3C0E}"/>
+              </a:ext>
+            </a:extLst>
+          </p:cNvPr>
+          <p:cNvSpPr>
+            <a:spLocks noGrp="1" noChangeArrowheads="1"/>
+          </p:cNvSpPr>
+          <p:nvPr>
+            <p:ph type="body" idx="1"/>
+          </p:nvPr>
+        </p:nvSpPr>
+        <p:spPr/>
+        <p:txBody>
+          <a:bodyPr/>
+          <a:lstStyle/>
+          <a:p>
+            <a:pPr eaLnBrk="1" hangingPunct="1">
+              <a:lnSpc>
+                <a:spcPct val="80000"/>
+              </a:lnSpc>
+              <a:defRPr/>
+            </a:pPr>
+            <a:r>
+              <a:rPr lang="it-IT" altLang="it-IT" sz="2400" dirty="0"/>
+              <a:t>Gli algoritmi </a:t>
+            </a:r>
+            <a:r>
+              <a:rPr lang="it-IT" altLang="it-IT" sz="2400" i="1" dirty="0" err="1"/>
+              <a:t>greedy</a:t>
+            </a:r>
+            <a:r>
+              <a:rPr lang="it-IT" altLang="it-IT" sz="2400" i="1" dirty="0"/>
+              <a:t> </a:t>
+            </a:r>
+            <a:r>
+              <a:rPr lang="it-IT" altLang="it-IT" sz="2400" dirty="0"/>
+              <a:t>(voraci) determinano la soluzione attraverso una sequenza di decisioni parziali (localmente ottime), </a:t>
+            </a:r>
+            <a:r>
+              <a:rPr lang="it-IT" altLang="it-IT" sz="2400" dirty="0">
+                <a:solidFill>
+                  <a:srgbClr val="FF9900"/>
+                </a:solidFill>
+                <a:effectLst>
+                  <a:outerShdw blurRad="38100" dist="38100" dir="2700000" algn="tl">
+                    <a:srgbClr val="000000">
+                      <a:alpha val="43137"/>
+                    </a:srgbClr>
+                  </a:outerShdw>
+                </a:effectLst>
+              </a:rPr>
+              <a:t>senza mai modificare le decisioni </a:t>
+            </a:r>
+            <a:r>
+              <a:rPr lang="it-IT" altLang="it-IT" sz="2400" dirty="0" err="1">
+                <a:solidFill>
+                  <a:srgbClr val="FF9900"/>
+                </a:solidFill>
+                <a:effectLst>
+                  <a:outerShdw blurRad="38100" dist="38100" dir="2700000" algn="tl">
+                    <a:srgbClr val="000000">
+                      <a:alpha val="43137"/>
+                    </a:srgbClr>
+                  </a:outerShdw>
+                </a:effectLst>
+              </a:rPr>
+              <a:t>gia</a:t>
+            </a:r>
+            <a:r>
+              <a:rPr lang="it-IT" altLang="it-IT" sz="2400" dirty="0">
+                <a:solidFill>
+                  <a:srgbClr val="FF9900"/>
+                </a:solidFill>
+                <a:effectLst>
+                  <a:outerShdw blurRad="38100" dist="38100" dir="2700000" algn="tl">
+                    <a:srgbClr val="000000">
+                      <a:alpha val="43137"/>
+                    </a:srgbClr>
+                  </a:outerShdw>
+                </a:effectLst>
+              </a:rPr>
+              <a:t> prese</a:t>
+            </a:r>
+            <a:r>
+              <a:rPr lang="it-IT" altLang="it-IT" sz="2400" dirty="0"/>
+              <a:t>. </a:t>
+            </a:r>
+          </a:p>
+          <a:p>
+            <a:pPr eaLnBrk="1" hangingPunct="1">
+              <a:lnSpc>
+                <a:spcPct val="80000"/>
+              </a:lnSpc>
+              <a:defRPr/>
+            </a:pPr>
+            <a:endParaRPr lang="it-IT" altLang="it-IT" sz="2400" dirty="0"/>
+          </a:p>
+          <a:p>
+            <a:pPr eaLnBrk="1" hangingPunct="1">
+              <a:lnSpc>
+                <a:spcPct val="80000"/>
+              </a:lnSpc>
+              <a:defRPr/>
+            </a:pPr>
+            <a:r>
+              <a:rPr lang="it-IT" altLang="it-IT" sz="2400" dirty="0"/>
+              <a:t>Sono di facile implementazione e notevole efficienza computazionale, ma, sia pure con alcune eccezioni di notevole rilievo, </a:t>
+            </a:r>
+            <a:r>
+              <a:rPr lang="it-IT" altLang="it-IT" sz="2400" u="sng" dirty="0"/>
+              <a:t>non garantiscono l'</a:t>
+            </a:r>
+            <a:r>
+              <a:rPr lang="it-IT" altLang="it-IT" sz="2400" u="sng" dirty="0" err="1"/>
+              <a:t>ottimalità</a:t>
+            </a:r>
+            <a:r>
+              <a:rPr lang="it-IT" altLang="it-IT" sz="2400" u="sng" dirty="0"/>
+              <a:t>, e a volte neppure l’ammissibilità della soluzione prodotta</a:t>
+            </a:r>
+            <a:r>
+              <a:rPr lang="it-IT" altLang="it-IT" sz="2400" dirty="0"/>
+              <a:t>. </a:t>
+            </a:r>
+          </a:p>
+          <a:p>
+            <a:pPr marL="0" indent="0" eaLnBrk="1" hangingPunct="1">
+              <a:lnSpc>
+                <a:spcPct val="80000"/>
+              </a:lnSpc>
+              <a:buNone/>
+              <a:defRPr/>
+            </a:pPr>
+            <a:endParaRPr lang="it-IT" altLang="it-IT" sz="2400" dirty="0"/>
+          </a:p>
+        </p:txBody>
+      </p:sp>
+    </p:spTree>
+  </p:cSld>
+  <p:clrMapOvr>
+    <a:masterClrMapping/>
+  </p:clrMapOvr>
+</p:sld>
+</file>
+
+<file path=ppt/slides/slide19.xml><?xml version="1.0" encoding="utf-8"?>
+<p:sld xmlns:a="http://schemas.openxmlformats.org/drawingml/2006/main" xmlns:r="http://schemas.openxmlformats.org/officeDocument/2006/relationships" xmlns:p="http://schemas.openxmlformats.org/presentationml/2006/main">
+  <p:cSld>
+    <p:spTree>
+      <p:nvGrpSpPr>
+        <p:cNvPr id="1" name=""/>
+        <p:cNvGrpSpPr/>
+        <p:nvPr/>
+      </p:nvGrpSpPr>
+      <p:grpSpPr>
+        <a:xfrm>
+          <a:off x="0" y="0"/>
+          <a:ext cx="0" cy="0"/>
+          <a:chOff x="0" y="0"/>
+          <a:chExt cx="0" cy="0"/>
+        </a:xfrm>
+      </p:grpSpPr>
+      <p:sp>
+        <p:nvSpPr>
+          <p:cNvPr id="98307" name="Rectangle 3">
+            <a:extLst>
+              <a:ext uri="{FF2B5EF4-FFF2-40B4-BE49-F238E27FC236}">
+                <a16:creationId xmlns:a16="http://schemas.microsoft.com/office/drawing/2014/main" id="{49BAC509-E799-1EB7-34B9-0C73A0CEDCF4}"/>
+              </a:ext>
+            </a:extLst>
+          </p:cNvPr>
+          <p:cNvSpPr>
+            <a:spLocks noGrp="1" noChangeArrowheads="1"/>
+          </p:cNvSpPr>
+          <p:nvPr>
+            <p:ph type="body" idx="1"/>
+          </p:nvPr>
+        </p:nvSpPr>
+        <p:spPr>
+          <a:xfrm>
+            <a:off x="1905000" y="609600"/>
+            <a:ext cx="8610600" cy="6019800"/>
+          </a:xfrm>
+        </p:spPr>
+        <p:txBody>
+          <a:bodyPr>
+            <a:normAutofit fontScale="92500" lnSpcReduction="10000"/>
+          </a:bodyPr>
+          <a:lstStyle/>
+          <a:p>
+            <a:pPr eaLnBrk="1" hangingPunct="1">
+              <a:lnSpc>
+                <a:spcPct val="80000"/>
+              </a:lnSpc>
+              <a:buFontTx/>
+              <a:buNone/>
+              <a:defRPr/>
+            </a:pPr>
+            <a:r>
+              <a:rPr lang="it-IT" altLang="it-IT" sz="1800" dirty="0"/>
+              <a:t>	</a:t>
+            </a:r>
+            <a:r>
+              <a:rPr lang="en-US" altLang="it-IT" sz="1800" dirty="0" err="1"/>
+              <a:t>Sia</a:t>
+            </a:r>
+            <a:r>
+              <a:rPr lang="en-US" altLang="it-IT" sz="1800" dirty="0"/>
+              <a:t> </a:t>
+            </a:r>
+            <a:r>
+              <a:rPr lang="en-US" altLang="it-IT" sz="1800" dirty="0" err="1"/>
+              <a:t>dato</a:t>
+            </a:r>
+            <a:r>
+              <a:rPr lang="en-US" altLang="it-IT" sz="1800" dirty="0"/>
+              <a:t> </a:t>
+            </a:r>
+            <a:r>
+              <a:rPr lang="en-US" altLang="it-IT" sz="1800" dirty="0" err="1"/>
+              <a:t>il</a:t>
+            </a:r>
+            <a:r>
+              <a:rPr lang="en-US" altLang="it-IT" sz="1800" dirty="0"/>
+              <a:t> </a:t>
+            </a:r>
+            <a:r>
+              <a:rPr lang="en-US" altLang="it-IT" sz="1800" dirty="0" err="1"/>
+              <a:t>problema</a:t>
+            </a:r>
+            <a:r>
+              <a:rPr lang="en-US" altLang="it-IT" sz="1800" dirty="0"/>
+              <a:t> di </a:t>
+            </a:r>
+            <a:r>
+              <a:rPr lang="en-US" altLang="it-IT" sz="1800" dirty="0" err="1"/>
+              <a:t>ottimo</a:t>
+            </a:r>
+            <a:r>
+              <a:rPr lang="en-US" altLang="it-IT" sz="1800" dirty="0"/>
+              <a:t> </a:t>
+            </a:r>
+            <a:r>
+              <a:rPr lang="en-US" altLang="it-IT" sz="1800" dirty="0" err="1"/>
+              <a:t>associato</a:t>
+            </a:r>
+            <a:r>
+              <a:rPr lang="en-US" altLang="it-IT" sz="1800" dirty="0"/>
+              <a:t> al </a:t>
+            </a:r>
+            <a:r>
+              <a:rPr lang="en-US" altLang="it-IT" sz="1800" dirty="0" err="1"/>
+              <a:t>sistema</a:t>
+            </a:r>
+            <a:r>
+              <a:rPr lang="en-US" altLang="it-IT" sz="1800" dirty="0"/>
+              <a:t> di </a:t>
+            </a:r>
+            <a:r>
+              <a:rPr lang="en-US" altLang="it-IT" sz="1800" dirty="0" err="1"/>
+              <a:t>insiemi</a:t>
+            </a:r>
+            <a:r>
+              <a:rPr lang="en-US" altLang="it-IT" sz="1800" dirty="0"/>
+              <a:t> </a:t>
+            </a:r>
+            <a:r>
+              <a:rPr lang="en-US" altLang="it-IT" sz="1800" dirty="0" err="1"/>
+              <a:t>indipendenti</a:t>
+            </a:r>
+            <a:r>
+              <a:rPr lang="en-US" altLang="it-IT" sz="1800" dirty="0"/>
+              <a:t> (</a:t>
+            </a:r>
+            <a:r>
+              <a:rPr lang="en-US" altLang="it-IT" sz="1800" i="1" dirty="0"/>
+              <a:t>E</a:t>
+            </a:r>
+            <a:r>
+              <a:rPr lang="en-US" altLang="it-IT" sz="1800" dirty="0"/>
+              <a:t>,</a:t>
+            </a:r>
+            <a:r>
+              <a:rPr lang="en-US" altLang="it-IT" sz="1800" i="1" dirty="0"/>
+              <a:t>F</a:t>
+            </a:r>
+            <a:r>
+              <a:rPr lang="en-US" altLang="it-IT" sz="1800" dirty="0"/>
+              <a:t>) con </a:t>
+            </a:r>
+            <a:r>
+              <a:rPr lang="en-US" altLang="it-IT" sz="1800" dirty="0" err="1"/>
+              <a:t>funzione</a:t>
+            </a:r>
+            <a:r>
+              <a:rPr lang="en-US" altLang="it-IT" sz="1800" dirty="0"/>
+              <a:t> </a:t>
+            </a:r>
+            <a:r>
+              <a:rPr lang="en-US" altLang="it-IT" sz="1800" dirty="0" err="1"/>
+              <a:t>obiettivo</a:t>
+            </a:r>
+            <a:r>
+              <a:rPr lang="en-US" altLang="it-IT" sz="1800" dirty="0"/>
+              <a:t> </a:t>
+            </a:r>
+            <a:r>
+              <a:rPr lang="en-US" altLang="it-IT" sz="1800" i="1" dirty="0"/>
+              <a:t>c</a:t>
+            </a:r>
+            <a:r>
+              <a:rPr lang="en-US" altLang="it-IT" sz="1800" dirty="0"/>
+              <a:t>, </a:t>
+            </a:r>
+          </a:p>
+          <a:p>
+            <a:pPr eaLnBrk="1" hangingPunct="1">
+              <a:lnSpc>
+                <a:spcPct val="80000"/>
+              </a:lnSpc>
+              <a:buFontTx/>
+              <a:buNone/>
+              <a:defRPr/>
+            </a:pPr>
+            <a:r>
+              <a:rPr lang="it-IT" altLang="it-IT" sz="1800" dirty="0"/>
+              <a:t>	si dice </a:t>
+            </a:r>
+            <a:r>
+              <a:rPr lang="it-IT" altLang="it-IT" sz="1800" dirty="0" err="1">
+                <a:solidFill>
+                  <a:srgbClr val="0066FF"/>
+                </a:solidFill>
+              </a:rPr>
+              <a:t>Greedy</a:t>
+            </a:r>
+            <a:r>
+              <a:rPr lang="it-IT" altLang="it-IT" sz="1800" dirty="0"/>
+              <a:t> un algoritmo A </a:t>
+            </a:r>
+            <a:r>
+              <a:rPr lang="it-IT" altLang="it-IT" sz="1800" dirty="0">
+                <a:solidFill>
+                  <a:srgbClr val="FF0000"/>
+                </a:solidFill>
+              </a:rPr>
+              <a:t>costruttivo iterativo</a:t>
+            </a:r>
+            <a:r>
+              <a:rPr lang="it-IT" altLang="it-IT" sz="1800" dirty="0"/>
+              <a:t> che </a:t>
+            </a:r>
+            <a:r>
+              <a:rPr lang="en-US" altLang="it-IT" sz="1800" dirty="0" err="1"/>
+              <a:t>costruisce</a:t>
+            </a:r>
+            <a:r>
+              <a:rPr lang="en-US" altLang="it-IT" sz="1800" dirty="0"/>
+              <a:t> </a:t>
+            </a:r>
+            <a:r>
+              <a:rPr lang="en-US" altLang="it-IT" sz="1800" dirty="0" err="1"/>
+              <a:t>l'insieme</a:t>
+            </a:r>
+            <a:r>
+              <a:rPr lang="en-US" altLang="it-IT" sz="1800" dirty="0"/>
+              <a:t> </a:t>
+            </a:r>
+            <a:r>
+              <a:rPr lang="en-US" altLang="it-IT" sz="1800" i="1" dirty="0"/>
+              <a:t>X</a:t>
+            </a:r>
+            <a:r>
+              <a:rPr lang="en-US" altLang="it-IT" sz="1800" i="1" dirty="0">
+                <a:latin typeface="Arial Unicode MS" panose="020B0604020202020204" pitchFamily="34" charset="-128"/>
+                <a:ea typeface="Arial Unicode MS" panose="020B0604020202020204" pitchFamily="34" charset="-128"/>
+                <a:cs typeface="Arial Unicode MS" panose="020B0604020202020204" pitchFamily="34" charset="-128"/>
+              </a:rPr>
+              <a:t>∊ </a:t>
+            </a:r>
+            <a:r>
+              <a:rPr lang="en-US" altLang="it-IT" sz="1800" i="1" dirty="0"/>
+              <a:t>F</a:t>
+            </a:r>
+            <a:r>
+              <a:rPr lang="en-US" altLang="it-IT" sz="1800" dirty="0"/>
+              <a:t>, </a:t>
+            </a:r>
+            <a:r>
+              <a:rPr lang="en-US" altLang="it-IT" sz="1800" dirty="0" err="1"/>
+              <a:t>soluzione</a:t>
+            </a:r>
+            <a:r>
+              <a:rPr lang="en-US" altLang="it-IT" sz="1800" dirty="0"/>
+              <a:t> </a:t>
+            </a:r>
+            <a:r>
+              <a:rPr lang="en-US" altLang="it-IT" sz="1800" dirty="0" err="1"/>
+              <a:t>ammissibile</a:t>
+            </a:r>
+            <a:r>
+              <a:rPr lang="en-US" altLang="it-IT" sz="1800" dirty="0"/>
+              <a:t> del </a:t>
+            </a:r>
+            <a:r>
+              <a:rPr lang="en-US" altLang="it-IT" sz="1800" dirty="0" err="1"/>
+              <a:t>problema</a:t>
+            </a:r>
+            <a:r>
+              <a:rPr lang="en-US" altLang="it-IT" sz="1800" dirty="0"/>
+              <a:t>, </a:t>
+            </a:r>
+            <a:r>
+              <a:rPr lang="en-US" altLang="it-IT" sz="1800" dirty="0" err="1"/>
+              <a:t>partendo</a:t>
+            </a:r>
+            <a:r>
+              <a:rPr lang="en-US" altLang="it-IT" sz="1800" dirty="0"/>
+              <a:t> </a:t>
+            </a:r>
+            <a:r>
+              <a:rPr lang="en-US" altLang="it-IT" sz="1800" dirty="0" err="1"/>
+              <a:t>dall'insieme</a:t>
+            </a:r>
+            <a:r>
+              <a:rPr lang="en-US" altLang="it-IT" sz="1800" dirty="0"/>
+              <a:t> </a:t>
+            </a:r>
+            <a:r>
+              <a:rPr lang="en-US" altLang="it-IT" sz="1800" dirty="0" err="1"/>
+              <a:t>vuoto</a:t>
+            </a:r>
+            <a:r>
+              <a:rPr lang="en-US" altLang="it-IT" sz="1800" dirty="0"/>
+              <a:t> </a:t>
+            </a:r>
+            <a:r>
+              <a:rPr lang="en-US" altLang="it-IT" sz="1800" dirty="0" err="1"/>
+              <a:t>ed</a:t>
+            </a:r>
+            <a:r>
+              <a:rPr lang="en-US" altLang="it-IT" sz="1800" dirty="0"/>
+              <a:t> </a:t>
+            </a:r>
+            <a:r>
+              <a:rPr lang="en-US" altLang="it-IT" sz="1800" dirty="0" err="1"/>
+              <a:t>inserendovi</a:t>
+            </a:r>
+            <a:r>
+              <a:rPr lang="en-US" altLang="it-IT" sz="1800" dirty="0"/>
+              <a:t> ad </a:t>
+            </a:r>
+            <a:r>
+              <a:rPr lang="en-US" altLang="it-IT" sz="1800" dirty="0" err="1"/>
+              <a:t>ogni</a:t>
+            </a:r>
+            <a:r>
+              <a:rPr lang="en-US" altLang="it-IT" sz="1800" dirty="0"/>
+              <a:t> </a:t>
+            </a:r>
+            <a:r>
+              <a:rPr lang="en-US" altLang="it-IT" sz="1800" dirty="0" err="1"/>
+              <a:t>passo</a:t>
+            </a:r>
+            <a:r>
+              <a:rPr lang="en-US" altLang="it-IT" sz="1800" dirty="0"/>
+              <a:t> </a:t>
+            </a:r>
+            <a:r>
+              <a:rPr lang="en-US" altLang="it-IT" sz="1800" dirty="0" err="1"/>
+              <a:t>l’elemento</a:t>
+            </a:r>
+            <a:r>
+              <a:rPr lang="en-US" altLang="it-IT" sz="1800" dirty="0"/>
+              <a:t> di </a:t>
+            </a:r>
+            <a:r>
+              <a:rPr lang="en-US" altLang="it-IT" sz="1800" i="1" dirty="0"/>
+              <a:t>E </a:t>
+            </a:r>
+            <a:r>
+              <a:rPr lang="en-US" altLang="it-IT" sz="1800" dirty="0" err="1"/>
+              <a:t>più</a:t>
+            </a:r>
+            <a:r>
+              <a:rPr lang="en-US" altLang="it-IT" sz="1800" dirty="0"/>
+              <a:t> “</a:t>
+            </a:r>
+            <a:r>
+              <a:rPr lang="en-US" altLang="it-IT" sz="1800" dirty="0" err="1"/>
+              <a:t>promettente</a:t>
+            </a:r>
+            <a:r>
+              <a:rPr lang="en-US" altLang="it-IT" sz="1800" dirty="0"/>
+              <a:t>” </a:t>
+            </a:r>
+            <a:r>
+              <a:rPr lang="en-US" altLang="it-IT" sz="1800" dirty="0" err="1"/>
+              <a:t>fra</a:t>
+            </a:r>
+            <a:r>
+              <a:rPr lang="en-US" altLang="it-IT" sz="1800" dirty="0"/>
+              <a:t> </a:t>
+            </a:r>
+            <a:r>
+              <a:rPr lang="en-US" altLang="it-IT" sz="1800" dirty="0" err="1"/>
+              <a:t>quelli</a:t>
+            </a:r>
+            <a:r>
+              <a:rPr lang="en-US" altLang="it-IT" sz="1800" dirty="0"/>
+              <a:t> </a:t>
+            </a:r>
+            <a:r>
+              <a:rPr lang="en-US" altLang="it-IT" sz="1800" dirty="0" err="1"/>
+              <a:t>che</a:t>
+            </a:r>
+            <a:r>
+              <a:rPr lang="en-US" altLang="it-IT" sz="1800" dirty="0"/>
+              <a:t> non </a:t>
+            </a:r>
+            <a:r>
+              <a:rPr lang="en-US" altLang="it-IT" sz="1800" dirty="0" err="1"/>
+              <a:t>violano</a:t>
+            </a:r>
+            <a:r>
+              <a:rPr lang="en-US" altLang="it-IT" sz="1800" dirty="0"/>
+              <a:t> </a:t>
+            </a:r>
+            <a:r>
+              <a:rPr lang="en-US" altLang="it-IT" sz="1800" dirty="0" err="1"/>
+              <a:t>l’indipendenza</a:t>
+            </a:r>
+            <a:r>
+              <a:rPr lang="en-US" altLang="it-IT" sz="1800" dirty="0"/>
+              <a:t> </a:t>
+            </a:r>
+            <a:r>
+              <a:rPr lang="en-US" altLang="it-IT" sz="1800" dirty="0" err="1"/>
+              <a:t>dell'insieme</a:t>
+            </a:r>
+            <a:r>
+              <a:rPr lang="en-US" altLang="it-IT" sz="1800" dirty="0"/>
+              <a:t>.</a:t>
+            </a:r>
+          </a:p>
+          <a:p>
+            <a:pPr eaLnBrk="1" hangingPunct="1">
+              <a:lnSpc>
+                <a:spcPct val="80000"/>
+              </a:lnSpc>
+              <a:buFontTx/>
+              <a:buNone/>
+              <a:defRPr/>
+            </a:pPr>
+            <a:endParaRPr lang="it-IT" altLang="it-IT" sz="1800" i="1" dirty="0"/>
+          </a:p>
+          <a:p>
+            <a:pPr eaLnBrk="1" hangingPunct="1">
+              <a:lnSpc>
+                <a:spcPct val="80000"/>
+              </a:lnSpc>
+              <a:buFontTx/>
+              <a:buNone/>
+              <a:defRPr/>
+            </a:pPr>
+            <a:r>
+              <a:rPr lang="it-IT" altLang="it-IT" sz="1800" i="1" dirty="0"/>
+              <a:t>Procedure </a:t>
+            </a:r>
+            <a:r>
+              <a:rPr lang="it-IT" altLang="it-IT" sz="1800" i="1" dirty="0" err="1"/>
+              <a:t>Greedy</a:t>
+            </a:r>
+            <a:r>
+              <a:rPr lang="it-IT" altLang="it-IT" sz="1800" i="1" dirty="0"/>
+              <a:t>  </a:t>
+            </a:r>
+            <a:r>
+              <a:rPr lang="it-IT" altLang="it-IT" sz="1800" i="1" dirty="0">
+                <a:solidFill>
+                  <a:schemeClr val="bg2">
+                    <a:lumMod val="75000"/>
+                  </a:schemeClr>
+                </a:solidFill>
+              </a:rPr>
+              <a:t>(</a:t>
+            </a:r>
+            <a:r>
+              <a:rPr lang="it-IT" altLang="it-IT" sz="1800" i="1" dirty="0" err="1">
+                <a:solidFill>
+                  <a:schemeClr val="bg2">
+                    <a:lumMod val="75000"/>
+                  </a:schemeClr>
+                </a:solidFill>
+              </a:rPr>
+              <a:t>template</a:t>
+            </a:r>
+            <a:r>
+              <a:rPr lang="it-IT" altLang="it-IT" sz="1800" i="1" dirty="0">
+                <a:solidFill>
+                  <a:schemeClr val="bg2">
+                    <a:lumMod val="75000"/>
+                  </a:schemeClr>
+                </a:solidFill>
+              </a:rPr>
+              <a:t>)</a:t>
+            </a:r>
+          </a:p>
+          <a:p>
+            <a:pPr eaLnBrk="1" hangingPunct="1">
+              <a:lnSpc>
+                <a:spcPct val="80000"/>
+              </a:lnSpc>
+              <a:defRPr/>
+            </a:pPr>
+            <a:r>
+              <a:rPr lang="it-IT" altLang="it-IT" sz="1800" i="1" dirty="0"/>
+              <a:t>Soluzione iniziale S</a:t>
+            </a:r>
+            <a:r>
+              <a:rPr lang="it-IT" altLang="it-IT" sz="1800" i="1" baseline="-25000" dirty="0"/>
+              <a:t>0</a:t>
+            </a:r>
+            <a:r>
+              <a:rPr lang="it-IT" altLang="it-IT" sz="1800" i="1" dirty="0"/>
+              <a:t>=</a:t>
+            </a:r>
+            <a:r>
+              <a:rPr lang="it-IT" altLang="it-IT" sz="1800" i="1" dirty="0">
+                <a:sym typeface="Symbol" panose="05050102010706020507" pitchFamily="18" charset="2"/>
+              </a:rPr>
+              <a:t></a:t>
+            </a:r>
+            <a:r>
+              <a:rPr lang="it-IT" altLang="it-IT" sz="1800" i="1" dirty="0"/>
+              <a:t>, </a:t>
+            </a:r>
+          </a:p>
+          <a:p>
+            <a:pPr eaLnBrk="1" hangingPunct="1">
+              <a:lnSpc>
+                <a:spcPct val="80000"/>
+              </a:lnSpc>
+              <a:defRPr/>
+            </a:pPr>
+            <a:r>
+              <a:rPr lang="it-IT" altLang="it-IT" sz="1800" i="1" dirty="0"/>
+              <a:t>ad ogni </a:t>
+            </a:r>
+            <a:r>
+              <a:rPr lang="it-IT" altLang="it-IT" sz="1800" i="1" dirty="0" err="1"/>
+              <a:t>step</a:t>
+            </a:r>
+            <a:r>
+              <a:rPr lang="it-IT" altLang="it-IT" sz="1800" i="1" dirty="0"/>
+              <a:t> k </a:t>
+            </a:r>
+          </a:p>
+          <a:p>
+            <a:pPr eaLnBrk="1" hangingPunct="1">
+              <a:lnSpc>
+                <a:spcPct val="80000"/>
+              </a:lnSpc>
+              <a:buFontTx/>
+              <a:buNone/>
+              <a:defRPr/>
+            </a:pPr>
+            <a:r>
+              <a:rPr lang="it-IT" altLang="it-IT" sz="1800" i="1" dirty="0"/>
+              <a:t>		- seleziona </a:t>
+            </a:r>
+            <a:r>
+              <a:rPr lang="it-IT" altLang="it-IT" sz="1800" i="1" dirty="0" err="1"/>
+              <a:t>e</a:t>
+            </a:r>
+            <a:r>
+              <a:rPr lang="it-IT" altLang="it-IT" sz="1800" i="1" baseline="-25000" dirty="0" err="1"/>
+              <a:t>k</a:t>
+            </a:r>
+            <a:r>
+              <a:rPr lang="it-IT" altLang="it-IT" sz="1800" i="1" dirty="0"/>
+              <a:t> come l’elemento di E più promettente (</a:t>
+            </a:r>
+            <a:r>
+              <a:rPr lang="it-IT" altLang="it-IT" sz="1800" i="1" dirty="0">
+                <a:solidFill>
+                  <a:srgbClr val="FF0000"/>
+                </a:solidFill>
+              </a:rPr>
+              <a:t>criterio best</a:t>
+            </a:r>
+            <a:r>
+              <a:rPr lang="it-IT" altLang="it-IT" sz="1800" i="1" dirty="0"/>
+              <a:t>) tra quelli non ancora esaminati, </a:t>
+            </a:r>
+          </a:p>
+          <a:p>
+            <a:pPr eaLnBrk="1" hangingPunct="1">
+              <a:lnSpc>
+                <a:spcPct val="80000"/>
+              </a:lnSpc>
+              <a:buFontTx/>
+              <a:buNone/>
+              <a:defRPr/>
+            </a:pPr>
+            <a:r>
+              <a:rPr lang="it-IT" altLang="it-IT" sz="1800" i="1" dirty="0"/>
+              <a:t>		- valuta se la soluzione parziale </a:t>
+            </a:r>
+            <a:r>
+              <a:rPr lang="it-IT" altLang="it-IT" sz="1800" dirty="0" err="1"/>
+              <a:t>S</a:t>
+            </a:r>
+            <a:r>
+              <a:rPr lang="it-IT" altLang="it-IT" sz="1800" baseline="-25000" dirty="0" err="1"/>
+              <a:t>k</a:t>
+            </a:r>
+            <a:r>
+              <a:rPr lang="it-IT" altLang="it-IT" sz="1800" dirty="0" err="1">
+                <a:sym typeface="Symbol" panose="05050102010706020507" pitchFamily="18" charset="2"/>
+              </a:rPr>
+              <a:t></a:t>
+            </a:r>
+            <a:r>
+              <a:rPr lang="it-IT" altLang="it-IT" sz="1800" dirty="0" err="1"/>
+              <a:t>e</a:t>
+            </a:r>
+            <a:r>
+              <a:rPr lang="it-IT" altLang="it-IT" sz="1800" baseline="-25000" dirty="0" err="1"/>
+              <a:t>k</a:t>
+            </a:r>
+            <a:r>
+              <a:rPr lang="it-IT" altLang="it-IT" sz="1800" i="1" dirty="0"/>
+              <a:t> </a:t>
+            </a:r>
+            <a:r>
+              <a:rPr lang="it-IT" altLang="it-IT" sz="1800" i="1" dirty="0">
+                <a:sym typeface="Symbol" panose="05050102010706020507" pitchFamily="18" charset="2"/>
+              </a:rPr>
+              <a:t> </a:t>
+            </a:r>
+            <a:r>
+              <a:rPr lang="it-IT" altLang="it-IT" sz="1800" i="1" dirty="0"/>
+              <a:t>F (test di </a:t>
+            </a:r>
+            <a:r>
+              <a:rPr lang="it-IT" altLang="it-IT" sz="1800" i="1" dirty="0">
+                <a:solidFill>
+                  <a:srgbClr val="FF0000"/>
+                </a:solidFill>
+              </a:rPr>
+              <a:t>indipendenza</a:t>
+            </a:r>
+            <a:r>
+              <a:rPr lang="it-IT" altLang="it-IT" sz="1800" i="1" dirty="0"/>
+              <a:t> o di ammissibilità delle soluzioni parziali) </a:t>
+            </a:r>
+          </a:p>
+          <a:p>
+            <a:pPr eaLnBrk="1" hangingPunct="1">
+              <a:lnSpc>
+                <a:spcPct val="80000"/>
+              </a:lnSpc>
+              <a:defRPr/>
+            </a:pPr>
+            <a:r>
+              <a:rPr lang="it-IT" altLang="it-IT" sz="1800" i="1" dirty="0"/>
+              <a:t>termina avendo esaminato tutto E o quando </a:t>
+            </a:r>
+            <a:r>
+              <a:rPr lang="it-IT" altLang="it-IT" sz="1800" i="1" dirty="0" err="1"/>
+              <a:t>S</a:t>
+            </a:r>
+            <a:r>
+              <a:rPr lang="it-IT" altLang="it-IT" sz="1800" i="1" baseline="-25000" dirty="0" err="1"/>
+              <a:t>k</a:t>
+            </a:r>
+            <a:r>
+              <a:rPr lang="it-IT" altLang="it-IT" sz="1800" i="1" dirty="0"/>
+              <a:t> è massimale (S</a:t>
+            </a:r>
+            <a:r>
+              <a:rPr lang="it-IT" altLang="it-IT" sz="1800" i="1" baseline="-25000" dirty="0"/>
+              <a:t>n </a:t>
+            </a:r>
+            <a:r>
+              <a:rPr lang="it-IT" altLang="it-IT" sz="1800" i="1" dirty="0"/>
+              <a:t>:= </a:t>
+            </a:r>
+            <a:r>
+              <a:rPr lang="it-IT" altLang="it-IT" sz="1800" i="1" dirty="0" err="1"/>
+              <a:t>S</a:t>
+            </a:r>
+            <a:r>
+              <a:rPr lang="it-IT" altLang="it-IT" sz="1800" i="1" baseline="-25000" dirty="0" err="1"/>
+              <a:t>k</a:t>
+            </a:r>
+            <a:r>
+              <a:rPr lang="it-IT" altLang="it-IT" sz="1800" i="1" dirty="0"/>
+              <a:t>).</a:t>
+            </a:r>
+            <a:r>
+              <a:rPr lang="it-IT" altLang="it-IT" sz="1800" dirty="0"/>
+              <a:t> </a:t>
+            </a:r>
+          </a:p>
+          <a:p>
+            <a:pPr eaLnBrk="1" hangingPunct="1">
+              <a:lnSpc>
+                <a:spcPct val="80000"/>
+              </a:lnSpc>
+              <a:defRPr/>
+            </a:pPr>
+            <a:endParaRPr lang="en-US" altLang="it-IT" sz="1800" dirty="0"/>
+          </a:p>
+          <a:p>
+            <a:pPr eaLnBrk="1" hangingPunct="1">
+              <a:lnSpc>
+                <a:spcPct val="80000"/>
+              </a:lnSpc>
+              <a:buFontTx/>
+              <a:buNone/>
+              <a:defRPr/>
+            </a:pPr>
+            <a:endParaRPr lang="en-US" altLang="it-IT" sz="1800" dirty="0"/>
+          </a:p>
+          <a:p>
+            <a:pPr algn="ctr" eaLnBrk="1" hangingPunct="1">
+              <a:lnSpc>
+                <a:spcPct val="80000"/>
+              </a:lnSpc>
+              <a:buFontTx/>
+              <a:buNone/>
+              <a:defRPr/>
+            </a:pPr>
+            <a:r>
+              <a:rPr lang="en-US" altLang="it-IT" sz="1800" dirty="0">
+                <a:solidFill>
+                  <a:srgbClr val="0066FF"/>
+                </a:solidFill>
+                <a:effectLst>
+                  <a:outerShdw blurRad="38100" dist="38100" dir="2700000" algn="tl">
+                    <a:srgbClr val="C0C0C0"/>
+                  </a:outerShdw>
+                </a:effectLst>
+              </a:rPr>
+              <a:t>Per </a:t>
+            </a:r>
+            <a:r>
+              <a:rPr lang="en-US" altLang="it-IT" sz="1800" dirty="0" err="1">
+                <a:solidFill>
+                  <a:srgbClr val="0066FF"/>
+                </a:solidFill>
+                <a:effectLst>
+                  <a:outerShdw blurRad="38100" dist="38100" dir="2700000" algn="tl">
+                    <a:srgbClr val="C0C0C0"/>
+                  </a:outerShdw>
+                </a:effectLst>
+              </a:rPr>
+              <a:t>costruzione</a:t>
+            </a:r>
+            <a:r>
+              <a:rPr lang="en-US" altLang="it-IT" sz="1800" dirty="0">
+                <a:solidFill>
+                  <a:srgbClr val="0066FF"/>
+                </a:solidFill>
+                <a:effectLst>
+                  <a:outerShdw blurRad="38100" dist="38100" dir="2700000" algn="tl">
+                    <a:srgbClr val="C0C0C0"/>
+                  </a:outerShdw>
+                </a:effectLst>
+              </a:rPr>
+              <a:t> X=S</a:t>
+            </a:r>
+            <a:r>
+              <a:rPr lang="en-US" altLang="it-IT" sz="1800" baseline="-25000" dirty="0">
+                <a:solidFill>
+                  <a:srgbClr val="0066FF"/>
+                </a:solidFill>
+                <a:effectLst>
+                  <a:outerShdw blurRad="38100" dist="38100" dir="2700000" algn="tl">
+                    <a:srgbClr val="C0C0C0"/>
+                  </a:outerShdw>
+                </a:effectLst>
+              </a:rPr>
+              <a:t>n </a:t>
+            </a:r>
+            <a:r>
+              <a:rPr lang="en-US" altLang="it-IT" sz="1800" dirty="0">
+                <a:solidFill>
+                  <a:srgbClr val="0066FF"/>
+                </a:solidFill>
+                <a:effectLst>
+                  <a:outerShdw blurRad="38100" dist="38100" dir="2700000" algn="tl">
+                    <a:srgbClr val="C0C0C0"/>
+                  </a:outerShdw>
+                </a:effectLst>
+              </a:rPr>
+              <a:t> è </a:t>
+            </a:r>
+            <a:r>
+              <a:rPr lang="en-US" altLang="it-IT" sz="1800" dirty="0" err="1">
+                <a:solidFill>
+                  <a:srgbClr val="0066FF"/>
+                </a:solidFill>
+                <a:effectLst>
+                  <a:outerShdw blurRad="38100" dist="38100" dir="2700000" algn="tl">
+                    <a:srgbClr val="C0C0C0"/>
+                  </a:outerShdw>
+                </a:effectLst>
+              </a:rPr>
+              <a:t>massimale</a:t>
+            </a:r>
+            <a:endParaRPr lang="en-US" altLang="it-IT" sz="1800" dirty="0">
+              <a:solidFill>
+                <a:srgbClr val="0066FF"/>
+              </a:solidFill>
+              <a:effectLst>
+                <a:outerShdw blurRad="38100" dist="38100" dir="2700000" algn="tl">
+                  <a:srgbClr val="C0C0C0"/>
+                </a:outerShdw>
+              </a:effectLst>
+            </a:endParaRPr>
+          </a:p>
+          <a:p>
+            <a:pPr algn="ctr" eaLnBrk="1" hangingPunct="1">
+              <a:lnSpc>
+                <a:spcPct val="80000"/>
+              </a:lnSpc>
+              <a:buFontTx/>
+              <a:buNone/>
+              <a:defRPr/>
+            </a:pPr>
+            <a:r>
+              <a:rPr lang="en-US" altLang="it-IT" sz="1800" dirty="0">
+                <a:solidFill>
+                  <a:srgbClr val="0066FF"/>
+                </a:solidFill>
+                <a:effectLst>
+                  <a:outerShdw blurRad="38100" dist="38100" dir="2700000" algn="tl">
+                    <a:srgbClr val="C0C0C0"/>
+                  </a:outerShdw>
+                </a:effectLst>
+              </a:rPr>
+              <a:t>La </a:t>
+            </a:r>
+            <a:r>
+              <a:rPr lang="en-US" altLang="it-IT" sz="1800" dirty="0" err="1">
+                <a:solidFill>
+                  <a:srgbClr val="0066FF"/>
+                </a:solidFill>
+                <a:effectLst>
+                  <a:outerShdw blurRad="38100" dist="38100" dir="2700000" algn="tl">
+                    <a:srgbClr val="C0C0C0"/>
+                  </a:outerShdw>
+                </a:effectLst>
+              </a:rPr>
+              <a:t>complessità</a:t>
+            </a:r>
+            <a:r>
+              <a:rPr lang="en-US" altLang="it-IT" sz="1800" dirty="0">
+                <a:solidFill>
+                  <a:srgbClr val="0066FF"/>
+                </a:solidFill>
+                <a:effectLst>
+                  <a:outerShdw blurRad="38100" dist="38100" dir="2700000" algn="tl">
+                    <a:srgbClr val="C0C0C0"/>
+                  </a:outerShdw>
+                </a:effectLst>
+              </a:rPr>
+              <a:t> di “</a:t>
+            </a:r>
+            <a:r>
+              <a:rPr lang="en-US" altLang="it-IT" sz="1800" i="1" dirty="0">
+                <a:solidFill>
+                  <a:srgbClr val="0066FF"/>
+                </a:solidFill>
+                <a:effectLst>
+                  <a:outerShdw blurRad="38100" dist="38100" dir="2700000" algn="tl">
+                    <a:srgbClr val="C0C0C0"/>
+                  </a:outerShdw>
+                </a:effectLst>
+              </a:rPr>
+              <a:t>Greedy</a:t>
+            </a:r>
+            <a:r>
+              <a:rPr lang="en-US" altLang="it-IT" sz="1800" dirty="0">
+                <a:solidFill>
+                  <a:srgbClr val="0066FF"/>
+                </a:solidFill>
+                <a:effectLst>
+                  <a:outerShdw blurRad="38100" dist="38100" dir="2700000" algn="tl">
+                    <a:srgbClr val="C0C0C0"/>
+                  </a:outerShdw>
+                </a:effectLst>
+              </a:rPr>
+              <a:t>” </a:t>
+            </a:r>
+            <a:r>
+              <a:rPr lang="en-US" altLang="it-IT" sz="1800" dirty="0" err="1">
+                <a:solidFill>
+                  <a:srgbClr val="0066FF"/>
+                </a:solidFill>
+                <a:effectLst>
+                  <a:outerShdw blurRad="38100" dist="38100" dir="2700000" algn="tl">
+                    <a:srgbClr val="C0C0C0"/>
+                  </a:outerShdw>
+                </a:effectLst>
+              </a:rPr>
+              <a:t>dipende</a:t>
+            </a:r>
+            <a:r>
+              <a:rPr lang="en-US" altLang="it-IT" sz="1800" dirty="0">
+                <a:solidFill>
+                  <a:srgbClr val="0066FF"/>
+                </a:solidFill>
+                <a:effectLst>
+                  <a:outerShdw blurRad="38100" dist="38100" dir="2700000" algn="tl">
+                    <a:srgbClr val="C0C0C0"/>
+                  </a:outerShdw>
+                </a:effectLst>
+              </a:rPr>
+              <a:t> </a:t>
+            </a:r>
+            <a:r>
+              <a:rPr lang="en-US" altLang="it-IT" sz="1800" dirty="0" err="1">
+                <a:solidFill>
+                  <a:srgbClr val="0066FF"/>
+                </a:solidFill>
+                <a:effectLst>
+                  <a:outerShdw blurRad="38100" dist="38100" dir="2700000" algn="tl">
+                    <a:srgbClr val="C0C0C0"/>
+                  </a:outerShdw>
+                </a:effectLst>
+              </a:rPr>
+              <a:t>dalla</a:t>
+            </a:r>
+            <a:r>
+              <a:rPr lang="en-US" altLang="it-IT" sz="1800" dirty="0">
+                <a:solidFill>
+                  <a:srgbClr val="0066FF"/>
+                </a:solidFill>
+                <a:effectLst>
+                  <a:outerShdw blurRad="38100" dist="38100" dir="2700000" algn="tl">
+                    <a:srgbClr val="C0C0C0"/>
+                  </a:outerShdw>
+                </a:effectLst>
+              </a:rPr>
+              <a:t> </a:t>
+            </a:r>
+            <a:r>
+              <a:rPr lang="en-US" altLang="it-IT" sz="1800" dirty="0" err="1">
+                <a:solidFill>
+                  <a:srgbClr val="0066FF"/>
+                </a:solidFill>
+                <a:effectLst>
+                  <a:outerShdw blurRad="38100" dist="38100" dir="2700000" algn="tl">
+                    <a:srgbClr val="C0C0C0"/>
+                  </a:outerShdw>
+                </a:effectLst>
+              </a:rPr>
+              <a:t>complessità</a:t>
+            </a:r>
+            <a:r>
+              <a:rPr lang="en-US" altLang="it-IT" sz="1800" dirty="0">
+                <a:solidFill>
+                  <a:srgbClr val="0066FF"/>
+                </a:solidFill>
+                <a:effectLst>
+                  <a:outerShdw blurRad="38100" dist="38100" dir="2700000" algn="tl">
+                    <a:srgbClr val="C0C0C0"/>
+                  </a:outerShdw>
+                </a:effectLst>
+              </a:rPr>
+              <a:t> </a:t>
+            </a:r>
+            <a:r>
+              <a:rPr lang="en-US" altLang="it-IT" sz="1800" dirty="0" err="1">
+                <a:solidFill>
+                  <a:srgbClr val="0066FF"/>
+                </a:solidFill>
+                <a:effectLst>
+                  <a:outerShdw blurRad="38100" dist="38100" dir="2700000" algn="tl">
+                    <a:srgbClr val="C0C0C0"/>
+                  </a:outerShdw>
+                </a:effectLst>
+              </a:rPr>
+              <a:t>delle</a:t>
+            </a:r>
+            <a:r>
+              <a:rPr lang="en-US" altLang="it-IT" sz="1800" dirty="0">
+                <a:solidFill>
+                  <a:srgbClr val="0066FF"/>
+                </a:solidFill>
+                <a:effectLst>
+                  <a:outerShdw blurRad="38100" dist="38100" dir="2700000" algn="tl">
+                    <a:srgbClr val="C0C0C0"/>
+                  </a:outerShdw>
+                </a:effectLst>
+              </a:rPr>
+              <a:t> procedure Best e </a:t>
+            </a:r>
+            <a:r>
+              <a:rPr lang="en-US" altLang="it-IT" sz="1800" dirty="0" err="1">
+                <a:solidFill>
+                  <a:srgbClr val="0066FF"/>
+                </a:solidFill>
+                <a:effectLst>
+                  <a:outerShdw blurRad="38100" dist="38100" dir="2700000" algn="tl">
+                    <a:srgbClr val="C0C0C0"/>
+                  </a:outerShdw>
+                </a:effectLst>
+              </a:rPr>
+              <a:t>Ind</a:t>
+            </a:r>
+            <a:r>
+              <a:rPr lang="en-US" altLang="it-IT" sz="1800" dirty="0">
+                <a:solidFill>
+                  <a:srgbClr val="0066FF"/>
+                </a:solidFill>
+                <a:effectLst>
+                  <a:outerShdw blurRad="38100" dist="38100" dir="2700000" algn="tl">
+                    <a:srgbClr val="C0C0C0"/>
+                  </a:outerShdw>
+                </a:effectLst>
+              </a:rPr>
+              <a:t>, </a:t>
+            </a:r>
+            <a:r>
+              <a:rPr lang="en-US" altLang="it-IT" sz="1800" dirty="0" err="1">
+                <a:solidFill>
+                  <a:srgbClr val="0066FF"/>
+                </a:solidFill>
+                <a:effectLst>
+                  <a:outerShdw blurRad="38100" dist="38100" dir="2700000" algn="tl">
+                    <a:srgbClr val="C0C0C0"/>
+                  </a:outerShdw>
+                </a:effectLst>
+              </a:rPr>
+              <a:t>essendo</a:t>
+            </a:r>
+            <a:r>
+              <a:rPr lang="en-US" altLang="it-IT" sz="1800" dirty="0">
+                <a:solidFill>
+                  <a:srgbClr val="0066FF"/>
+                </a:solidFill>
+                <a:effectLst>
+                  <a:outerShdw blurRad="38100" dist="38100" dir="2700000" algn="tl">
+                    <a:srgbClr val="C0C0C0"/>
+                  </a:outerShdw>
+                </a:effectLst>
+              </a:rPr>
+              <a:t> </a:t>
+            </a:r>
+            <a:r>
+              <a:rPr lang="en-US" altLang="it-IT" sz="1800" dirty="0" err="1">
+                <a:solidFill>
+                  <a:srgbClr val="0066FF"/>
+                </a:solidFill>
+                <a:effectLst>
+                  <a:outerShdw blurRad="38100" dist="38100" dir="2700000" algn="tl">
+                    <a:srgbClr val="C0C0C0"/>
+                  </a:outerShdw>
+                </a:effectLst>
+              </a:rPr>
+              <a:t>predefinito</a:t>
+            </a:r>
+            <a:r>
+              <a:rPr lang="en-US" altLang="it-IT" sz="1800" dirty="0">
+                <a:solidFill>
+                  <a:srgbClr val="0066FF"/>
+                </a:solidFill>
+                <a:effectLst>
+                  <a:outerShdw blurRad="38100" dist="38100" dir="2700000" algn="tl">
+                    <a:srgbClr val="C0C0C0"/>
+                  </a:outerShdw>
+                </a:effectLst>
+              </a:rPr>
+              <a:t> </a:t>
+            </a:r>
+            <a:r>
+              <a:rPr lang="en-US" altLang="it-IT" sz="1800" dirty="0" err="1">
+                <a:solidFill>
+                  <a:srgbClr val="0066FF"/>
+                </a:solidFill>
+                <a:effectLst>
+                  <a:outerShdw blurRad="38100" dist="38100" dir="2700000" algn="tl">
+                    <a:srgbClr val="C0C0C0"/>
+                  </a:outerShdw>
+                </a:effectLst>
+              </a:rPr>
+              <a:t>il</a:t>
+            </a:r>
+            <a:r>
+              <a:rPr lang="en-US" altLang="it-IT" sz="1800" dirty="0">
+                <a:solidFill>
+                  <a:srgbClr val="0066FF"/>
+                </a:solidFill>
+                <a:effectLst>
+                  <a:outerShdw blurRad="38100" dist="38100" dir="2700000" algn="tl">
+                    <a:srgbClr val="C0C0C0"/>
+                  </a:outerShdw>
+                </a:effectLst>
+              </a:rPr>
+              <a:t> </a:t>
+            </a:r>
+            <a:r>
+              <a:rPr lang="en-US" altLang="it-IT" sz="1800" dirty="0" err="1">
+                <a:solidFill>
+                  <a:srgbClr val="0066FF"/>
+                </a:solidFill>
+                <a:effectLst>
+                  <a:outerShdw blurRad="38100" dist="38100" dir="2700000" algn="tl">
+                    <a:srgbClr val="C0C0C0"/>
+                  </a:outerShdw>
+                </a:effectLst>
+              </a:rPr>
+              <a:t>numero</a:t>
+            </a:r>
+            <a:r>
+              <a:rPr lang="en-US" altLang="it-IT" sz="1800" dirty="0">
+                <a:solidFill>
+                  <a:srgbClr val="0066FF"/>
+                </a:solidFill>
+                <a:effectLst>
+                  <a:outerShdw blurRad="38100" dist="38100" dir="2700000" algn="tl">
+                    <a:srgbClr val="C0C0C0"/>
+                  </a:outerShdw>
+                </a:effectLst>
+              </a:rPr>
+              <a:t> </a:t>
+            </a:r>
+            <a:r>
+              <a:rPr lang="en-US" altLang="it-IT" sz="1800" dirty="0" err="1">
+                <a:solidFill>
+                  <a:srgbClr val="0066FF"/>
+                </a:solidFill>
+                <a:effectLst>
+                  <a:outerShdw blurRad="38100" dist="38100" dir="2700000" algn="tl">
+                    <a:srgbClr val="C0C0C0"/>
+                  </a:outerShdw>
+                </a:effectLst>
+              </a:rPr>
+              <a:t>massimo</a:t>
+            </a:r>
+            <a:r>
+              <a:rPr lang="en-US" altLang="it-IT" sz="1800" dirty="0">
+                <a:solidFill>
+                  <a:srgbClr val="0066FF"/>
+                </a:solidFill>
+                <a:effectLst>
+                  <a:outerShdw blurRad="38100" dist="38100" dir="2700000" algn="tl">
+                    <a:srgbClr val="C0C0C0"/>
+                  </a:outerShdw>
+                </a:effectLst>
+              </a:rPr>
+              <a:t> di </a:t>
+            </a:r>
+            <a:r>
+              <a:rPr lang="en-US" altLang="it-IT" sz="1800" dirty="0" err="1">
+                <a:solidFill>
+                  <a:srgbClr val="0066FF"/>
+                </a:solidFill>
+                <a:effectLst>
+                  <a:outerShdw blurRad="38100" dist="38100" dir="2700000" algn="tl">
+                    <a:srgbClr val="C0C0C0"/>
+                  </a:outerShdw>
+                </a:effectLst>
+              </a:rPr>
+              <a:t>iterazioni</a:t>
+            </a:r>
+            <a:r>
+              <a:rPr lang="en-US" altLang="it-IT" sz="1800" dirty="0">
+                <a:solidFill>
+                  <a:srgbClr val="0066FF"/>
+                </a:solidFill>
+                <a:effectLst>
+                  <a:outerShdw blurRad="38100" dist="38100" dir="2700000" algn="tl">
+                    <a:srgbClr val="C0C0C0"/>
+                  </a:outerShdw>
+                </a:effectLst>
+              </a:rPr>
+              <a:t> (n)</a:t>
+            </a:r>
+          </a:p>
+          <a:p>
+            <a:pPr algn="ctr" eaLnBrk="1" hangingPunct="1">
+              <a:lnSpc>
+                <a:spcPct val="80000"/>
+              </a:lnSpc>
+              <a:buFontTx/>
+              <a:buNone/>
+              <a:defRPr/>
+            </a:pPr>
+            <a:endParaRPr lang="en-US" altLang="it-IT" sz="1800" dirty="0">
+              <a:solidFill>
+                <a:srgbClr val="0066FF"/>
+              </a:solidFill>
+              <a:effectLst>
+                <a:outerShdw blurRad="38100" dist="38100" dir="2700000" algn="tl">
+                  <a:srgbClr val="C0C0C0"/>
+                </a:outerShdw>
+              </a:effectLst>
+            </a:endParaRPr>
+          </a:p>
+          <a:p>
+            <a:pPr algn="ctr" eaLnBrk="1" hangingPunct="1">
+              <a:lnSpc>
+                <a:spcPct val="80000"/>
+              </a:lnSpc>
+              <a:buFontTx/>
+              <a:buNone/>
+              <a:defRPr/>
+            </a:pPr>
+            <a:r>
+              <a:rPr lang="en-US" altLang="it-IT" sz="1800" u="sng" dirty="0">
+                <a:solidFill>
+                  <a:schemeClr val="accent2"/>
+                </a:solidFill>
+                <a:effectLst>
+                  <a:outerShdw blurRad="38100" dist="38100" dir="2700000" algn="tl">
+                    <a:srgbClr val="C0C0C0"/>
+                  </a:outerShdw>
+                </a:effectLst>
+              </a:rPr>
+              <a:t>Per </a:t>
+            </a:r>
+            <a:r>
+              <a:rPr lang="en-US" altLang="it-IT" sz="1800" u="sng" dirty="0" err="1">
+                <a:solidFill>
+                  <a:schemeClr val="accent2"/>
+                </a:solidFill>
+                <a:effectLst>
+                  <a:outerShdw blurRad="38100" dist="38100" dir="2700000" algn="tl">
+                    <a:srgbClr val="C0C0C0"/>
+                  </a:outerShdw>
+                </a:effectLst>
+              </a:rPr>
+              <a:t>costruire</a:t>
+            </a:r>
+            <a:r>
+              <a:rPr lang="en-US" altLang="it-IT" sz="1800" u="sng" dirty="0">
+                <a:solidFill>
+                  <a:schemeClr val="accent2"/>
+                </a:solidFill>
+                <a:effectLst>
+                  <a:outerShdw blurRad="38100" dist="38100" dir="2700000" algn="tl">
+                    <a:srgbClr val="C0C0C0"/>
+                  </a:outerShdw>
+                </a:effectLst>
+              </a:rPr>
+              <a:t> un </a:t>
+            </a:r>
+            <a:r>
+              <a:rPr lang="en-US" altLang="it-IT" sz="1800" u="sng" dirty="0" err="1">
+                <a:solidFill>
+                  <a:schemeClr val="accent2"/>
+                </a:solidFill>
+                <a:effectLst>
+                  <a:outerShdw blurRad="38100" dist="38100" dir="2700000" algn="tl">
+                    <a:srgbClr val="C0C0C0"/>
+                  </a:outerShdw>
+                </a:effectLst>
+              </a:rPr>
+              <a:t>algoritmo</a:t>
+            </a:r>
+            <a:r>
+              <a:rPr lang="en-US" altLang="it-IT" sz="1800" u="sng" dirty="0">
+                <a:solidFill>
+                  <a:schemeClr val="accent2"/>
+                </a:solidFill>
+                <a:effectLst>
+                  <a:outerShdw blurRad="38100" dist="38100" dir="2700000" algn="tl">
+                    <a:srgbClr val="C0C0C0"/>
+                  </a:outerShdw>
+                </a:effectLst>
+              </a:rPr>
+              <a:t> greedy è </a:t>
+            </a:r>
+            <a:r>
+              <a:rPr lang="en-US" altLang="it-IT" sz="1800" u="sng" dirty="0" err="1">
+                <a:solidFill>
+                  <a:schemeClr val="accent2"/>
+                </a:solidFill>
+                <a:effectLst>
+                  <a:outerShdw blurRad="38100" dist="38100" dir="2700000" algn="tl">
+                    <a:srgbClr val="C0C0C0"/>
+                  </a:outerShdw>
+                </a:effectLst>
+              </a:rPr>
+              <a:t>sufficiente</a:t>
+            </a:r>
+            <a:r>
+              <a:rPr lang="en-US" altLang="it-IT" sz="1800" u="sng" dirty="0">
+                <a:solidFill>
+                  <a:schemeClr val="accent2"/>
+                </a:solidFill>
+                <a:effectLst>
+                  <a:outerShdw blurRad="38100" dist="38100" dir="2700000" algn="tl">
+                    <a:srgbClr val="C0C0C0"/>
+                  </a:outerShdw>
+                </a:effectLst>
+              </a:rPr>
+              <a:t> </a:t>
+            </a:r>
+            <a:r>
+              <a:rPr lang="en-US" altLang="it-IT" sz="1800" u="sng" dirty="0" err="1">
+                <a:solidFill>
+                  <a:schemeClr val="accent2"/>
+                </a:solidFill>
+                <a:effectLst>
+                  <a:outerShdw blurRad="38100" dist="38100" dir="2700000" algn="tl">
+                    <a:srgbClr val="C0C0C0"/>
+                  </a:outerShdw>
+                </a:effectLst>
+              </a:rPr>
+              <a:t>definire</a:t>
+            </a:r>
+            <a:r>
+              <a:rPr lang="en-US" altLang="it-IT" sz="1800" u="sng" dirty="0">
+                <a:solidFill>
+                  <a:schemeClr val="accent2"/>
+                </a:solidFill>
+                <a:effectLst>
+                  <a:outerShdw blurRad="38100" dist="38100" dir="2700000" algn="tl">
+                    <a:srgbClr val="C0C0C0"/>
+                  </a:outerShdw>
+                </a:effectLst>
+              </a:rPr>
+              <a:t> E ed F, e</a:t>
+            </a:r>
+          </a:p>
+          <a:p>
+            <a:pPr algn="ctr" eaLnBrk="1" hangingPunct="1">
+              <a:lnSpc>
+                <a:spcPct val="80000"/>
+              </a:lnSpc>
+              <a:buFontTx/>
+              <a:buNone/>
+              <a:defRPr/>
+            </a:pPr>
+            <a:r>
+              <a:rPr lang="en-US" altLang="it-IT" sz="1800" u="sng" dirty="0" err="1">
+                <a:solidFill>
+                  <a:schemeClr val="accent2"/>
+                </a:solidFill>
+                <a:effectLst>
+                  <a:outerShdw blurRad="38100" dist="38100" dir="2700000" algn="tl">
+                    <a:srgbClr val="C0C0C0"/>
+                  </a:outerShdw>
+                </a:effectLst>
+              </a:rPr>
+              <a:t>specificare</a:t>
+            </a:r>
+            <a:r>
+              <a:rPr lang="en-US" altLang="it-IT" sz="1800" u="sng" dirty="0">
+                <a:solidFill>
+                  <a:schemeClr val="accent2"/>
+                </a:solidFill>
+                <a:effectLst>
+                  <a:outerShdw blurRad="38100" dist="38100" dir="2700000" algn="tl">
+                    <a:srgbClr val="C0C0C0"/>
+                  </a:outerShdw>
+                </a:effectLst>
+              </a:rPr>
+              <a:t> </a:t>
+            </a:r>
+            <a:r>
+              <a:rPr lang="en-US" altLang="it-IT" sz="1800" u="sng" dirty="0">
+                <a:solidFill>
+                  <a:srgbClr val="FF0000"/>
+                </a:solidFill>
+                <a:effectLst>
+                  <a:outerShdw blurRad="38100" dist="38100" dir="2700000" algn="tl">
+                    <a:srgbClr val="C0C0C0"/>
+                  </a:outerShdw>
+                </a:effectLst>
+              </a:rPr>
+              <a:t>Best</a:t>
+            </a:r>
+            <a:r>
+              <a:rPr lang="en-US" altLang="it-IT" sz="1800" u="sng" dirty="0">
+                <a:solidFill>
+                  <a:schemeClr val="accent2"/>
+                </a:solidFill>
+                <a:effectLst>
+                  <a:outerShdw blurRad="38100" dist="38100" dir="2700000" algn="tl">
+                    <a:srgbClr val="C0C0C0"/>
+                  </a:outerShdw>
+                </a:effectLst>
+              </a:rPr>
+              <a:t> e </a:t>
+            </a:r>
+            <a:r>
+              <a:rPr lang="en-US" altLang="it-IT" sz="1800" u="sng" dirty="0" err="1">
+                <a:solidFill>
+                  <a:srgbClr val="FF0000"/>
+                </a:solidFill>
+                <a:effectLst>
+                  <a:outerShdw blurRad="38100" dist="38100" dir="2700000" algn="tl">
+                    <a:srgbClr val="C0C0C0"/>
+                  </a:outerShdw>
+                </a:effectLst>
+              </a:rPr>
+              <a:t>Ind</a:t>
+            </a:r>
+            <a:r>
+              <a:rPr lang="en-US" altLang="it-IT" sz="1800" u="sng" dirty="0">
+                <a:solidFill>
+                  <a:schemeClr val="accent2"/>
+                </a:solidFill>
+                <a:effectLst>
+                  <a:outerShdw blurRad="38100" dist="38100" dir="2700000" algn="tl">
+                    <a:srgbClr val="C0C0C0"/>
+                  </a:outerShdw>
+                </a:effectLst>
+              </a:rPr>
+              <a:t> </a:t>
+            </a:r>
+            <a:r>
+              <a:rPr lang="en-US" altLang="it-IT" sz="1800" u="sng" dirty="0" err="1">
+                <a:solidFill>
+                  <a:schemeClr val="accent2"/>
+                </a:solidFill>
+                <a:effectLst>
+                  <a:outerShdw blurRad="38100" dist="38100" dir="2700000" algn="tl">
+                    <a:srgbClr val="C0C0C0"/>
+                  </a:outerShdw>
+                </a:effectLst>
+              </a:rPr>
+              <a:t>nell’ambito</a:t>
+            </a:r>
+            <a:r>
+              <a:rPr lang="en-US" altLang="it-IT" sz="1800" u="sng" dirty="0">
+                <a:solidFill>
+                  <a:schemeClr val="accent2"/>
+                </a:solidFill>
+                <a:effectLst>
+                  <a:outerShdw blurRad="38100" dist="38100" dir="2700000" algn="tl">
+                    <a:srgbClr val="C0C0C0"/>
+                  </a:outerShdw>
+                </a:effectLst>
+              </a:rPr>
+              <a:t> del template</a:t>
+            </a:r>
+          </a:p>
+        </p:txBody>
+      </p:sp>
+    </p:spTree>
+  </p:cSld>
+  <p:clrMapOvr>
+    <a:masterClrMapping/>
+  </p:clrMapOvr>
+</p:sld>
+</file>
+
 <file path=ppt/slides/slide2.xml><?xml version="1.0" encoding="utf-8"?>
 <p:sld xmlns:a="http://schemas.openxmlformats.org/drawingml/2006/main" xmlns:r="http://schemas.openxmlformats.org/officeDocument/2006/relationships" xmlns:p="http://schemas.openxmlformats.org/presentationml/2006/main">
   <p:cSld>
@@ -4611,14 +7823,14 @@
           <a:lstStyle/>
           <a:p>
             <a:r>
-              <a:rPr lang="en-US" dirty="0"/>
+              <a:rPr lang="en-US" b="1" dirty="0"/>
               <a:t>Testo del </a:t>
             </a:r>
             <a:r>
-              <a:rPr lang="en-US" dirty="0" err="1"/>
+              <a:rPr lang="en-US" b="1" dirty="0" err="1"/>
               <a:t>problema</a:t>
             </a:r>
-            <a:endParaRPr lang="en-US" dirty="0"/>
+            <a:endParaRPr lang="en-US" b="1" dirty="0"/>
           </a:p>
         </p:txBody>
       </p:sp>
@@ -4640,9 +7852,48 @@
         </p:nvSpPr>
         <p:spPr/>
         <p:txBody>
-          <a:bodyPr/>
+          <a:bodyPr>
+            <a:normAutofit lnSpcReduction="10000"/>
+          </a:bodyPr>
           <a:lstStyle/>
           <a:p>
+            <a:pPr marL="0" indent="0">
+              <a:buNone/>
+            </a:pPr>
+            <a:r>
+              <a:rPr lang="it-IT" b="1" dirty="0"/>
+              <a:t>24) TSP-con-pick-up-and-delivery (1 persona)</a:t>
+            </a:r>
+          </a:p>
+          <a:p>
+            <a:pPr marL="0" indent="0">
+              <a:buNone/>
+            </a:pPr>
+            <a:r>
+              <a:rPr lang="it-IT" dirty="0"/>
+              <a:t>A partire dalla base (nodo 0 del grafo) un corriere deve soddisfare n richieste di prelievo e consegna di documenti:</a:t>
+            </a:r>
+          </a:p>
+          <a:p>
+            <a:r>
+              <a:rPr lang="it-IT" dirty="0"/>
+              <a:t>ogni documento è prelevato in un nodo e consegnato in un altro nodo;</a:t>
+            </a:r>
+          </a:p>
+          <a:p>
+            <a:r>
+              <a:rPr lang="it-IT" dirty="0"/>
+              <a:t>ogni nodo è riferito a una singola richiesta, ma nel tragitto tra punto di prelievo e consegna si possono prelevare/consegnare altri documenti.</a:t>
+            </a:r>
+          </a:p>
+          <a:p>
+            <a:pPr marL="0" indent="0">
+              <a:buNone/>
+            </a:pPr>
+            <a:r>
+              <a:rPr lang="it-IT" dirty="0"/>
+              <a:t>Noto il tempo di percorrenza dei singoli archi, si vuole minimizzare la durata del percorso, con partenza e rientro al deposito.</a:t>
+            </a:r>
             <a:endParaRPr lang="en-US" dirty="0"/>
           </a:p>
         </p:txBody>
@@ -4653,6 +7904,1952 @@
         <p14:creationId xmlns:p14="http://schemas.microsoft.com/office/powerpoint/2010/main" val="1390348890"/>
       </p:ext>
     </p:extLst>
+  </p:cSld>
+  <p:clrMapOvr>
+    <a:masterClrMapping/>
+  </p:clrMapOvr>
+</p:sld>
+</file>
+
+<file path=ppt/slides/slide20.xml><?xml version="1.0" encoding="utf-8"?>
+<p:sld xmlns:a="http://schemas.openxmlformats.org/drawingml/2006/main" xmlns:r="http://schemas.openxmlformats.org/officeDocument/2006/relationships" xmlns:p="http://schemas.openxmlformats.org/presentationml/2006/main">
+  <p:cSld>
+    <p:spTree>
+      <p:nvGrpSpPr>
+        <p:cNvPr id="1" name=""/>
+        <p:cNvGrpSpPr/>
+        <p:nvPr/>
+      </p:nvGrpSpPr>
+      <p:grpSpPr>
+        <a:xfrm>
+          <a:off x="0" y="0"/>
+          <a:ext cx="0" cy="0"/>
+          <a:chOff x="0" y="0"/>
+          <a:chExt cx="0" cy="0"/>
+        </a:xfrm>
+      </p:grpSpPr>
+      <p:pic>
+        <p:nvPicPr>
+          <p:cNvPr id="5" name="Picture 4">
+            <a:extLst>
+              <a:ext uri="{FF2B5EF4-FFF2-40B4-BE49-F238E27FC236}">
+                <a16:creationId xmlns:a16="http://schemas.microsoft.com/office/drawing/2014/main" id="{DAF92783-8842-35EF-B0B5-86C413B6ED48}"/>
+              </a:ext>
+            </a:extLst>
+          </p:cNvPr>
+          <p:cNvPicPr>
+            <a:picLocks noChangeAspect="1"/>
+          </p:cNvPicPr>
+          <p:nvPr/>
+        </p:nvPicPr>
+        <p:blipFill>
+          <a:blip r:embed="rId2"/>
+          <a:stretch>
+            <a:fillRect/>
+          </a:stretch>
+        </p:blipFill>
+        <p:spPr>
+          <a:xfrm>
+            <a:off x="1651967" y="1576129"/>
+            <a:ext cx="8888065" cy="3705742"/>
+          </a:xfrm>
+          <a:prstGeom prst="rect">
+            <a:avLst/>
+          </a:prstGeom>
+        </p:spPr>
+      </p:pic>
+    </p:spTree>
+    <p:extLst>
+      <p:ext uri="{BB962C8B-B14F-4D97-AF65-F5344CB8AC3E}">
+        <p14:creationId xmlns:p14="http://schemas.microsoft.com/office/powerpoint/2010/main" val="1292954571"/>
+      </p:ext>
+    </p:extLst>
+  </p:cSld>
+  <p:clrMapOvr>
+    <a:masterClrMapping/>
+  </p:clrMapOvr>
+</p:sld>
+</file>
+
+<file path=ppt/slides/slide21.xml><?xml version="1.0" encoding="utf-8"?>
+<p:sld xmlns:a="http://schemas.openxmlformats.org/drawingml/2006/main" xmlns:r="http://schemas.openxmlformats.org/officeDocument/2006/relationships" xmlns:p="http://schemas.openxmlformats.org/presentationml/2006/main">
+  <p:cSld>
+    <p:spTree>
+      <p:nvGrpSpPr>
+        <p:cNvPr id="1" name=""/>
+        <p:cNvGrpSpPr/>
+        <p:nvPr/>
+      </p:nvGrpSpPr>
+      <p:grpSpPr>
+        <a:xfrm>
+          <a:off x="0" y="0"/>
+          <a:ext cx="0" cy="0"/>
+          <a:chOff x="0" y="0"/>
+          <a:chExt cx="0" cy="0"/>
+        </a:xfrm>
+      </p:grpSpPr>
+      <p:pic>
+        <p:nvPicPr>
+          <p:cNvPr id="5" name="Picture 4">
+            <a:extLst>
+              <a:ext uri="{FF2B5EF4-FFF2-40B4-BE49-F238E27FC236}">
+                <a16:creationId xmlns:a16="http://schemas.microsoft.com/office/drawing/2014/main" id="{8153511D-E153-EE18-A607-1BD2ABEF53AA}"/>
+              </a:ext>
+            </a:extLst>
+          </p:cNvPr>
+          <p:cNvPicPr>
+            <a:picLocks noChangeAspect="1"/>
+          </p:cNvPicPr>
+          <p:nvPr/>
+        </p:nvPicPr>
+        <p:blipFill>
+          <a:blip r:embed="rId2"/>
+          <a:stretch>
+            <a:fillRect/>
+          </a:stretch>
+        </p:blipFill>
+        <p:spPr>
+          <a:xfrm>
+            <a:off x="1513835" y="1376076"/>
+            <a:ext cx="9164329" cy="4105848"/>
+          </a:xfrm>
+          <a:prstGeom prst="rect">
+            <a:avLst/>
+          </a:prstGeom>
+        </p:spPr>
+      </p:pic>
+    </p:spTree>
+    <p:extLst>
+      <p:ext uri="{BB962C8B-B14F-4D97-AF65-F5344CB8AC3E}">
+        <p14:creationId xmlns:p14="http://schemas.microsoft.com/office/powerpoint/2010/main" val="3558978280"/>
+      </p:ext>
+    </p:extLst>
+  </p:cSld>
+  <p:clrMapOvr>
+    <a:masterClrMapping/>
+  </p:clrMapOvr>
+</p:sld>
+</file>
+
+<file path=ppt/slides/slide22.xml><?xml version="1.0" encoding="utf-8"?>
+<p:sld xmlns:a="http://schemas.openxmlformats.org/drawingml/2006/main" xmlns:r="http://schemas.openxmlformats.org/officeDocument/2006/relationships" xmlns:p="http://schemas.openxmlformats.org/presentationml/2006/main">
+  <p:cSld>
+    <p:spTree>
+      <p:nvGrpSpPr>
+        <p:cNvPr id="1" name=""/>
+        <p:cNvGrpSpPr/>
+        <p:nvPr/>
+      </p:nvGrpSpPr>
+      <p:grpSpPr>
+        <a:xfrm>
+          <a:off x="0" y="0"/>
+          <a:ext cx="0" cy="0"/>
+          <a:chOff x="0" y="0"/>
+          <a:chExt cx="0" cy="0"/>
+        </a:xfrm>
+      </p:grpSpPr>
+      <p:pic>
+        <p:nvPicPr>
+          <p:cNvPr id="5" name="Picture 4">
+            <a:extLst>
+              <a:ext uri="{FF2B5EF4-FFF2-40B4-BE49-F238E27FC236}">
+                <a16:creationId xmlns:a16="http://schemas.microsoft.com/office/drawing/2014/main" id="{FC71A126-FE3E-36F3-317F-592EECC10AC6}"/>
+              </a:ext>
+            </a:extLst>
+          </p:cNvPr>
+          <p:cNvPicPr>
+            <a:picLocks noChangeAspect="1"/>
+          </p:cNvPicPr>
+          <p:nvPr/>
+        </p:nvPicPr>
+        <p:blipFill rotWithShape="1">
+          <a:blip r:embed="rId2"/>
+          <a:srcRect b="72647"/>
+          <a:stretch/>
+        </p:blipFill>
+        <p:spPr>
+          <a:xfrm>
+            <a:off x="4834657" y="205550"/>
+            <a:ext cx="5010849" cy="820816"/>
+          </a:xfrm>
+          <a:prstGeom prst="rect">
+            <a:avLst/>
+          </a:prstGeom>
+        </p:spPr>
+      </p:pic>
+      <p:sp>
+        <p:nvSpPr>
+          <p:cNvPr id="6" name="TextBox 5">
+            <a:extLst>
+              <a:ext uri="{FF2B5EF4-FFF2-40B4-BE49-F238E27FC236}">
+                <a16:creationId xmlns:a16="http://schemas.microsoft.com/office/drawing/2014/main" id="{DABCF52C-E07A-6495-9E15-06F8B056C259}"/>
+              </a:ext>
+            </a:extLst>
+          </p:cNvPr>
+          <p:cNvSpPr txBox="1"/>
+          <p:nvPr/>
+        </p:nvSpPr>
+        <p:spPr>
+          <a:xfrm>
+            <a:off x="1576414" y="472751"/>
+            <a:ext cx="1215526" cy="369332"/>
+          </a:xfrm>
+          <a:prstGeom prst="rect">
+            <a:avLst/>
+          </a:prstGeom>
+          <a:noFill/>
+        </p:spPr>
+        <p:txBody>
+          <a:bodyPr wrap="none" rtlCol="0">
+            <a:spAutoFit/>
+          </a:bodyPr>
+          <a:lstStyle/>
+          <a:p>
+            <a:r>
+              <a:rPr lang="en-US" dirty="0"/>
+              <a:t>Pickup first</a:t>
+            </a:r>
+          </a:p>
+        </p:txBody>
+      </p:sp>
+      <p:cxnSp>
+        <p:nvCxnSpPr>
+          <p:cNvPr id="10" name="Straight Arrow Connector 9">
+            <a:extLst>
+              <a:ext uri="{FF2B5EF4-FFF2-40B4-BE49-F238E27FC236}">
+                <a16:creationId xmlns:a16="http://schemas.microsoft.com/office/drawing/2014/main" id="{D347C550-8B4A-17B9-8D10-7D78176DDC20}"/>
+              </a:ext>
+            </a:extLst>
+          </p:cNvPr>
+          <p:cNvCxnSpPr>
+            <a:cxnSpLocks/>
+            <a:stCxn id="6" idx="3"/>
+          </p:cNvCxnSpPr>
+          <p:nvPr/>
+        </p:nvCxnSpPr>
+        <p:spPr>
+          <a:xfrm>
+            <a:off x="2791940" y="657417"/>
+            <a:ext cx="2042717" cy="0"/>
+          </a:xfrm>
+          <a:prstGeom prst="straightConnector1">
+            <a:avLst/>
+          </a:prstGeom>
+          <a:ln>
+            <a:tailEnd type="triangle"/>
+          </a:ln>
+        </p:spPr>
+        <p:style>
+          <a:lnRef idx="1">
+            <a:schemeClr val="accent1"/>
+          </a:lnRef>
+          <a:fillRef idx="0">
+            <a:schemeClr val="accent1"/>
+          </a:fillRef>
+          <a:effectRef idx="0">
+            <a:schemeClr val="accent1"/>
+          </a:effectRef>
+          <a:fontRef idx="minor">
+            <a:schemeClr val="tx1"/>
+          </a:fontRef>
+        </p:style>
+      </p:cxnSp>
+      <p:pic>
+        <p:nvPicPr>
+          <p:cNvPr id="18" name="Picture 17">
+            <a:extLst>
+              <a:ext uri="{FF2B5EF4-FFF2-40B4-BE49-F238E27FC236}">
+                <a16:creationId xmlns:a16="http://schemas.microsoft.com/office/drawing/2014/main" id="{E91BE2E5-3E83-5707-397D-BBF58E5E2E7C}"/>
+              </a:ext>
+            </a:extLst>
+          </p:cNvPr>
+          <p:cNvPicPr>
+            <a:picLocks noChangeAspect="1"/>
+          </p:cNvPicPr>
+          <p:nvPr/>
+        </p:nvPicPr>
+        <p:blipFill>
+          <a:blip r:embed="rId3"/>
+          <a:stretch>
+            <a:fillRect/>
+          </a:stretch>
+        </p:blipFill>
+        <p:spPr>
+          <a:xfrm>
+            <a:off x="3617435" y="3805575"/>
+            <a:ext cx="4957129" cy="2692955"/>
+          </a:xfrm>
+          <a:prstGeom prst="rect">
+            <a:avLst/>
+          </a:prstGeom>
+        </p:spPr>
+      </p:pic>
+      <p:sp>
+        <p:nvSpPr>
+          <p:cNvPr id="2" name="TextBox 1">
+            <a:extLst>
+              <a:ext uri="{FF2B5EF4-FFF2-40B4-BE49-F238E27FC236}">
+                <a16:creationId xmlns:a16="http://schemas.microsoft.com/office/drawing/2014/main" id="{04238D3F-BEA2-D40B-7C14-913CAE468497}"/>
+              </a:ext>
+            </a:extLst>
+          </p:cNvPr>
+          <p:cNvSpPr txBox="1"/>
+          <p:nvPr/>
+        </p:nvSpPr>
+        <p:spPr>
+          <a:xfrm>
+            <a:off x="1492898" y="1026367"/>
+            <a:ext cx="2745239" cy="923330"/>
+          </a:xfrm>
+          <a:prstGeom prst="rect">
+            <a:avLst/>
+          </a:prstGeom>
+          <a:noFill/>
+        </p:spPr>
+        <p:txBody>
+          <a:bodyPr wrap="none" rtlCol="0">
+            <a:spAutoFit/>
+          </a:bodyPr>
+          <a:lstStyle/>
+          <a:p>
+            <a:r>
+              <a:rPr lang="en-US" dirty="0" err="1"/>
+              <a:t>Esempio</a:t>
+            </a:r>
+            <a:r>
+              <a:rPr lang="en-US" dirty="0"/>
+              <a:t> con </a:t>
+            </a:r>
+            <a:r>
+              <a:rPr lang="en-US" dirty="0" err="1"/>
+              <a:t>istanza</a:t>
+            </a:r>
+            <a:r>
+              <a:rPr lang="en-US" dirty="0"/>
+              <a:t> </a:t>
+            </a:r>
+            <a:r>
+              <a:rPr lang="en-US" dirty="0" err="1"/>
+              <a:t>buona</a:t>
+            </a:r>
+            <a:endParaRPr lang="en-US" dirty="0"/>
+          </a:p>
+          <a:p>
+            <a:r>
+              <a:rPr lang="en-US" dirty="0" err="1"/>
+              <a:t>Esempio</a:t>
+            </a:r>
+            <a:r>
+              <a:rPr lang="en-US" dirty="0"/>
+              <a:t> con </a:t>
+            </a:r>
+            <a:r>
+              <a:rPr lang="en-US" dirty="0" err="1"/>
+              <a:t>istanza</a:t>
+            </a:r>
+            <a:r>
+              <a:rPr lang="en-US" dirty="0"/>
+              <a:t> </a:t>
+            </a:r>
+            <a:r>
+              <a:rPr lang="en-US" dirty="0" err="1"/>
+              <a:t>cattiva</a:t>
+            </a:r>
+            <a:endParaRPr lang="en-US" dirty="0"/>
+          </a:p>
+          <a:p>
+            <a:r>
+              <a:rPr lang="en-US" dirty="0" err="1"/>
+              <a:t>Grafico</a:t>
+            </a:r>
+            <a:endParaRPr lang="en-US" dirty="0"/>
+          </a:p>
+        </p:txBody>
+      </p:sp>
+    </p:spTree>
+    <p:extLst>
+      <p:ext uri="{BB962C8B-B14F-4D97-AF65-F5344CB8AC3E}">
+        <p14:creationId xmlns:p14="http://schemas.microsoft.com/office/powerpoint/2010/main" val="2411844187"/>
+      </p:ext>
+    </p:extLst>
+  </p:cSld>
+  <p:clrMapOvr>
+    <a:masterClrMapping/>
+  </p:clrMapOvr>
+</p:sld>
+</file>
+
+<file path=ppt/slides/slide23.xml><?xml version="1.0" encoding="utf-8"?>
+<p:sld xmlns:a="http://schemas.openxmlformats.org/drawingml/2006/main" xmlns:r="http://schemas.openxmlformats.org/officeDocument/2006/relationships" xmlns:p="http://schemas.openxmlformats.org/presentationml/2006/main">
+  <p:cSld>
+    <p:spTree>
+      <p:nvGrpSpPr>
+        <p:cNvPr id="1" name=""/>
+        <p:cNvGrpSpPr/>
+        <p:nvPr/>
+      </p:nvGrpSpPr>
+      <p:grpSpPr>
+        <a:xfrm>
+          <a:off x="0" y="0"/>
+          <a:ext cx="0" cy="0"/>
+          <a:chOff x="0" y="0"/>
+          <a:chExt cx="0" cy="0"/>
+        </a:xfrm>
+      </p:grpSpPr>
+      <p:pic>
+        <p:nvPicPr>
+          <p:cNvPr id="5" name="Picture 4">
+            <a:extLst>
+              <a:ext uri="{FF2B5EF4-FFF2-40B4-BE49-F238E27FC236}">
+                <a16:creationId xmlns:a16="http://schemas.microsoft.com/office/drawing/2014/main" id="{FC71A126-FE3E-36F3-317F-592EECC10AC6}"/>
+              </a:ext>
+            </a:extLst>
+          </p:cNvPr>
+          <p:cNvPicPr>
+            <a:picLocks noChangeAspect="1"/>
+          </p:cNvPicPr>
+          <p:nvPr/>
+        </p:nvPicPr>
+        <p:blipFill rotWithShape="1">
+          <a:blip r:embed="rId2"/>
+          <a:srcRect t="39376" b="37821"/>
+          <a:stretch/>
+        </p:blipFill>
+        <p:spPr>
+          <a:xfrm>
+            <a:off x="4834657" y="1387151"/>
+            <a:ext cx="5010849" cy="684246"/>
+          </a:xfrm>
+          <a:prstGeom prst="rect">
+            <a:avLst/>
+          </a:prstGeom>
+        </p:spPr>
+      </p:pic>
+      <p:sp>
+        <p:nvSpPr>
+          <p:cNvPr id="7" name="TextBox 6">
+            <a:extLst>
+              <a:ext uri="{FF2B5EF4-FFF2-40B4-BE49-F238E27FC236}">
+                <a16:creationId xmlns:a16="http://schemas.microsoft.com/office/drawing/2014/main" id="{F90C4F26-44A8-F319-8CD8-583DCF05F2D6}"/>
+              </a:ext>
+            </a:extLst>
+          </p:cNvPr>
+          <p:cNvSpPr txBox="1"/>
+          <p:nvPr/>
+        </p:nvSpPr>
+        <p:spPr>
+          <a:xfrm>
+            <a:off x="1576414" y="1521281"/>
+            <a:ext cx="2341347" cy="369332"/>
+          </a:xfrm>
+          <a:prstGeom prst="rect">
+            <a:avLst/>
+          </a:prstGeom>
+          <a:noFill/>
+        </p:spPr>
+        <p:txBody>
+          <a:bodyPr wrap="none" rtlCol="0">
+            <a:spAutoFit/>
+          </a:bodyPr>
+          <a:lstStyle/>
+          <a:p>
+            <a:r>
+              <a:rPr lang="en-US" dirty="0"/>
+              <a:t>FIFO </a:t>
+            </a:r>
+            <a:r>
+              <a:rPr lang="en-US" dirty="0" err="1"/>
+              <a:t>ordine</a:t>
+            </a:r>
+            <a:r>
+              <a:rPr lang="en-US" dirty="0"/>
+              <a:t> di </a:t>
+            </a:r>
+            <a:r>
+              <a:rPr lang="en-US" dirty="0" err="1"/>
+              <a:t>richiesta</a:t>
+            </a:r>
+            <a:endParaRPr lang="en-US" dirty="0"/>
+          </a:p>
+        </p:txBody>
+      </p:sp>
+      <p:cxnSp>
+        <p:nvCxnSpPr>
+          <p:cNvPr id="12" name="Straight Arrow Connector 11">
+            <a:extLst>
+              <a:ext uri="{FF2B5EF4-FFF2-40B4-BE49-F238E27FC236}">
+                <a16:creationId xmlns:a16="http://schemas.microsoft.com/office/drawing/2014/main" id="{1CE44CAC-D00F-999E-D1BA-0DBAE6728227}"/>
+              </a:ext>
+            </a:extLst>
+          </p:cNvPr>
+          <p:cNvCxnSpPr>
+            <a:cxnSpLocks/>
+            <a:stCxn id="7" idx="3"/>
+          </p:cNvCxnSpPr>
+          <p:nvPr/>
+        </p:nvCxnSpPr>
+        <p:spPr>
+          <a:xfrm flipV="1">
+            <a:off x="3917761" y="1703379"/>
+            <a:ext cx="1102108" cy="2568"/>
+          </a:xfrm>
+          <a:prstGeom prst="straightConnector1">
+            <a:avLst/>
+          </a:prstGeom>
+          <a:ln>
+            <a:tailEnd type="triangle"/>
+          </a:ln>
+        </p:spPr>
+        <p:style>
+          <a:lnRef idx="1">
+            <a:schemeClr val="accent1"/>
+          </a:lnRef>
+          <a:fillRef idx="0">
+            <a:schemeClr val="accent1"/>
+          </a:fillRef>
+          <a:effectRef idx="0">
+            <a:schemeClr val="accent1"/>
+          </a:effectRef>
+          <a:fontRef idx="minor">
+            <a:schemeClr val="tx1"/>
+          </a:fontRef>
+        </p:style>
+      </p:cxnSp>
+      <p:pic>
+        <p:nvPicPr>
+          <p:cNvPr id="18" name="Picture 17">
+            <a:extLst>
+              <a:ext uri="{FF2B5EF4-FFF2-40B4-BE49-F238E27FC236}">
+                <a16:creationId xmlns:a16="http://schemas.microsoft.com/office/drawing/2014/main" id="{E91BE2E5-3E83-5707-397D-BBF58E5E2E7C}"/>
+              </a:ext>
+            </a:extLst>
+          </p:cNvPr>
+          <p:cNvPicPr>
+            <a:picLocks noChangeAspect="1"/>
+          </p:cNvPicPr>
+          <p:nvPr/>
+        </p:nvPicPr>
+        <p:blipFill>
+          <a:blip r:embed="rId3"/>
+          <a:stretch>
+            <a:fillRect/>
+          </a:stretch>
+        </p:blipFill>
+        <p:spPr>
+          <a:xfrm>
+            <a:off x="3617435" y="3805575"/>
+            <a:ext cx="4957129" cy="2692955"/>
+          </a:xfrm>
+          <a:prstGeom prst="rect">
+            <a:avLst/>
+          </a:prstGeom>
+        </p:spPr>
+      </p:pic>
+      <p:sp>
+        <p:nvSpPr>
+          <p:cNvPr id="2" name="TextBox 1">
+            <a:extLst>
+              <a:ext uri="{FF2B5EF4-FFF2-40B4-BE49-F238E27FC236}">
+                <a16:creationId xmlns:a16="http://schemas.microsoft.com/office/drawing/2014/main" id="{709A8FD7-4346-66B8-CD44-C024E1698D66}"/>
+              </a:ext>
+            </a:extLst>
+          </p:cNvPr>
+          <p:cNvSpPr txBox="1"/>
+          <p:nvPr/>
+        </p:nvSpPr>
+        <p:spPr>
+          <a:xfrm>
+            <a:off x="1576414" y="2129095"/>
+            <a:ext cx="2745239" cy="923330"/>
+          </a:xfrm>
+          <a:prstGeom prst="rect">
+            <a:avLst/>
+          </a:prstGeom>
+          <a:noFill/>
+        </p:spPr>
+        <p:txBody>
+          <a:bodyPr wrap="none" rtlCol="0">
+            <a:spAutoFit/>
+          </a:bodyPr>
+          <a:lstStyle/>
+          <a:p>
+            <a:r>
+              <a:rPr lang="en-US" dirty="0" err="1"/>
+              <a:t>Esempio</a:t>
+            </a:r>
+            <a:r>
+              <a:rPr lang="en-US" dirty="0"/>
+              <a:t> con </a:t>
+            </a:r>
+            <a:r>
+              <a:rPr lang="en-US" dirty="0" err="1"/>
+              <a:t>istanza</a:t>
+            </a:r>
+            <a:r>
+              <a:rPr lang="en-US" dirty="0"/>
+              <a:t> </a:t>
+            </a:r>
+            <a:r>
+              <a:rPr lang="en-US" dirty="0" err="1"/>
+              <a:t>buona</a:t>
+            </a:r>
+            <a:endParaRPr lang="en-US" dirty="0"/>
+          </a:p>
+          <a:p>
+            <a:r>
+              <a:rPr lang="en-US" dirty="0" err="1"/>
+              <a:t>Esempio</a:t>
+            </a:r>
+            <a:r>
+              <a:rPr lang="en-US" dirty="0"/>
+              <a:t> con </a:t>
+            </a:r>
+            <a:r>
+              <a:rPr lang="en-US" dirty="0" err="1"/>
+              <a:t>istanza</a:t>
+            </a:r>
+            <a:r>
+              <a:rPr lang="en-US" dirty="0"/>
+              <a:t> </a:t>
+            </a:r>
+            <a:r>
+              <a:rPr lang="en-US" dirty="0" err="1"/>
+              <a:t>cattiva</a:t>
+            </a:r>
+            <a:endParaRPr lang="en-US" dirty="0"/>
+          </a:p>
+          <a:p>
+            <a:r>
+              <a:rPr lang="en-US" dirty="0" err="1"/>
+              <a:t>Grafico</a:t>
+            </a:r>
+            <a:endParaRPr lang="en-US" dirty="0"/>
+          </a:p>
+        </p:txBody>
+      </p:sp>
+    </p:spTree>
+    <p:extLst>
+      <p:ext uri="{BB962C8B-B14F-4D97-AF65-F5344CB8AC3E}">
+        <p14:creationId xmlns:p14="http://schemas.microsoft.com/office/powerpoint/2010/main" val="1607683021"/>
+      </p:ext>
+    </p:extLst>
+  </p:cSld>
+  <p:clrMapOvr>
+    <a:masterClrMapping/>
+  </p:clrMapOvr>
+</p:sld>
+</file>
+
+<file path=ppt/slides/slide24.xml><?xml version="1.0" encoding="utf-8"?>
+<p:sld xmlns:a="http://schemas.openxmlformats.org/drawingml/2006/main" xmlns:r="http://schemas.openxmlformats.org/officeDocument/2006/relationships" xmlns:p="http://schemas.openxmlformats.org/presentationml/2006/main">
+  <p:cSld>
+    <p:spTree>
+      <p:nvGrpSpPr>
+        <p:cNvPr id="1" name=""/>
+        <p:cNvGrpSpPr/>
+        <p:nvPr/>
+      </p:nvGrpSpPr>
+      <p:grpSpPr>
+        <a:xfrm>
+          <a:off x="0" y="0"/>
+          <a:ext cx="0" cy="0"/>
+          <a:chOff x="0" y="0"/>
+          <a:chExt cx="0" cy="0"/>
+        </a:xfrm>
+      </p:grpSpPr>
+      <p:pic>
+        <p:nvPicPr>
+          <p:cNvPr id="5" name="Picture 4">
+            <a:extLst>
+              <a:ext uri="{FF2B5EF4-FFF2-40B4-BE49-F238E27FC236}">
+                <a16:creationId xmlns:a16="http://schemas.microsoft.com/office/drawing/2014/main" id="{FC71A126-FE3E-36F3-317F-592EECC10AC6}"/>
+              </a:ext>
+            </a:extLst>
+          </p:cNvPr>
+          <p:cNvPicPr>
+            <a:picLocks noChangeAspect="1"/>
+          </p:cNvPicPr>
+          <p:nvPr/>
+        </p:nvPicPr>
+        <p:blipFill rotWithShape="1">
+          <a:blip r:embed="rId2"/>
+          <a:srcRect t="74409" b="-1"/>
+          <a:stretch/>
+        </p:blipFill>
+        <p:spPr>
+          <a:xfrm>
+            <a:off x="4751141" y="258424"/>
+            <a:ext cx="5010849" cy="767943"/>
+          </a:xfrm>
+          <a:prstGeom prst="rect">
+            <a:avLst/>
+          </a:prstGeom>
+        </p:spPr>
+      </p:pic>
+      <p:sp>
+        <p:nvSpPr>
+          <p:cNvPr id="8" name="TextBox 7">
+            <a:extLst>
+              <a:ext uri="{FF2B5EF4-FFF2-40B4-BE49-F238E27FC236}">
+                <a16:creationId xmlns:a16="http://schemas.microsoft.com/office/drawing/2014/main" id="{F256F7C6-669E-86D3-41E5-B972F2CA9908}"/>
+              </a:ext>
+            </a:extLst>
+          </p:cNvPr>
+          <p:cNvSpPr txBox="1"/>
+          <p:nvPr/>
+        </p:nvSpPr>
+        <p:spPr>
+          <a:xfrm>
+            <a:off x="1492898" y="389835"/>
+            <a:ext cx="2381165" cy="369332"/>
+          </a:xfrm>
+          <a:prstGeom prst="rect">
+            <a:avLst/>
+          </a:prstGeom>
+          <a:noFill/>
+        </p:spPr>
+        <p:txBody>
+          <a:bodyPr wrap="none" rtlCol="0">
+            <a:spAutoFit/>
+          </a:bodyPr>
+          <a:lstStyle/>
+          <a:p>
+            <a:r>
+              <a:rPr lang="en-US" dirty="0"/>
+              <a:t>FIFO nearest </a:t>
+            </a:r>
+            <a:r>
+              <a:rPr lang="en-US" dirty="0" err="1"/>
+              <a:t>neighbour</a:t>
+            </a:r>
+            <a:endParaRPr lang="en-US" dirty="0"/>
+          </a:p>
+        </p:txBody>
+      </p:sp>
+      <p:cxnSp>
+        <p:nvCxnSpPr>
+          <p:cNvPr id="15" name="Straight Arrow Connector 14">
+            <a:extLst>
+              <a:ext uri="{FF2B5EF4-FFF2-40B4-BE49-F238E27FC236}">
+                <a16:creationId xmlns:a16="http://schemas.microsoft.com/office/drawing/2014/main" id="{067881CD-6A5F-4BFC-48CE-F411455E55F0}"/>
+              </a:ext>
+            </a:extLst>
+          </p:cNvPr>
+          <p:cNvCxnSpPr>
+            <a:cxnSpLocks/>
+            <a:stCxn id="8" idx="3"/>
+          </p:cNvCxnSpPr>
+          <p:nvPr/>
+        </p:nvCxnSpPr>
+        <p:spPr>
+          <a:xfrm>
+            <a:off x="3874063" y="574501"/>
+            <a:ext cx="877078" cy="0"/>
+          </a:xfrm>
+          <a:prstGeom prst="straightConnector1">
+            <a:avLst/>
+          </a:prstGeom>
+          <a:ln>
+            <a:tailEnd type="triangle"/>
+          </a:ln>
+        </p:spPr>
+        <p:style>
+          <a:lnRef idx="1">
+            <a:schemeClr val="accent1"/>
+          </a:lnRef>
+          <a:fillRef idx="0">
+            <a:schemeClr val="accent1"/>
+          </a:fillRef>
+          <a:effectRef idx="0">
+            <a:schemeClr val="accent1"/>
+          </a:effectRef>
+          <a:fontRef idx="minor">
+            <a:schemeClr val="tx1"/>
+          </a:fontRef>
+        </p:style>
+      </p:cxnSp>
+      <p:pic>
+        <p:nvPicPr>
+          <p:cNvPr id="18" name="Picture 17">
+            <a:extLst>
+              <a:ext uri="{FF2B5EF4-FFF2-40B4-BE49-F238E27FC236}">
+                <a16:creationId xmlns:a16="http://schemas.microsoft.com/office/drawing/2014/main" id="{E91BE2E5-3E83-5707-397D-BBF58E5E2E7C}"/>
+              </a:ext>
+            </a:extLst>
+          </p:cNvPr>
+          <p:cNvPicPr>
+            <a:picLocks noChangeAspect="1"/>
+          </p:cNvPicPr>
+          <p:nvPr/>
+        </p:nvPicPr>
+        <p:blipFill>
+          <a:blip r:embed="rId3"/>
+          <a:stretch>
+            <a:fillRect/>
+          </a:stretch>
+        </p:blipFill>
+        <p:spPr>
+          <a:xfrm>
+            <a:off x="3617435" y="3805575"/>
+            <a:ext cx="4957129" cy="2692955"/>
+          </a:xfrm>
+          <a:prstGeom prst="rect">
+            <a:avLst/>
+          </a:prstGeom>
+        </p:spPr>
+      </p:pic>
+      <p:sp>
+        <p:nvSpPr>
+          <p:cNvPr id="20" name="TextBox 19">
+            <a:extLst>
+              <a:ext uri="{FF2B5EF4-FFF2-40B4-BE49-F238E27FC236}">
+                <a16:creationId xmlns:a16="http://schemas.microsoft.com/office/drawing/2014/main" id="{5B1CDB9C-70E7-647D-B255-974B95F11DC5}"/>
+              </a:ext>
+            </a:extLst>
+          </p:cNvPr>
+          <p:cNvSpPr txBox="1"/>
+          <p:nvPr/>
+        </p:nvSpPr>
+        <p:spPr>
+          <a:xfrm>
+            <a:off x="1492898" y="1026367"/>
+            <a:ext cx="2745239" cy="923330"/>
+          </a:xfrm>
+          <a:prstGeom prst="rect">
+            <a:avLst/>
+          </a:prstGeom>
+          <a:noFill/>
+        </p:spPr>
+        <p:txBody>
+          <a:bodyPr wrap="none" rtlCol="0">
+            <a:spAutoFit/>
+          </a:bodyPr>
+          <a:lstStyle/>
+          <a:p>
+            <a:r>
+              <a:rPr lang="en-US" dirty="0" err="1"/>
+              <a:t>Esempio</a:t>
+            </a:r>
+            <a:r>
+              <a:rPr lang="en-US" dirty="0"/>
+              <a:t> con </a:t>
+            </a:r>
+            <a:r>
+              <a:rPr lang="en-US" dirty="0" err="1"/>
+              <a:t>istanza</a:t>
+            </a:r>
+            <a:r>
+              <a:rPr lang="en-US" dirty="0"/>
+              <a:t> </a:t>
+            </a:r>
+            <a:r>
+              <a:rPr lang="en-US" dirty="0" err="1"/>
+              <a:t>buona</a:t>
+            </a:r>
+            <a:endParaRPr lang="en-US" dirty="0"/>
+          </a:p>
+          <a:p>
+            <a:r>
+              <a:rPr lang="en-US" dirty="0" err="1"/>
+              <a:t>Esempio</a:t>
+            </a:r>
+            <a:r>
+              <a:rPr lang="en-US" dirty="0"/>
+              <a:t> con </a:t>
+            </a:r>
+            <a:r>
+              <a:rPr lang="en-US" dirty="0" err="1"/>
+              <a:t>istanza</a:t>
+            </a:r>
+            <a:r>
+              <a:rPr lang="en-US" dirty="0"/>
+              <a:t> </a:t>
+            </a:r>
+            <a:r>
+              <a:rPr lang="en-US" dirty="0" err="1"/>
+              <a:t>cattiva</a:t>
+            </a:r>
+            <a:endParaRPr lang="en-US" dirty="0"/>
+          </a:p>
+          <a:p>
+            <a:r>
+              <a:rPr lang="en-US" dirty="0" err="1"/>
+              <a:t>Grafico</a:t>
+            </a:r>
+            <a:endParaRPr lang="en-US" dirty="0"/>
+          </a:p>
+        </p:txBody>
+      </p:sp>
+    </p:spTree>
+    <p:extLst>
+      <p:ext uri="{BB962C8B-B14F-4D97-AF65-F5344CB8AC3E}">
+        <p14:creationId xmlns:p14="http://schemas.microsoft.com/office/powerpoint/2010/main" val="1203670043"/>
+      </p:ext>
+    </p:extLst>
+  </p:cSld>
+  <p:clrMapOvr>
+    <a:masterClrMapping/>
+  </p:clrMapOvr>
+</p:sld>
+</file>
+
+<file path=ppt/slides/slide25.xml><?xml version="1.0" encoding="utf-8"?>
+<p:sld xmlns:a="http://schemas.openxmlformats.org/drawingml/2006/main" xmlns:r="http://schemas.openxmlformats.org/officeDocument/2006/relationships" xmlns:p="http://schemas.openxmlformats.org/presentationml/2006/main">
+  <p:cSld>
+    <p:spTree>
+      <p:nvGrpSpPr>
+        <p:cNvPr id="1" name=""/>
+        <p:cNvGrpSpPr/>
+        <p:nvPr/>
+      </p:nvGrpSpPr>
+      <p:grpSpPr>
+        <a:xfrm>
+          <a:off x="0" y="0"/>
+          <a:ext cx="0" cy="0"/>
+          <a:chOff x="0" y="0"/>
+          <a:chExt cx="0" cy="0"/>
+        </a:xfrm>
+      </p:grpSpPr>
+      <p:pic>
+        <p:nvPicPr>
+          <p:cNvPr id="5" name="Picture 4">
+            <a:extLst>
+              <a:ext uri="{FF2B5EF4-FFF2-40B4-BE49-F238E27FC236}">
+                <a16:creationId xmlns:a16="http://schemas.microsoft.com/office/drawing/2014/main" id="{BDC3B350-B787-18DC-5CEC-B138BD53E97A}"/>
+              </a:ext>
+            </a:extLst>
+          </p:cNvPr>
+          <p:cNvPicPr>
+            <a:picLocks noChangeAspect="1"/>
+          </p:cNvPicPr>
+          <p:nvPr/>
+        </p:nvPicPr>
+        <p:blipFill>
+          <a:blip r:embed="rId2"/>
+          <a:stretch>
+            <a:fillRect/>
+          </a:stretch>
+        </p:blipFill>
+        <p:spPr>
+          <a:xfrm>
+            <a:off x="1556704" y="1037891"/>
+            <a:ext cx="9078592" cy="4782217"/>
+          </a:xfrm>
+          <a:prstGeom prst="rect">
+            <a:avLst/>
+          </a:prstGeom>
+        </p:spPr>
+      </p:pic>
+    </p:spTree>
+    <p:extLst>
+      <p:ext uri="{BB962C8B-B14F-4D97-AF65-F5344CB8AC3E}">
+        <p14:creationId xmlns:p14="http://schemas.microsoft.com/office/powerpoint/2010/main" val="165764570"/>
+      </p:ext>
+    </p:extLst>
+  </p:cSld>
+  <p:clrMapOvr>
+    <a:masterClrMapping/>
+  </p:clrMapOvr>
+</p:sld>
+</file>
+
+<file path=ppt/slides/slide26.xml><?xml version="1.0" encoding="utf-8"?>
+<p:sld xmlns:a="http://schemas.openxmlformats.org/drawingml/2006/main" xmlns:r="http://schemas.openxmlformats.org/officeDocument/2006/relationships" xmlns:p="http://schemas.openxmlformats.org/presentationml/2006/main">
+  <p:cSld>
+    <p:spTree>
+      <p:nvGrpSpPr>
+        <p:cNvPr id="1" name=""/>
+        <p:cNvGrpSpPr/>
+        <p:nvPr/>
+      </p:nvGrpSpPr>
+      <p:grpSpPr>
+        <a:xfrm>
+          <a:off x="0" y="0"/>
+          <a:ext cx="0" cy="0"/>
+          <a:chOff x="0" y="0"/>
+          <a:chExt cx="0" cy="0"/>
+        </a:xfrm>
+      </p:grpSpPr>
+      <p:sp>
+        <p:nvSpPr>
+          <p:cNvPr id="17410" name="Rectangle 2">
+            <a:extLst>
+              <a:ext uri="{FF2B5EF4-FFF2-40B4-BE49-F238E27FC236}">
+                <a16:creationId xmlns:a16="http://schemas.microsoft.com/office/drawing/2014/main" id="{4AB744D8-042C-1FE0-E77D-7E1CD28BB891}"/>
+              </a:ext>
+            </a:extLst>
+          </p:cNvPr>
+          <p:cNvSpPr>
+            <a:spLocks noGrp="1" noChangeArrowheads="1"/>
+          </p:cNvSpPr>
+          <p:nvPr>
+            <p:ph type="ctrTitle"/>
+          </p:nvPr>
+        </p:nvSpPr>
+        <p:spPr>
+          <a:xfrm>
+            <a:off x="2057400" y="304800"/>
+            <a:ext cx="7924800" cy="533400"/>
+          </a:xfrm>
+        </p:spPr>
+        <p:txBody>
+          <a:bodyPr anchor="ctr">
+            <a:normAutofit fontScale="90000"/>
+          </a:bodyPr>
+          <a:lstStyle/>
+          <a:p>
+            <a:pPr eaLnBrk="1" hangingPunct="1">
+              <a:defRPr/>
+            </a:pPr>
+            <a:r>
+              <a:rPr lang="en-US" altLang="it-IT" sz="4000">
+                <a:solidFill>
+                  <a:srgbClr val="0000FF"/>
+                </a:solidFill>
+                <a:effectLst>
+                  <a:outerShdw blurRad="38100" dist="38100" dir="2700000" algn="tl">
+                    <a:srgbClr val="C0C0C0"/>
+                  </a:outerShdw>
+                </a:effectLst>
+              </a:rPr>
+              <a:t>errore</a:t>
+            </a:r>
+          </a:p>
+        </p:txBody>
+      </p:sp>
+      <p:sp>
+        <p:nvSpPr>
+          <p:cNvPr id="5123" name="Rectangle 3">
+            <a:extLst>
+              <a:ext uri="{FF2B5EF4-FFF2-40B4-BE49-F238E27FC236}">
+                <a16:creationId xmlns:a16="http://schemas.microsoft.com/office/drawing/2014/main" id="{E2B5E3E7-8C07-FFF2-1330-F22951510AD4}"/>
+              </a:ext>
+            </a:extLst>
+          </p:cNvPr>
+          <p:cNvSpPr>
+            <a:spLocks noGrp="1" noChangeArrowheads="1"/>
+          </p:cNvSpPr>
+          <p:nvPr>
+            <p:ph type="subTitle" idx="1"/>
+          </p:nvPr>
+        </p:nvSpPr>
+        <p:spPr>
+          <a:xfrm>
+            <a:off x="1524000" y="1447800"/>
+            <a:ext cx="9144000" cy="5410200"/>
+          </a:xfrm>
+        </p:spPr>
+        <p:txBody>
+          <a:bodyPr/>
+          <a:lstStyle/>
+          <a:p>
+            <a:pPr eaLnBrk="1" hangingPunct="1">
+              <a:lnSpc>
+                <a:spcPct val="90000"/>
+              </a:lnSpc>
+              <a:defRPr/>
+            </a:pPr>
+            <a:r>
+              <a:rPr lang="en-US" altLang="it-IT" dirty="0" err="1">
+                <a:solidFill>
+                  <a:srgbClr val="0000FF"/>
+                </a:solidFill>
+              </a:rPr>
+              <a:t>Sia</a:t>
+            </a:r>
+            <a:r>
+              <a:rPr lang="en-US" altLang="it-IT" dirty="0">
+                <a:solidFill>
+                  <a:srgbClr val="0000FF"/>
+                </a:solidFill>
+              </a:rPr>
+              <a:t> A un </a:t>
+            </a:r>
+            <a:r>
+              <a:rPr lang="en-US" altLang="it-IT" dirty="0" err="1">
+                <a:solidFill>
+                  <a:srgbClr val="0000FF"/>
+                </a:solidFill>
+              </a:rPr>
+              <a:t>algoritmo</a:t>
+            </a:r>
+            <a:r>
+              <a:rPr lang="en-US" altLang="it-IT" dirty="0">
+                <a:solidFill>
+                  <a:srgbClr val="0000FF"/>
+                </a:solidFill>
+              </a:rPr>
+              <a:t> per </a:t>
+            </a:r>
+            <a:r>
+              <a:rPr lang="en-US" altLang="it-IT" dirty="0" err="1">
+                <a:solidFill>
+                  <a:srgbClr val="0000FF"/>
+                </a:solidFill>
+              </a:rPr>
+              <a:t>il</a:t>
+            </a:r>
+            <a:r>
+              <a:rPr lang="en-US" altLang="it-IT" dirty="0">
+                <a:solidFill>
+                  <a:srgbClr val="0000FF"/>
+                </a:solidFill>
+              </a:rPr>
+              <a:t> </a:t>
+            </a:r>
+            <a:r>
+              <a:rPr lang="en-US" altLang="it-IT" dirty="0" err="1">
+                <a:solidFill>
+                  <a:srgbClr val="0000FF"/>
+                </a:solidFill>
+              </a:rPr>
+              <a:t>problema</a:t>
+            </a:r>
+            <a:r>
+              <a:rPr lang="en-US" altLang="it-IT" dirty="0">
+                <a:solidFill>
+                  <a:srgbClr val="0000FF"/>
+                </a:solidFill>
+              </a:rPr>
+              <a:t> di </a:t>
+            </a:r>
+            <a:r>
+              <a:rPr lang="en-US" altLang="it-IT" dirty="0" err="1">
+                <a:solidFill>
+                  <a:srgbClr val="0000FF"/>
+                </a:solidFill>
+              </a:rPr>
+              <a:t>minimo</a:t>
+            </a:r>
+            <a:r>
+              <a:rPr lang="en-US" altLang="it-IT" dirty="0">
+                <a:solidFill>
+                  <a:srgbClr val="0000FF"/>
+                </a:solidFill>
+              </a:rPr>
+              <a:t> P = </a:t>
+            </a:r>
+            <a:r>
+              <a:rPr lang="en-US" altLang="it-IT" i="1" dirty="0">
+                <a:solidFill>
+                  <a:srgbClr val="0000FF"/>
+                </a:solidFill>
+              </a:rPr>
+              <a:t>min</a:t>
+            </a:r>
+            <a:r>
+              <a:rPr lang="en-US" altLang="it-IT" dirty="0">
+                <a:solidFill>
+                  <a:srgbClr val="0000FF"/>
+                </a:solidFill>
+              </a:rPr>
+              <a:t> {c(x): </a:t>
+            </a:r>
+            <a:r>
+              <a:rPr lang="en-US" altLang="it-IT" dirty="0" err="1">
+                <a:solidFill>
+                  <a:srgbClr val="0000FF"/>
+                </a:solidFill>
+              </a:rPr>
+              <a:t>x</a:t>
+            </a:r>
+            <a:r>
+              <a:rPr lang="en-US" altLang="it-IT" dirty="0" err="1">
+                <a:solidFill>
+                  <a:srgbClr val="0000FF"/>
+                </a:solidFill>
+                <a:latin typeface="Arial Unicode MS" panose="020B0604020202020204" pitchFamily="34" charset="-128"/>
+                <a:ea typeface="Arial Unicode MS" panose="020B0604020202020204" pitchFamily="34" charset="-128"/>
+                <a:cs typeface="Arial Unicode MS" panose="020B0604020202020204" pitchFamily="34" charset="-128"/>
+              </a:rPr>
+              <a:t>∊</a:t>
+            </a:r>
+            <a:r>
+              <a:rPr lang="en-US" altLang="it-IT" dirty="0" err="1">
+                <a:solidFill>
+                  <a:srgbClr val="0000FF"/>
+                </a:solidFill>
+              </a:rPr>
+              <a:t>F</a:t>
+            </a:r>
+            <a:r>
+              <a:rPr lang="en-US" altLang="it-IT" dirty="0">
+                <a:solidFill>
+                  <a:srgbClr val="0000FF"/>
+                </a:solidFill>
+              </a:rPr>
+              <a:t>} Data </a:t>
+            </a:r>
+            <a:r>
+              <a:rPr lang="en-US" altLang="it-IT" dirty="0" err="1">
+                <a:solidFill>
+                  <a:srgbClr val="0000FF"/>
+                </a:solidFill>
+              </a:rPr>
+              <a:t>una</a:t>
+            </a:r>
+            <a:r>
+              <a:rPr lang="en-US" altLang="it-IT" dirty="0">
+                <a:solidFill>
+                  <a:srgbClr val="0000FF"/>
+                </a:solidFill>
+              </a:rPr>
+              <a:t> </a:t>
+            </a:r>
+            <a:r>
+              <a:rPr lang="en-US" altLang="it-IT" dirty="0" err="1">
+                <a:solidFill>
+                  <a:srgbClr val="0000FF"/>
+                </a:solidFill>
+              </a:rPr>
+              <a:t>istanza</a:t>
+            </a:r>
+            <a:r>
+              <a:rPr lang="en-US" altLang="it-IT" dirty="0">
+                <a:solidFill>
+                  <a:srgbClr val="0000FF"/>
+                </a:solidFill>
+              </a:rPr>
+              <a:t> I del </a:t>
+            </a:r>
+            <a:r>
+              <a:rPr lang="en-US" altLang="it-IT" dirty="0" err="1">
+                <a:solidFill>
+                  <a:srgbClr val="0000FF"/>
+                </a:solidFill>
+              </a:rPr>
+              <a:t>problema</a:t>
+            </a:r>
+            <a:endParaRPr lang="en-US" altLang="it-IT" dirty="0">
+              <a:solidFill>
+                <a:srgbClr val="0000FF"/>
+              </a:solidFill>
+            </a:endParaRPr>
+          </a:p>
+          <a:p>
+            <a:pPr eaLnBrk="1" hangingPunct="1">
+              <a:lnSpc>
+                <a:spcPct val="90000"/>
+              </a:lnSpc>
+              <a:defRPr/>
+            </a:pPr>
+            <a:r>
+              <a:rPr lang="en-US" altLang="it-IT" dirty="0" err="1">
+                <a:solidFill>
+                  <a:srgbClr val="0000FF"/>
+                </a:solidFill>
+              </a:rPr>
+              <a:t>sia</a:t>
+            </a:r>
+            <a:r>
+              <a:rPr lang="en-US" altLang="it-IT" dirty="0">
+                <a:solidFill>
+                  <a:srgbClr val="0000FF"/>
+                </a:solidFill>
+              </a:rPr>
+              <a:t> x* la </a:t>
+            </a:r>
+            <a:r>
+              <a:rPr lang="en-US" altLang="it-IT" dirty="0" err="1">
+                <a:solidFill>
+                  <a:srgbClr val="0000FF"/>
+                </a:solidFill>
+              </a:rPr>
+              <a:t>soluzione</a:t>
+            </a:r>
+            <a:r>
+              <a:rPr lang="en-US" altLang="it-IT" dirty="0">
+                <a:solidFill>
+                  <a:srgbClr val="0000FF"/>
+                </a:solidFill>
+              </a:rPr>
+              <a:t> </a:t>
+            </a:r>
+            <a:r>
+              <a:rPr lang="en-US" altLang="it-IT" dirty="0" err="1">
+                <a:solidFill>
+                  <a:srgbClr val="0000FF"/>
+                </a:solidFill>
+              </a:rPr>
+              <a:t>ottima</a:t>
+            </a:r>
+            <a:r>
+              <a:rPr lang="en-US" altLang="it-IT" dirty="0">
+                <a:solidFill>
+                  <a:srgbClr val="0000FF"/>
+                </a:solidFill>
+              </a:rPr>
+              <a:t> e </a:t>
+            </a:r>
+            <a:r>
+              <a:rPr lang="en-US" altLang="it-IT" dirty="0" err="1">
+                <a:solidFill>
+                  <a:srgbClr val="0000FF"/>
+                </a:solidFill>
+              </a:rPr>
+              <a:t>sia</a:t>
+            </a:r>
+            <a:r>
+              <a:rPr lang="en-US" altLang="it-IT" dirty="0">
+                <a:solidFill>
+                  <a:srgbClr val="0000FF"/>
+                </a:solidFill>
+              </a:rPr>
+              <a:t> z*=c(x*) </a:t>
+            </a:r>
+            <a:r>
+              <a:rPr lang="en-US" altLang="it-IT" dirty="0" err="1">
+                <a:solidFill>
+                  <a:srgbClr val="0000FF"/>
+                </a:solidFill>
+              </a:rPr>
+              <a:t>il</a:t>
+            </a:r>
+            <a:r>
+              <a:rPr lang="en-US" altLang="it-IT" dirty="0">
+                <a:solidFill>
+                  <a:srgbClr val="0000FF"/>
+                </a:solidFill>
+              </a:rPr>
+              <a:t> </a:t>
+            </a:r>
+            <a:r>
+              <a:rPr lang="en-US" altLang="it-IT" dirty="0" err="1">
+                <a:solidFill>
+                  <a:srgbClr val="0000FF"/>
+                </a:solidFill>
+              </a:rPr>
+              <a:t>suo</a:t>
+            </a:r>
+            <a:r>
+              <a:rPr lang="en-US" altLang="it-IT" dirty="0">
+                <a:solidFill>
+                  <a:srgbClr val="0000FF"/>
+                </a:solidFill>
+              </a:rPr>
+              <a:t> </a:t>
+            </a:r>
+            <a:r>
+              <a:rPr lang="en-US" altLang="it-IT" dirty="0" err="1">
+                <a:solidFill>
+                  <a:srgbClr val="0000FF"/>
+                </a:solidFill>
+              </a:rPr>
+              <a:t>costo</a:t>
+            </a:r>
+            <a:r>
+              <a:rPr lang="en-US" altLang="it-IT" dirty="0">
+                <a:solidFill>
+                  <a:srgbClr val="0000FF"/>
+                </a:solidFill>
+              </a:rPr>
+              <a:t>, </a:t>
+            </a:r>
+          </a:p>
+          <a:p>
+            <a:pPr eaLnBrk="1" hangingPunct="1">
+              <a:lnSpc>
+                <a:spcPct val="90000"/>
+              </a:lnSpc>
+              <a:defRPr/>
+            </a:pPr>
+            <a:r>
+              <a:rPr lang="en-US" altLang="it-IT" dirty="0" err="1">
+                <a:solidFill>
+                  <a:srgbClr val="0000FF"/>
+                </a:solidFill>
+              </a:rPr>
+              <a:t>sia</a:t>
+            </a:r>
+            <a:r>
+              <a:rPr lang="en-US" altLang="it-IT" dirty="0">
+                <a:solidFill>
+                  <a:srgbClr val="0000FF"/>
+                </a:solidFill>
+              </a:rPr>
+              <a:t> </a:t>
+            </a:r>
+            <a:r>
+              <a:rPr lang="en-US" altLang="it-IT" dirty="0" err="1">
+                <a:solidFill>
+                  <a:srgbClr val="0000FF"/>
+                </a:solidFill>
+              </a:rPr>
+              <a:t>x</a:t>
+            </a:r>
+            <a:r>
+              <a:rPr lang="en-US" altLang="it-IT" baseline="30000" dirty="0" err="1">
+                <a:solidFill>
+                  <a:srgbClr val="0000FF"/>
+                </a:solidFill>
+              </a:rPr>
+              <a:t>A</a:t>
+            </a:r>
+            <a:r>
+              <a:rPr lang="en-US" altLang="it-IT" dirty="0">
+                <a:solidFill>
+                  <a:srgbClr val="0000FF"/>
+                </a:solidFill>
+              </a:rPr>
+              <a:t> la </a:t>
+            </a:r>
+            <a:r>
+              <a:rPr lang="en-US" altLang="it-IT" dirty="0" err="1">
+                <a:solidFill>
+                  <a:srgbClr val="0000FF"/>
+                </a:solidFill>
+              </a:rPr>
+              <a:t>soluzione</a:t>
+            </a:r>
+            <a:r>
+              <a:rPr lang="en-US" altLang="it-IT" dirty="0">
+                <a:solidFill>
+                  <a:srgbClr val="0000FF"/>
+                </a:solidFill>
+              </a:rPr>
+              <a:t> </a:t>
+            </a:r>
+            <a:r>
+              <a:rPr lang="en-US" altLang="it-IT" dirty="0" err="1">
+                <a:solidFill>
+                  <a:srgbClr val="0000FF"/>
+                </a:solidFill>
+              </a:rPr>
+              <a:t>prodotta</a:t>
+            </a:r>
+            <a:r>
+              <a:rPr lang="en-US" altLang="it-IT" dirty="0">
+                <a:solidFill>
+                  <a:srgbClr val="0000FF"/>
+                </a:solidFill>
+              </a:rPr>
+              <a:t> da A di </a:t>
+            </a:r>
+            <a:r>
+              <a:rPr lang="en-US" altLang="it-IT" dirty="0" err="1">
+                <a:solidFill>
+                  <a:srgbClr val="0000FF"/>
+                </a:solidFill>
+              </a:rPr>
+              <a:t>costo</a:t>
+            </a:r>
+            <a:r>
+              <a:rPr lang="en-US" altLang="it-IT" dirty="0">
+                <a:solidFill>
+                  <a:srgbClr val="0000FF"/>
+                </a:solidFill>
+              </a:rPr>
+              <a:t> </a:t>
+            </a:r>
+            <a:r>
+              <a:rPr lang="en-US" altLang="it-IT" dirty="0" err="1">
+                <a:solidFill>
+                  <a:srgbClr val="0000FF"/>
+                </a:solidFill>
+              </a:rPr>
+              <a:t>z</a:t>
+            </a:r>
+            <a:r>
+              <a:rPr lang="en-US" altLang="it-IT" baseline="30000" dirty="0" err="1">
+                <a:solidFill>
+                  <a:srgbClr val="0000FF"/>
+                </a:solidFill>
+              </a:rPr>
+              <a:t>A</a:t>
+            </a:r>
+            <a:r>
+              <a:rPr lang="en-US" altLang="it-IT" dirty="0">
+                <a:solidFill>
+                  <a:srgbClr val="0000FF"/>
+                </a:solidFill>
+              </a:rPr>
+              <a:t>=c(</a:t>
+            </a:r>
+            <a:r>
+              <a:rPr lang="en-US" altLang="it-IT" dirty="0" err="1">
+                <a:solidFill>
+                  <a:srgbClr val="0000FF"/>
+                </a:solidFill>
+              </a:rPr>
+              <a:t>x</a:t>
+            </a:r>
+            <a:r>
+              <a:rPr lang="en-US" altLang="it-IT" baseline="30000" dirty="0" err="1">
+                <a:solidFill>
+                  <a:srgbClr val="0000FF"/>
+                </a:solidFill>
+              </a:rPr>
+              <a:t>A</a:t>
+            </a:r>
+            <a:r>
+              <a:rPr lang="en-US" altLang="it-IT" dirty="0">
+                <a:solidFill>
+                  <a:srgbClr val="0000FF"/>
+                </a:solidFill>
+              </a:rPr>
+              <a:t>).</a:t>
+            </a:r>
+          </a:p>
+          <a:p>
+            <a:pPr eaLnBrk="1" hangingPunct="1">
+              <a:lnSpc>
+                <a:spcPct val="90000"/>
+              </a:lnSpc>
+              <a:defRPr/>
+            </a:pPr>
+            <a:endParaRPr lang="en-US" altLang="it-IT" dirty="0">
+              <a:solidFill>
+                <a:srgbClr val="0000FF"/>
+              </a:solidFill>
+            </a:endParaRPr>
+          </a:p>
+          <a:p>
+            <a:pPr eaLnBrk="1" hangingPunct="1">
+              <a:lnSpc>
+                <a:spcPct val="90000"/>
+              </a:lnSpc>
+              <a:defRPr/>
+            </a:pPr>
+            <a:r>
+              <a:rPr lang="en-US" altLang="it-IT" dirty="0"/>
+              <a:t>Si dice </a:t>
+            </a:r>
+            <a:r>
+              <a:rPr lang="en-US" altLang="it-IT" dirty="0" err="1">
+                <a:solidFill>
+                  <a:srgbClr val="FF0000"/>
+                </a:solidFill>
+              </a:rPr>
+              <a:t>Errore</a:t>
+            </a:r>
+            <a:r>
+              <a:rPr lang="en-US" altLang="it-IT" dirty="0">
+                <a:solidFill>
+                  <a:srgbClr val="FF0000"/>
+                </a:solidFill>
+              </a:rPr>
+              <a:t> </a:t>
+            </a:r>
+            <a:r>
+              <a:rPr lang="en-US" altLang="it-IT" dirty="0" err="1">
+                <a:solidFill>
+                  <a:srgbClr val="FF0000"/>
+                </a:solidFill>
+              </a:rPr>
+              <a:t>Assoluto</a:t>
+            </a:r>
+            <a:r>
+              <a:rPr lang="en-US" altLang="it-IT" dirty="0"/>
+              <a:t> </a:t>
+            </a:r>
+            <a:r>
+              <a:rPr lang="en-US" altLang="it-IT" dirty="0" err="1"/>
+              <a:t>il</a:t>
+            </a:r>
+            <a:r>
+              <a:rPr lang="en-US" altLang="it-IT" dirty="0"/>
+              <a:t> </a:t>
+            </a:r>
+            <a:r>
+              <a:rPr lang="en-US" altLang="it-IT" dirty="0" err="1"/>
+              <a:t>valore</a:t>
+            </a:r>
+            <a:r>
+              <a:rPr lang="en-US" altLang="it-IT" dirty="0"/>
+              <a:t>     </a:t>
+            </a:r>
+            <a:r>
+              <a:rPr lang="en-US" altLang="it-IT" dirty="0" err="1"/>
+              <a:t>E</a:t>
+            </a:r>
+            <a:r>
+              <a:rPr lang="en-US" altLang="it-IT" baseline="-25000" dirty="0" err="1"/>
+              <a:t>a</a:t>
+            </a:r>
+            <a:r>
+              <a:rPr lang="en-US" altLang="it-IT" dirty="0"/>
+              <a:t> = </a:t>
+            </a:r>
+            <a:r>
+              <a:rPr lang="en-US" altLang="it-IT" dirty="0" err="1"/>
+              <a:t>z</a:t>
+            </a:r>
+            <a:r>
+              <a:rPr lang="en-US" altLang="it-IT" baseline="30000" dirty="0" err="1"/>
+              <a:t>A</a:t>
+            </a:r>
+            <a:r>
+              <a:rPr lang="en-US" altLang="it-IT" dirty="0"/>
+              <a:t>-z*</a:t>
+            </a:r>
+          </a:p>
+          <a:p>
+            <a:pPr eaLnBrk="1" hangingPunct="1">
+              <a:lnSpc>
+                <a:spcPct val="90000"/>
+              </a:lnSpc>
+              <a:defRPr/>
+            </a:pPr>
+            <a:r>
+              <a:rPr lang="en-US" altLang="it-IT" dirty="0">
+                <a:solidFill>
+                  <a:srgbClr val="FF0000"/>
+                </a:solidFill>
+              </a:rPr>
+              <a:t>                  </a:t>
+            </a:r>
+            <a:r>
+              <a:rPr lang="en-US" altLang="it-IT" dirty="0" err="1">
+                <a:solidFill>
+                  <a:srgbClr val="FF0000"/>
+                </a:solidFill>
+              </a:rPr>
+              <a:t>Errore</a:t>
+            </a:r>
+            <a:r>
+              <a:rPr lang="en-US" altLang="it-IT" dirty="0">
+                <a:solidFill>
+                  <a:srgbClr val="FF0000"/>
+                </a:solidFill>
+              </a:rPr>
+              <a:t> </a:t>
+            </a:r>
+            <a:r>
+              <a:rPr lang="en-US" altLang="it-IT" dirty="0" err="1">
+                <a:solidFill>
+                  <a:srgbClr val="FF0000"/>
+                </a:solidFill>
+              </a:rPr>
+              <a:t>Relativo</a:t>
+            </a:r>
+            <a:r>
+              <a:rPr lang="en-US" altLang="it-IT" dirty="0"/>
+              <a:t>  </a:t>
+            </a:r>
+            <a:r>
+              <a:rPr lang="en-US" altLang="it-IT" dirty="0" err="1"/>
+              <a:t>il</a:t>
+            </a:r>
+            <a:r>
+              <a:rPr lang="en-US" altLang="it-IT" dirty="0"/>
+              <a:t> </a:t>
+            </a:r>
+            <a:r>
+              <a:rPr lang="en-US" altLang="it-IT" dirty="0" err="1"/>
+              <a:t>rapporto</a:t>
+            </a:r>
+            <a:r>
+              <a:rPr lang="en-US" altLang="it-IT" dirty="0"/>
+              <a:t> </a:t>
+            </a:r>
+            <a:r>
+              <a:rPr lang="en-US" altLang="it-IT" dirty="0" err="1"/>
+              <a:t>E</a:t>
+            </a:r>
+            <a:r>
+              <a:rPr lang="en-US" altLang="it-IT" baseline="-25000" dirty="0" err="1"/>
+              <a:t>r</a:t>
+            </a:r>
+            <a:r>
+              <a:rPr lang="en-US" altLang="it-IT" dirty="0"/>
+              <a:t> = (</a:t>
+            </a:r>
+            <a:r>
+              <a:rPr lang="en-US" altLang="it-IT" dirty="0" err="1"/>
+              <a:t>z</a:t>
+            </a:r>
+            <a:r>
+              <a:rPr lang="en-US" altLang="it-IT" baseline="30000" dirty="0" err="1"/>
+              <a:t>A</a:t>
+            </a:r>
+            <a:r>
+              <a:rPr lang="en-US" altLang="it-IT" dirty="0"/>
+              <a:t>-z*)/z*.</a:t>
+            </a:r>
+          </a:p>
+          <a:p>
+            <a:pPr eaLnBrk="1" hangingPunct="1">
+              <a:lnSpc>
+                <a:spcPct val="90000"/>
+              </a:lnSpc>
+              <a:defRPr/>
+            </a:pPr>
+            <a:r>
+              <a:rPr lang="en-US" altLang="it-IT" dirty="0"/>
+              <a:t>A </a:t>
+            </a:r>
+            <a:r>
+              <a:rPr lang="en-US" altLang="it-IT" dirty="0" err="1"/>
+              <a:t>si</a:t>
+            </a:r>
+            <a:r>
+              <a:rPr lang="en-US" altLang="it-IT" dirty="0"/>
+              <a:t> dice </a:t>
+            </a:r>
+            <a:r>
+              <a:rPr lang="en-US" altLang="it-IT" dirty="0">
+                <a:solidFill>
+                  <a:srgbClr val="FF0000"/>
+                </a:solidFill>
+                <a:latin typeface="Symbol" panose="05050102010706020507" pitchFamily="18" charset="2"/>
+              </a:rPr>
+              <a:t>e</a:t>
+            </a:r>
+            <a:r>
+              <a:rPr lang="en-US" altLang="it-IT" dirty="0">
+                <a:solidFill>
+                  <a:srgbClr val="FF0000"/>
+                </a:solidFill>
+              </a:rPr>
+              <a:t>-</a:t>
+            </a:r>
+            <a:r>
+              <a:rPr lang="en-US" altLang="it-IT" dirty="0" err="1">
+                <a:solidFill>
+                  <a:srgbClr val="FF0000"/>
+                </a:solidFill>
+              </a:rPr>
+              <a:t>approssimato</a:t>
+            </a:r>
+            <a:r>
+              <a:rPr lang="en-US" altLang="it-IT" dirty="0"/>
+              <a:t> se </a:t>
+            </a:r>
+            <a:r>
+              <a:rPr lang="en-US" altLang="it-IT" dirty="0">
+                <a:sym typeface="Symbol" panose="05050102010706020507" pitchFamily="18" charset="2"/>
+              </a:rPr>
+              <a:t></a:t>
+            </a:r>
+            <a:r>
+              <a:rPr lang="en-US" altLang="it-IT" dirty="0"/>
+              <a:t> </a:t>
+            </a:r>
+            <a:r>
+              <a:rPr lang="en-US" altLang="it-IT" dirty="0" err="1"/>
+              <a:t>istanza</a:t>
+            </a:r>
+            <a:r>
+              <a:rPr lang="en-US" altLang="it-IT" dirty="0"/>
+              <a:t> I vale </a:t>
+            </a:r>
+            <a:r>
+              <a:rPr lang="en-US" altLang="it-IT" dirty="0" err="1">
+                <a:solidFill>
+                  <a:srgbClr val="FF0000"/>
+                </a:solidFill>
+              </a:rPr>
+              <a:t>E</a:t>
+            </a:r>
+            <a:r>
+              <a:rPr lang="en-US" altLang="it-IT" baseline="-25000" dirty="0" err="1">
+                <a:solidFill>
+                  <a:srgbClr val="FF0000"/>
+                </a:solidFill>
+              </a:rPr>
+              <a:t>r</a:t>
+            </a:r>
+            <a:r>
+              <a:rPr lang="en-US" altLang="it-IT" dirty="0">
+                <a:solidFill>
+                  <a:srgbClr val="FF0000"/>
+                </a:solidFill>
+              </a:rPr>
+              <a:t>&lt;</a:t>
+            </a:r>
+            <a:r>
+              <a:rPr lang="en-US" altLang="it-IT" dirty="0">
+                <a:solidFill>
+                  <a:srgbClr val="FF0000"/>
+                </a:solidFill>
+                <a:latin typeface="Symbol" panose="05050102010706020507" pitchFamily="18" charset="2"/>
+              </a:rPr>
+              <a:t>e</a:t>
+            </a:r>
+            <a:r>
+              <a:rPr lang="en-US" altLang="it-IT" dirty="0"/>
+              <a:t>.</a:t>
+            </a:r>
+          </a:p>
+          <a:p>
+            <a:pPr eaLnBrk="1" hangingPunct="1">
+              <a:lnSpc>
+                <a:spcPct val="90000"/>
+              </a:lnSpc>
+              <a:defRPr/>
+            </a:pPr>
+            <a:endParaRPr lang="en-US" altLang="it-IT" dirty="0"/>
+          </a:p>
+          <a:p>
+            <a:pPr eaLnBrk="1" hangingPunct="1">
+              <a:lnSpc>
+                <a:spcPct val="90000"/>
+              </a:lnSpc>
+              <a:defRPr/>
+            </a:pPr>
+            <a:r>
+              <a:rPr lang="en-US" altLang="it-IT" dirty="0" err="1"/>
+              <a:t>Poichè</a:t>
+            </a:r>
+            <a:r>
+              <a:rPr lang="en-US" altLang="it-IT" dirty="0"/>
+              <a:t> </a:t>
+            </a:r>
+            <a:r>
+              <a:rPr lang="en-US" altLang="it-IT" dirty="0" err="1"/>
+              <a:t>generalmente</a:t>
+            </a:r>
+            <a:r>
+              <a:rPr lang="en-US" altLang="it-IT" dirty="0"/>
+              <a:t> </a:t>
+            </a:r>
+            <a:r>
+              <a:rPr lang="en-US" altLang="it-IT" dirty="0" err="1"/>
+              <a:t>il</a:t>
+            </a:r>
+            <a:r>
+              <a:rPr lang="en-US" altLang="it-IT" dirty="0"/>
+              <a:t> </a:t>
+            </a:r>
+            <a:r>
+              <a:rPr lang="en-US" altLang="it-IT" dirty="0" err="1"/>
+              <a:t>valore</a:t>
+            </a:r>
+            <a:r>
+              <a:rPr lang="en-US" altLang="it-IT" dirty="0"/>
+              <a:t> z* non è </a:t>
+            </a:r>
+            <a:r>
+              <a:rPr lang="en-US" altLang="it-IT" dirty="0" err="1"/>
+              <a:t>noto</a:t>
+            </a:r>
+            <a:r>
+              <a:rPr lang="en-US" altLang="it-IT" dirty="0"/>
+              <a:t>, </a:t>
+            </a:r>
+          </a:p>
+          <a:p>
+            <a:pPr eaLnBrk="1" hangingPunct="1">
+              <a:lnSpc>
+                <a:spcPct val="90000"/>
+              </a:lnSpc>
+              <a:defRPr/>
+            </a:pPr>
+            <a:r>
+              <a:rPr lang="en-US" altLang="it-IT" dirty="0" err="1"/>
+              <a:t>si</a:t>
+            </a:r>
+            <a:r>
+              <a:rPr lang="en-US" altLang="it-IT" dirty="0"/>
+              <a:t> </a:t>
+            </a:r>
+            <a:r>
+              <a:rPr lang="en-US" altLang="it-IT" dirty="0" err="1"/>
+              <a:t>utilizza</a:t>
+            </a:r>
+            <a:r>
+              <a:rPr lang="en-US" altLang="it-IT" dirty="0"/>
+              <a:t> </a:t>
+            </a:r>
+            <a:r>
+              <a:rPr lang="en-US" altLang="it-IT" dirty="0" err="1"/>
+              <a:t>una</a:t>
+            </a:r>
+            <a:r>
+              <a:rPr lang="en-US" altLang="it-IT" dirty="0"/>
+              <a:t> </a:t>
+            </a:r>
+            <a:r>
+              <a:rPr lang="en-US" altLang="it-IT" dirty="0" err="1"/>
+              <a:t>stima</a:t>
+            </a:r>
+            <a:r>
+              <a:rPr lang="en-US" altLang="it-IT" dirty="0"/>
+              <a:t> </a:t>
+            </a:r>
+            <a:r>
+              <a:rPr lang="en-US" altLang="it-IT" dirty="0" err="1"/>
+              <a:t>ottimistica</a:t>
+            </a:r>
+            <a:r>
+              <a:rPr lang="en-US" altLang="it-IT" dirty="0"/>
+              <a:t> </a:t>
+            </a:r>
+            <a:r>
+              <a:rPr lang="en-US" altLang="it-IT" dirty="0" err="1"/>
+              <a:t>z</a:t>
+            </a:r>
+            <a:r>
+              <a:rPr lang="en-US" altLang="it-IT" baseline="30000" dirty="0" err="1"/>
+              <a:t>L</a:t>
+            </a:r>
+            <a:r>
+              <a:rPr lang="en-US" altLang="it-IT" dirty="0"/>
+              <a:t>&lt;z* (</a:t>
+            </a:r>
+            <a:r>
+              <a:rPr lang="en-US" altLang="it-IT" i="1" dirty="0" err="1">
+                <a:solidFill>
+                  <a:schemeClr val="accent6">
+                    <a:lumMod val="60000"/>
+                    <a:lumOff val="40000"/>
+                  </a:schemeClr>
+                </a:solidFill>
+              </a:rPr>
+              <a:t>nb</a:t>
+            </a:r>
+            <a:r>
+              <a:rPr lang="en-US" altLang="it-IT" i="1" dirty="0">
+                <a:solidFill>
+                  <a:schemeClr val="accent6">
+                    <a:lumMod val="60000"/>
+                    <a:lumOff val="40000"/>
+                  </a:schemeClr>
+                </a:solidFill>
+              </a:rPr>
+              <a:t> </a:t>
+            </a:r>
+            <a:r>
+              <a:rPr lang="en-US" altLang="it-IT" i="1" dirty="0" err="1">
+                <a:solidFill>
+                  <a:schemeClr val="accent6">
+                    <a:lumMod val="60000"/>
+                    <a:lumOff val="40000"/>
+                  </a:schemeClr>
+                </a:solidFill>
+              </a:rPr>
+              <a:t>caso</a:t>
+            </a:r>
+            <a:r>
+              <a:rPr lang="en-US" altLang="it-IT" i="1" dirty="0">
+                <a:solidFill>
+                  <a:schemeClr val="accent6">
+                    <a:lumMod val="60000"/>
+                    <a:lumOff val="40000"/>
+                  </a:schemeClr>
+                </a:solidFill>
+              </a:rPr>
+              <a:t> di </a:t>
+            </a:r>
+            <a:r>
+              <a:rPr lang="en-US" altLang="it-IT" i="1" dirty="0" err="1">
+                <a:solidFill>
+                  <a:schemeClr val="accent6">
+                    <a:lumMod val="60000"/>
+                    <a:lumOff val="40000"/>
+                  </a:schemeClr>
+                </a:solidFill>
+              </a:rPr>
+              <a:t>minimo</a:t>
+            </a:r>
+            <a:r>
+              <a:rPr lang="en-US" altLang="it-IT" dirty="0"/>
+              <a:t>)</a:t>
+            </a:r>
+          </a:p>
+        </p:txBody>
+      </p:sp>
+    </p:spTree>
   </p:cSld>
   <p:clrMapOvr>
     <a:masterClrMapping/>
@@ -4868,6 +10065,30 @@
             </a:r>
             <a:endParaRPr lang="en-US" dirty="0"/>
           </a:p>
+          <a:p>
+            <a:endParaRPr lang="en-US" dirty="0"/>
+          </a:p>
+          <a:p>
+            <a:pPr marL="0" indent="0">
+              <a:buNone/>
+            </a:pPr>
+            <a:r>
+              <a:rPr lang="en-US" dirty="0" err="1"/>
+              <a:t>Lezione</a:t>
+            </a:r>
+            <a:r>
+              <a:rPr lang="en-US" dirty="0"/>
+              <a:t> 13 – </a:t>
+            </a:r>
+            <a:r>
+              <a:rPr lang="en-US" dirty="0" err="1"/>
+              <a:t>Parte</a:t>
+            </a:r>
+            <a:r>
+              <a:rPr lang="en-US" dirty="0"/>
+              <a:t> 1 [38:44]</a:t>
+            </a:r>
+          </a:p>
         </p:txBody>
       </p:sp>
     </p:spTree>
@@ -4973,7 +10194,10 @@
               <a:rPr lang="en-US" dirty="0" err="1"/>
               <a:t>simmetrico</a:t>
             </a:r>
-            <a:endParaRPr lang="en-US" dirty="0"/>
+            <a:r>
+              <a:rPr lang="en-US" dirty="0"/>
+              <a:t> S-TSPPD</a:t>
+            </a:r>
           </a:p>
         </p:txBody>
       </p:sp>
@@ -4993,7 +10217,12 @@
             <p:ph sz="half" idx="2"/>
           </p:nvPr>
         </p:nvSpPr>
-        <p:spPr/>
+        <p:spPr>
+          <a:xfrm>
+            <a:off x="839788" y="2505075"/>
+            <a:ext cx="5157787" cy="1519529"/>
+          </a:xfrm>
+        </p:spPr>
         <p:txBody>
           <a:bodyPr/>
           <a:lstStyle/>
@@ -5115,6 +10344,608 @@
           </a:p>
         </p:txBody>
       </p:sp>
+      <p:pic>
+        <p:nvPicPr>
+          <p:cNvPr id="7" name="Picture 6">
+            <a:extLst>
+              <a:ext uri="{FF2B5EF4-FFF2-40B4-BE49-F238E27FC236}">
+                <a16:creationId xmlns:a16="http://schemas.microsoft.com/office/drawing/2014/main" id="{3B81EC19-C53A-07BE-472D-F6EB51B87CCE}"/>
+              </a:ext>
+            </a:extLst>
+          </p:cNvPr>
+          <p:cNvPicPr>
+            <a:picLocks noChangeAspect="1"/>
+          </p:cNvPicPr>
+          <p:nvPr/>
+        </p:nvPicPr>
+        <p:blipFill>
+          <a:blip r:embed="rId2"/>
+          <a:stretch>
+            <a:fillRect/>
+          </a:stretch>
+        </p:blipFill>
+        <p:spPr>
+          <a:xfrm>
+            <a:off x="836612" y="4535701"/>
+            <a:ext cx="4503693" cy="500410"/>
+          </a:xfrm>
+          <a:prstGeom prst="rect">
+            <a:avLst/>
+          </a:prstGeom>
+        </p:spPr>
+      </p:pic>
+      <p:sp>
+        <p:nvSpPr>
+          <p:cNvPr id="9" name="TextBox 8">
+            <a:extLst>
+              <a:ext uri="{FF2B5EF4-FFF2-40B4-BE49-F238E27FC236}">
+                <a16:creationId xmlns:a16="http://schemas.microsoft.com/office/drawing/2014/main" id="{C47F57BE-97A4-CC0E-F685-2E8C375C1B00}"/>
+              </a:ext>
+            </a:extLst>
+          </p:cNvPr>
+          <p:cNvSpPr txBox="1"/>
+          <p:nvPr/>
+        </p:nvSpPr>
+        <p:spPr>
+          <a:xfrm>
+            <a:off x="6453609" y="4601240"/>
+            <a:ext cx="3788228" cy="369332"/>
+          </a:xfrm>
+          <a:prstGeom prst="rect">
+            <a:avLst/>
+          </a:prstGeom>
+          <a:noFill/>
+        </p:spPr>
+        <p:txBody>
+          <a:bodyPr wrap="square">
+            <a:spAutoFit/>
+          </a:bodyPr>
+          <a:lstStyle/>
+          <a:p>
+            <a:r>
+              <a:rPr lang="en-US" dirty="0"/>
+              <a:t>In </a:t>
+            </a:r>
+            <a:r>
+              <a:rPr lang="en-US" dirty="0" err="1"/>
+              <a:t>ogni</a:t>
+            </a:r>
+            <a:r>
+              <a:rPr lang="en-US" dirty="0"/>
+              <a:t> </a:t>
+            </a:r>
+            <a:r>
+              <a:rPr lang="en-US" dirty="0" err="1"/>
+              <a:t>nodo</a:t>
+            </a:r>
+            <a:r>
+              <a:rPr lang="en-US" dirty="0"/>
+              <a:t> solo </a:t>
+            </a:r>
+            <a:r>
+              <a:rPr lang="en-US" dirty="0" err="1"/>
+              <a:t>incidenti</a:t>
+            </a:r>
+            <a:r>
+              <a:rPr lang="en-US" dirty="0"/>
+              <a:t> solo 2 </a:t>
+            </a:r>
+            <a:r>
+              <a:rPr lang="en-US" dirty="0" err="1"/>
+              <a:t>archi</a:t>
+            </a:r>
+            <a:endParaRPr lang="en-US" dirty="0"/>
+          </a:p>
+        </p:txBody>
+      </p:sp>
+      <p:cxnSp>
+        <p:nvCxnSpPr>
+          <p:cNvPr id="11" name="Straight Arrow Connector 10">
+            <a:extLst>
+              <a:ext uri="{FF2B5EF4-FFF2-40B4-BE49-F238E27FC236}">
+                <a16:creationId xmlns:a16="http://schemas.microsoft.com/office/drawing/2014/main" id="{980E4638-74E5-35B0-660C-816CEC576E6B}"/>
+              </a:ext>
+            </a:extLst>
+          </p:cNvPr>
+          <p:cNvCxnSpPr>
+            <a:stCxn id="7" idx="3"/>
+            <a:endCxn id="9" idx="1"/>
+          </p:cNvCxnSpPr>
+          <p:nvPr/>
+        </p:nvCxnSpPr>
+        <p:spPr>
+          <a:xfrm>
+            <a:off x="5340305" y="4785906"/>
+            <a:ext cx="1113304" cy="0"/>
+          </a:xfrm>
+          <a:prstGeom prst="straightConnector1">
+            <a:avLst/>
+          </a:prstGeom>
+          <a:ln>
+            <a:tailEnd type="triangle"/>
+          </a:ln>
+        </p:spPr>
+        <p:style>
+          <a:lnRef idx="1">
+            <a:schemeClr val="accent1"/>
+          </a:lnRef>
+          <a:fillRef idx="0">
+            <a:schemeClr val="accent1"/>
+          </a:fillRef>
+          <a:effectRef idx="0">
+            <a:schemeClr val="accent1"/>
+          </a:effectRef>
+          <a:fontRef idx="minor">
+            <a:schemeClr val="tx1"/>
+          </a:fontRef>
+        </p:style>
+      </p:cxnSp>
+      <p:sp>
+        <p:nvSpPr>
+          <p:cNvPr id="13" name="TextBox 12">
+            <a:extLst>
+              <a:ext uri="{FF2B5EF4-FFF2-40B4-BE49-F238E27FC236}">
+                <a16:creationId xmlns:a16="http://schemas.microsoft.com/office/drawing/2014/main" id="{E302DE9C-3D1D-548F-24B0-B5B2A6536462}"/>
+              </a:ext>
+            </a:extLst>
+          </p:cNvPr>
+          <p:cNvSpPr txBox="1"/>
+          <p:nvPr/>
+        </p:nvSpPr>
+        <p:spPr>
+          <a:xfrm>
+            <a:off x="6453609" y="5023657"/>
+            <a:ext cx="5865909" cy="1200329"/>
+          </a:xfrm>
+          <a:prstGeom prst="rect">
+            <a:avLst/>
+          </a:prstGeom>
+          <a:noFill/>
+        </p:spPr>
+        <p:txBody>
+          <a:bodyPr wrap="square">
+            <a:spAutoFit/>
+          </a:bodyPr>
+          <a:lstStyle/>
+          <a:p>
+            <a:r>
+              <a:rPr lang="en-US" dirty="0"/>
+              <a:t>Per </a:t>
+            </a:r>
+            <a:r>
+              <a:rPr lang="en-US" dirty="0" err="1"/>
+              <a:t>ogni</a:t>
+            </a:r>
+            <a:r>
+              <a:rPr lang="en-US" dirty="0"/>
+              <a:t> modo </a:t>
+            </a:r>
+            <a:r>
+              <a:rPr lang="en-US" dirty="0" err="1"/>
+              <a:t>che</a:t>
+            </a:r>
+            <a:r>
+              <a:rPr lang="en-US" dirty="0"/>
+              <a:t> ho di divider I 2 </a:t>
+            </a:r>
+            <a:r>
+              <a:rPr lang="en-US" dirty="0" err="1"/>
+              <a:t>sottoinsiemi</a:t>
+            </a:r>
+            <a:r>
+              <a:rPr lang="en-US" dirty="0"/>
+              <a:t> (</a:t>
+            </a:r>
+            <a:r>
+              <a:rPr lang="en-US" dirty="0" err="1"/>
+              <a:t>cioè</a:t>
+            </a:r>
+            <a:r>
+              <a:rPr lang="en-US" dirty="0"/>
+              <a:t> per </a:t>
+            </a:r>
+            <a:r>
+              <a:rPr lang="en-US" dirty="0" err="1"/>
+              <a:t>ogni</a:t>
+            </a:r>
+            <a:r>
+              <a:rPr lang="en-US" dirty="0"/>
+              <a:t> </a:t>
+            </a:r>
+            <a:r>
+              <a:rPr lang="en-US" dirty="0" err="1"/>
+              <a:t>taglio</a:t>
+            </a:r>
+            <a:r>
+              <a:rPr lang="en-US" dirty="0"/>
+              <a:t>). Se </a:t>
+            </a:r>
+            <a:r>
+              <a:rPr lang="en-US" dirty="0" err="1"/>
+              <a:t>coloro</a:t>
+            </a:r>
+            <a:r>
+              <a:rPr lang="en-US" dirty="0"/>
+              <a:t> </a:t>
+            </a:r>
+            <a:r>
+              <a:rPr lang="en-US" dirty="0" err="1"/>
+              <a:t>arbitrariamente</a:t>
+            </a:r>
+            <a:r>
+              <a:rPr lang="en-US" dirty="0"/>
+              <a:t> </a:t>
+            </a:r>
+            <a:r>
+              <a:rPr lang="en-US" dirty="0" err="1"/>
+              <a:t>i</a:t>
+            </a:r>
+            <a:r>
+              <a:rPr lang="en-US" dirty="0"/>
+              <a:t> nodi del </a:t>
+            </a:r>
+            <a:r>
+              <a:rPr lang="en-US" dirty="0" err="1"/>
+              <a:t>mio</a:t>
+            </a:r>
+            <a:r>
+              <a:rPr lang="en-US" dirty="0"/>
+              <a:t> </a:t>
+            </a:r>
+            <a:r>
+              <a:rPr lang="en-US" dirty="0" err="1"/>
+              <a:t>grafo</a:t>
+            </a:r>
+            <a:r>
+              <a:rPr lang="en-US" dirty="0"/>
+              <a:t> con </a:t>
+            </a:r>
+            <a:r>
+              <a:rPr lang="en-US" dirty="0" err="1"/>
+              <a:t>colore</a:t>
+            </a:r>
+            <a:r>
+              <a:rPr lang="en-US" dirty="0"/>
+              <a:t> </a:t>
+            </a:r>
+            <a:r>
+              <a:rPr lang="en-US" dirty="0" err="1"/>
+              <a:t>nero</a:t>
+            </a:r>
+            <a:r>
+              <a:rPr lang="en-US" dirty="0"/>
+              <a:t> e </a:t>
+            </a:r>
+            <a:r>
+              <a:rPr lang="en-US" dirty="0" err="1"/>
+              <a:t>bianco</a:t>
+            </a:r>
+            <a:r>
+              <a:rPr lang="en-US" dirty="0"/>
+              <a:t> </a:t>
+            </a:r>
+            <a:r>
+              <a:rPr lang="en-US" dirty="0" err="1"/>
+              <a:t>allora</a:t>
+            </a:r>
+            <a:r>
+              <a:rPr lang="en-US" dirty="0"/>
+              <a:t> </a:t>
+            </a:r>
+            <a:r>
+              <a:rPr lang="en-US" dirty="0" err="1"/>
+              <a:t>vedo</a:t>
+            </a:r>
+            <a:r>
+              <a:rPr lang="en-US" dirty="0"/>
+              <a:t> </a:t>
+            </a:r>
+            <a:r>
+              <a:rPr lang="en-US" dirty="0" err="1"/>
+              <a:t>che</a:t>
+            </a:r>
+            <a:r>
+              <a:rPr lang="en-US" dirty="0"/>
+              <a:t> per </a:t>
+            </a:r>
+            <a:r>
+              <a:rPr lang="en-US" dirty="0" err="1"/>
+              <a:t>avere</a:t>
+            </a:r>
+            <a:r>
+              <a:rPr lang="en-US" dirty="0"/>
+              <a:t> un </a:t>
+            </a:r>
+            <a:r>
+              <a:rPr lang="en-US" dirty="0" err="1"/>
+              <a:t>ciclo</a:t>
+            </a:r>
+            <a:r>
+              <a:rPr lang="en-US" dirty="0"/>
+              <a:t> devo </a:t>
+            </a:r>
+            <a:r>
+              <a:rPr lang="en-US" dirty="0" err="1"/>
+              <a:t>avere</a:t>
+            </a:r>
+            <a:r>
+              <a:rPr lang="en-US" dirty="0"/>
+              <a:t> un </a:t>
+            </a:r>
+            <a:r>
+              <a:rPr lang="en-US" dirty="0" err="1"/>
+              <a:t>numero</a:t>
+            </a:r>
+            <a:r>
+              <a:rPr lang="en-US" dirty="0"/>
+              <a:t> di </a:t>
+            </a:r>
+            <a:r>
+              <a:rPr lang="en-US" dirty="0" err="1"/>
+              <a:t>archi</a:t>
+            </a:r>
+            <a:r>
+              <a:rPr lang="en-US" dirty="0"/>
+              <a:t> </a:t>
+            </a:r>
+            <a:r>
+              <a:rPr lang="en-US" dirty="0" err="1"/>
+              <a:t>incidenti</a:t>
+            </a:r>
+            <a:r>
+              <a:rPr lang="en-US" dirty="0"/>
+              <a:t> </a:t>
+            </a:r>
+            <a:r>
+              <a:rPr lang="en-US" dirty="0" err="1"/>
+              <a:t>nel</a:t>
+            </a:r>
+            <a:r>
+              <a:rPr lang="en-US" dirty="0"/>
+              <a:t> </a:t>
+            </a:r>
+            <a:r>
+              <a:rPr lang="en-US" dirty="0" err="1"/>
+              <a:t>taglio</a:t>
+            </a:r>
+            <a:r>
+              <a:rPr lang="en-US" dirty="0"/>
+              <a:t> &gt;=2</a:t>
+            </a:r>
+          </a:p>
+        </p:txBody>
+      </p:sp>
+      <p:pic>
+        <p:nvPicPr>
+          <p:cNvPr id="15" name="Picture 14">
+            <a:extLst>
+              <a:ext uri="{FF2B5EF4-FFF2-40B4-BE49-F238E27FC236}">
+                <a16:creationId xmlns:a16="http://schemas.microsoft.com/office/drawing/2014/main" id="{5984100E-1297-2E95-23CF-CD1AC9CBE9E4}"/>
+              </a:ext>
+            </a:extLst>
+          </p:cNvPr>
+          <p:cNvPicPr>
+            <a:picLocks noChangeAspect="1"/>
+          </p:cNvPicPr>
+          <p:nvPr/>
+        </p:nvPicPr>
+        <p:blipFill>
+          <a:blip r:embed="rId3"/>
+          <a:stretch>
+            <a:fillRect/>
+          </a:stretch>
+        </p:blipFill>
+        <p:spPr>
+          <a:xfrm>
+            <a:off x="836612" y="5428532"/>
+            <a:ext cx="4503693" cy="390577"/>
+          </a:xfrm>
+          <a:prstGeom prst="rect">
+            <a:avLst/>
+          </a:prstGeom>
+        </p:spPr>
+      </p:pic>
+      <p:cxnSp>
+        <p:nvCxnSpPr>
+          <p:cNvPr id="17" name="Straight Arrow Connector 16">
+            <a:extLst>
+              <a:ext uri="{FF2B5EF4-FFF2-40B4-BE49-F238E27FC236}">
+                <a16:creationId xmlns:a16="http://schemas.microsoft.com/office/drawing/2014/main" id="{A234DA2C-D0E2-D79B-8285-DC4A6481E9DD}"/>
+              </a:ext>
+            </a:extLst>
+          </p:cNvPr>
+          <p:cNvCxnSpPr>
+            <a:stCxn id="15" idx="3"/>
+            <a:endCxn id="13" idx="1"/>
+          </p:cNvCxnSpPr>
+          <p:nvPr/>
+        </p:nvCxnSpPr>
+        <p:spPr>
+          <a:xfrm>
+            <a:off x="5340305" y="5623821"/>
+            <a:ext cx="1113304" cy="1"/>
+          </a:xfrm>
+          <a:prstGeom prst="straightConnector1">
+            <a:avLst/>
+          </a:prstGeom>
+          <a:ln>
+            <a:tailEnd type="triangle"/>
+          </a:ln>
+        </p:spPr>
+        <p:style>
+          <a:lnRef idx="1">
+            <a:schemeClr val="accent1"/>
+          </a:lnRef>
+          <a:fillRef idx="0">
+            <a:schemeClr val="accent1"/>
+          </a:fillRef>
+          <a:effectRef idx="0">
+            <a:schemeClr val="accent1"/>
+          </a:effectRef>
+          <a:fontRef idx="minor">
+            <a:schemeClr val="tx1"/>
+          </a:fontRef>
+        </p:style>
+      </p:cxnSp>
+      <p:sp>
+        <p:nvSpPr>
+          <p:cNvPr id="19" name="TextBox 18">
+            <a:extLst>
+              <a:ext uri="{FF2B5EF4-FFF2-40B4-BE49-F238E27FC236}">
+                <a16:creationId xmlns:a16="http://schemas.microsoft.com/office/drawing/2014/main" id="{AD0C92B7-A962-1766-3CFB-4051DBEEF624}"/>
+              </a:ext>
+            </a:extLst>
+          </p:cNvPr>
+          <p:cNvSpPr txBox="1"/>
+          <p:nvPr/>
+        </p:nvSpPr>
+        <p:spPr>
+          <a:xfrm>
+            <a:off x="702842" y="6497770"/>
+            <a:ext cx="10139330" cy="369332"/>
+          </a:xfrm>
+          <a:prstGeom prst="rect">
+            <a:avLst/>
+          </a:prstGeom>
+          <a:noFill/>
+        </p:spPr>
+        <p:txBody>
+          <a:bodyPr wrap="square">
+            <a:spAutoFit/>
+          </a:bodyPr>
+          <a:lstStyle/>
+          <a:p>
+            <a:r>
+              <a:rPr lang="en-US" dirty="0"/>
+              <a:t>È </a:t>
+            </a:r>
+            <a:r>
+              <a:rPr lang="en-US" dirty="0" err="1"/>
+              <a:t>una</a:t>
+            </a:r>
+            <a:r>
+              <a:rPr lang="en-US" dirty="0"/>
+              <a:t> </a:t>
+            </a:r>
+            <a:r>
+              <a:rPr lang="en-US" dirty="0" err="1"/>
+              <a:t>formulazione</a:t>
+            </a:r>
+            <a:r>
+              <a:rPr lang="en-US" dirty="0"/>
+              <a:t> </a:t>
+            </a:r>
+            <a:r>
+              <a:rPr lang="en-US" dirty="0" err="1"/>
+              <a:t>che</a:t>
+            </a:r>
+            <a:r>
+              <a:rPr lang="en-US" dirty="0"/>
+              <a:t> pone </a:t>
+            </a:r>
+            <a:r>
+              <a:rPr lang="en-US" dirty="0" err="1"/>
+              <a:t>dei</a:t>
+            </a:r>
+            <a:r>
+              <a:rPr lang="en-US" dirty="0"/>
+              <a:t> problem per il gran </a:t>
+            </a:r>
+            <a:r>
+              <a:rPr lang="en-US" dirty="0" err="1"/>
+              <a:t>numero</a:t>
+            </a:r>
+            <a:r>
+              <a:rPr lang="en-US" dirty="0"/>
+              <a:t> di </a:t>
+            </a:r>
+            <a:r>
+              <a:rPr lang="en-US" dirty="0" err="1"/>
+              <a:t>vincoli</a:t>
+            </a:r>
+            <a:r>
+              <a:rPr lang="en-US" dirty="0"/>
+              <a:t>, ma a </a:t>
+            </a:r>
+            <a:r>
+              <a:rPr lang="en-US" dirty="0" err="1"/>
+              <a:t>noi</a:t>
+            </a:r>
+            <a:r>
+              <a:rPr lang="en-US" dirty="0"/>
+              <a:t> non </a:t>
+            </a:r>
+            <a:r>
+              <a:rPr lang="en-US" dirty="0" err="1"/>
+              <a:t>interessa</a:t>
+            </a:r>
+            <a:r>
+              <a:rPr lang="en-US" dirty="0"/>
+              <a:t>.. </a:t>
+            </a:r>
+          </a:p>
+        </p:txBody>
+      </p:sp>
+      <p:pic>
+        <p:nvPicPr>
+          <p:cNvPr id="21" name="Picture 20">
+            <a:extLst>
+              <a:ext uri="{FF2B5EF4-FFF2-40B4-BE49-F238E27FC236}">
+                <a16:creationId xmlns:a16="http://schemas.microsoft.com/office/drawing/2014/main" id="{62AC8109-CBDB-0E27-65E5-5C09BB6099E1}"/>
+              </a:ext>
+            </a:extLst>
+          </p:cNvPr>
+          <p:cNvPicPr>
+            <a:picLocks noChangeAspect="1"/>
+          </p:cNvPicPr>
+          <p:nvPr/>
+        </p:nvPicPr>
+        <p:blipFill>
+          <a:blip r:embed="rId4"/>
+          <a:stretch>
+            <a:fillRect/>
+          </a:stretch>
+        </p:blipFill>
+        <p:spPr>
+          <a:xfrm>
+            <a:off x="836612" y="6193056"/>
+            <a:ext cx="3172751" cy="282975"/>
+          </a:xfrm>
+          <a:prstGeom prst="rect">
+            <a:avLst/>
+          </a:prstGeom>
+        </p:spPr>
+      </p:pic>
+      <p:pic>
+        <p:nvPicPr>
+          <p:cNvPr id="23" name="Picture 22">
+            <a:extLst>
+              <a:ext uri="{FF2B5EF4-FFF2-40B4-BE49-F238E27FC236}">
+                <a16:creationId xmlns:a16="http://schemas.microsoft.com/office/drawing/2014/main" id="{142F8543-592E-F234-73D1-50553DFF894E}"/>
+              </a:ext>
+            </a:extLst>
+          </p:cNvPr>
+          <p:cNvPicPr>
+            <a:picLocks noChangeAspect="1"/>
+          </p:cNvPicPr>
+          <p:nvPr/>
+        </p:nvPicPr>
+        <p:blipFill>
+          <a:blip r:embed="rId5"/>
+          <a:stretch>
+            <a:fillRect/>
+          </a:stretch>
+        </p:blipFill>
+        <p:spPr>
+          <a:xfrm>
+            <a:off x="718800" y="2850349"/>
+            <a:ext cx="5053707" cy="1663613"/>
+          </a:xfrm>
+          <a:prstGeom prst="rect">
+            <a:avLst/>
+          </a:prstGeom>
+        </p:spPr>
+      </p:pic>
     </p:spTree>
     <p:extLst>
       <p:ext uri="{BB962C8B-B14F-4D97-AF65-F5344CB8AC3E}">
@@ -5201,7 +11032,12 @@
             <p:ph type="body" idx="1"/>
           </p:nvPr>
         </p:nvSpPr>
-        <p:spPr/>
+        <p:spPr>
+          <a:xfrm>
+            <a:off x="839788" y="1681163"/>
+            <a:ext cx="6537616" cy="823912"/>
+          </a:xfrm>
+        </p:spPr>
         <p:txBody>
           <a:bodyPr/>
           <a:lstStyle/>
@@ -5236,7 +11072,7 @@
             </a:r>
             <a:r>
               <a:rPr lang="en-US" dirty="0"/>
-              <a:t>)</a:t>
+              <a:t>) A-TSPPD</a:t>
             </a:r>
           </a:p>
         </p:txBody>
@@ -6434,4 +12270,299 @@
     </a:ext>
   </a:extLst>
 </a:theme>
+</file>
+
+<file path=ppt/theme/theme2.xml><?xml version="1.0" encoding="utf-8"?>
+<a:theme xmlns:a="http://schemas.openxmlformats.org/drawingml/2006/main" name="Office Theme">
+  <a:themeElements>
+    <a:clrScheme name="Office">
+      <a:dk1>
+        <a:sysClr val="windowText" lastClr="000000"/>
+      </a:dk1>
+      <a:lt1>
+        <a:sysClr val="window" lastClr="FFFFFF"/>
+      </a:lt1>
+      <a:dk2>
+        <a:srgbClr val="44546A"/>
+      </a:dk2>
+      <a:lt2>
+        <a:srgbClr val="E7E6E6"/>
+      </a:lt2>
+      <a:accent1>
+        <a:srgbClr val="4472C4"/>
+      </a:accent1>
+      <a:accent2>
+        <a:srgbClr val="ED7D31"/>
+      </a:accent2>
+      <a:accent3>
+        <a:srgbClr val="A5A5A5"/>
+      </a:accent3>
+      <a:accent4>
+        <a:srgbClr val="FFC000"/>
+      </a:accent4>
+      <a:accent5>
+        <a:srgbClr val="5B9BD5"/>
+      </a:accent5>
+      <a:accent6>
+        <a:srgbClr val="70AD47"/>
+      </a:accent6>
+      <a:hlink>
+        <a:srgbClr val="0563C1"/>
+      </a:hlink>
+      <a:folHlink>
+        <a:srgbClr val="954F72"/>
+      </a:folHlink>
+    </a:clrScheme>
+    <a:fontScheme name="Office">
+      <a:majorFont>
+        <a:latin typeface="Calibri Light" panose="020F0302020204030204"/>
+        <a:ea typeface=""/>
+        <a:cs typeface=""/>
+        <a:font script="Jpan" typeface="游ゴシック Light"/>
+        <a:font script="Hang" typeface="맑은 고딕"/>
+        <a:font script="Hans" typeface="等线 Light"/>
+        <a:font script="Hant" typeface="新細明體"/>
+        <a:font script="Arab" typeface="Times New Roman"/>
+        <a:font script="Hebr" typeface="Times New Roman"/>
+        <a:font script="Thai" typeface="Angsana New"/>
+        <a:font script="Ethi" typeface="Nyala"/>
+        <a:font script="Beng" typeface="Vrinda"/>
+        <a:font script="Gujr" typeface="Shruti"/>
+        <a:font script="Khmr" typeface="MoolBoran"/>
+        <a:font script="Knda" typeface="Tunga"/>
+        <a:font script="Guru" typeface="Raavi"/>
+        <a:font script="Cans" typeface="Euphemia"/>
+        <a:font script="Cher" typeface="Plantagenet Cherokee"/>
+        <a:font script="Yiii" typeface="Microsoft Yi Baiti"/>
+        <a:font script="Tibt" typeface="Microsoft Himalaya"/>
+        <a:font script="Thaa" typeface="MV Boli"/>
+        <a:font script="Deva" typeface="Mangal"/>
+        <a:font script="Telu" typeface="Gautami"/>
+        <a:font script="Taml" typeface="Latha"/>
+        <a:font script="Syrc" typeface="Estrangelo Edessa"/>
+        <a:font script="Orya" typeface="Kalinga"/>
+        <a:font script="Mlym" typeface="Kartika"/>
+        <a:font script="Laoo" typeface="DokChampa"/>
+        <a:font script="Sinh" typeface="Iskoola Pota"/>
+        <a:font script="Mong" typeface="Mongolian Baiti"/>
+        <a:font script="Viet" typeface="Times New Roman"/>
+        <a:font script="Uigh" typeface="Microsoft Uighur"/>
+        <a:font script="Geor" typeface="Sylfaen"/>
+        <a:font script="Armn" typeface="Arial"/>
+        <a:font script="Bugi" typeface="Leelawadee UI"/>
+        <a:font script="Bopo" typeface="Microsoft JhengHei"/>
+        <a:font script="Java" typeface="Javanese Text"/>
+        <a:font script="Lisu" typeface="Segoe UI"/>
+        <a:font script="Mymr" typeface="Myanmar Text"/>
+        <a:font script="Nkoo" typeface="Ebrima"/>
+        <a:font script="Olck" typeface="Nirmala UI"/>
+        <a:font script="Osma" typeface="Ebrima"/>
+        <a:font script="Phag" typeface="Phagspa"/>
+        <a:font script="Syrn" typeface="Estrangelo Edessa"/>
+        <a:font script="Syrj" typeface="Estrangelo Edessa"/>
+        <a:font script="Syre" typeface="Estrangelo Edessa"/>
+        <a:font script="Sora" typeface="Nirmala UI"/>
+        <a:font script="Tale" typeface="Microsoft Tai Le"/>
+        <a:font script="Talu" typeface="Microsoft New Tai Lue"/>
+        <a:font script="Tfng" typeface="Ebrima"/>
+      </a:majorFont>
+      <a:minorFont>
+        <a:latin typeface="Calibri" panose="020F0502020204030204"/>
+        <a:ea typeface=""/>
+        <a:cs typeface=""/>
+        <a:font script="Jpan" typeface="游ゴシック"/>
+        <a:font script="Hang" typeface="맑은 고딕"/>
+        <a:font script="Hans" typeface="等线"/>
+        <a:font script="Hant" typeface="新細明體"/>
+        <a:font script="Arab" typeface="Arial"/>
+        <a:font script="Hebr" typeface="Arial"/>
+        <a:font script="Thai" typeface="Cordia New"/>
+        <a:font script="Ethi" typeface="Nyala"/>
+        <a:font script="Beng" typeface="Vrinda"/>
+        <a:font script="Gujr" typeface="Shruti"/>
+        <a:font script="Khmr" typeface="DaunPenh"/>
+        <a:font script="Knda" typeface="Tunga"/>
+        <a:font script="Guru" typeface="Raavi"/>
+        <a:font script="Cans" typeface="Euphemia"/>
+        <a:font script="Cher" typeface="Plantagenet Cherokee"/>
+        <a:font script="Yiii" typeface="Microsoft Yi Baiti"/>
+        <a:font script="Tibt" typeface="Microsoft Himalaya"/>
+        <a:font script="Thaa" typeface="MV Boli"/>
+        <a:font script="Deva" typeface="Mangal"/>
+        <a:font script="Telu" typeface="Gautami"/>
+        <a:font script="Taml" typeface="Latha"/>
+        <a:font script="Syrc" typeface="Estrangelo Edessa"/>
+        <a:font script="Orya" typeface="Kalinga"/>
+        <a:font script="Mlym" typeface="Kartika"/>
+        <a:font script="Laoo" typeface="DokChampa"/>
+        <a:font script="Sinh" typeface="Iskoola Pota"/>
+        <a:font script="Mong" typeface="Mongolian Baiti"/>
+        <a:font script="Viet" typeface="Arial"/>
+        <a:font script="Uigh" typeface="Microsoft Uighur"/>
+        <a:font script="Geor" typeface="Sylfaen"/>
+        <a:font script="Armn" typeface="Arial"/>
+        <a:font script="Bugi" typeface="Leelawadee UI"/>
+        <a:font script="Bopo" typeface="Microsoft JhengHei"/>
+        <a:font script="Java" typeface="Javanese Text"/>
+        <a:font script="Lisu" typeface="Segoe UI"/>
+        <a:font script="Mymr" typeface="Myanmar Text"/>
+        <a:font script="Nkoo" typeface="Ebrima"/>
+        <a:font script="Olck" typeface="Nirmala UI"/>
+        <a:font script="Osma" typeface="Ebrima"/>
+        <a:font script="Phag" typeface="Phagspa"/>
+        <a:font script="Syrn" typeface="Estrangelo Edessa"/>
+        <a:font script="Syrj" typeface="Estrangelo Edessa"/>
+        <a:font script="Syre" typeface="Estrangelo Edessa"/>
+        <a:font script="Sora" typeface="Nirmala UI"/>
+        <a:font script="Tale" typeface="Microsoft Tai Le"/>
+        <a:font script="Talu" typeface="Microsoft New Tai Lue"/>
+        <a:font script="Tfng" typeface="Ebrima"/>
+      </a:minorFont>
+    </a:fontScheme>
+    <a:fmtScheme name="Office">
+      <a:fillStyleLst>
+        <a:solidFill>
+          <a:schemeClr val="phClr"/>
+        </a:solidFill>
+        <a:gradFill rotWithShape="1">
+          <a:gsLst>
+            <a:gs pos="0">
+              <a:schemeClr val="phClr">
+                <a:lumMod val="110000"/>
+                <a:satMod val="105000"/>
+                <a:tint val="67000"/>
+              </a:schemeClr>
+            </a:gs>
+            <a:gs pos="50000">
+              <a:schemeClr val="phClr">
+                <a:lumMod val="105000"/>
+                <a:satMod val="103000"/>
+                <a:tint val="73000"/>
+              </a:schemeClr>
+            </a:gs>
+            <a:gs pos="100000">
+              <a:schemeClr val="phClr">
+                <a:lumMod val="105000"/>
+                <a:satMod val="109000"/>
+                <a:tint val="81000"/>
+              </a:schemeClr>
+            </a:gs>
+          </a:gsLst>
+          <a:lin ang="5400000" scaled="0"/>
+        </a:gradFill>
+        <a:gradFill rotWithShape="1">
+          <a:gsLst>
+            <a:gs pos="0">
+              <a:schemeClr val="phClr">
+                <a:satMod val="103000"/>
+                <a:lumMod val="102000"/>
+                <a:tint val="94000"/>
+              </a:schemeClr>
+            </a:gs>
+            <a:gs pos="50000">
+              <a:schemeClr val="phClr">
+                <a:satMod val="110000"/>
+                <a:lumMod val="100000"/>
+                <a:shade val="100000"/>
+              </a:schemeClr>
+            </a:gs>
+            <a:gs pos="100000">
+              <a:schemeClr val="phClr">
+                <a:lumMod val="99000"/>
+                <a:satMod val="120000"/>
+                <a:shade val="78000"/>
+              </a:schemeClr>
+            </a:gs>
+          </a:gsLst>
+          <a:lin ang="5400000" scaled="0"/>
+        </a:gradFill>
+      </a:fillStyleLst>
+      <a:lnStyleLst>
+        <a:ln w="6350" cap="flat" cmpd="sng" algn="ctr">
+          <a:solidFill>
+            <a:schemeClr val="phClr"/>
+          </a:solidFill>
+          <a:prstDash val="solid"/>
+          <a:miter lim="800000"/>
+        </a:ln>
+        <a:ln w="12700" cap="flat" cmpd="sng" algn="ctr">
+          <a:solidFill>
+            <a:schemeClr val="phClr"/>
+          </a:solidFill>
+          <a:prstDash val="solid"/>
+          <a:miter lim="800000"/>
+        </a:ln>
+        <a:ln w="19050" cap="flat" cmpd="sng" algn="ctr">
+          <a:solidFill>
+            <a:schemeClr val="phClr"/>
+          </a:solidFill>
+          <a:prstDash val="solid"/>
+          <a:miter lim="800000"/>
+        </a:ln>
+      </a:lnStyleLst>
+      <a:effectStyleLst>
+        <a:effectStyle>
+          <a:effectLst/>
+        </a:effectStyle>
+        <a:effectStyle>
+          <a:effectLst/>
+        </a:effectStyle>
+        <a:effectStyle>
+          <a:effectLst>
+            <a:outerShdw blurRad="57150" dist="19050" dir="5400000" algn="ctr" rotWithShape="0">
+              <a:srgbClr val="000000">
+                <a:alpha val="63000"/>
+              </a:srgbClr>
+            </a:outerShdw>
+          </a:effectLst>
+        </a:effectStyle>
+      </a:effectStyleLst>
+      <a:bgFillStyleLst>
+        <a:solidFill>
+          <a:schemeClr val="phClr"/>
+        </a:solidFill>
+        <a:solidFill>
+          <a:schemeClr val="phClr">
+            <a:tint val="95000"/>
+            <a:satMod val="170000"/>
+          </a:schemeClr>
+        </a:solidFill>
+        <a:gradFill rotWithShape="1">
+          <a:gsLst>
+            <a:gs pos="0">
+              <a:schemeClr val="phClr">
+                <a:tint val="93000"/>
+                <a:satMod val="150000"/>
+                <a:shade val="98000"/>
+                <a:lumMod val="102000"/>
+              </a:schemeClr>
+            </a:gs>
+            <a:gs pos="50000">
+              <a:schemeClr val="phClr">
+                <a:tint val="98000"/>
+                <a:satMod val="130000"/>
+                <a:shade val="90000"/>
+                <a:lumMod val="103000"/>
+              </a:schemeClr>
+            </a:gs>
+            <a:gs pos="100000">
+              <a:schemeClr val="phClr">
+                <a:shade val="63000"/>
+                <a:satMod val="120000"/>
+              </a:schemeClr>
+            </a:gs>
+          </a:gsLst>
+          <a:lin ang="5400000" scaled="0"/>
+        </a:gradFill>
+      </a:bgFillStyleLst>
+    </a:fmtScheme>
+  </a:themeElements>
+  <a:objectDefaults/>
+  <a:extraClrSchemeLst/>
+  <a:extLst>
+    <a:ext uri="{05A4C25C-085E-4340-85A3-A5531E510DB2}">
+      <thm15:themeFamily xmlns:thm15="http://schemas.microsoft.com/office/thememl/2012/main" name="Office Theme" id="{62F939B6-93AF-4DB8-9C6B-D6C7DFDC589F}" vid="{4A3C46E8-61CC-4603-A589-7422A47A8E4A}"/>
+    </a:ext>
+  </a:extLst>
+</a:theme>
 </file>